--- a/Exercises/figures.pptx
+++ b/Exercises/figures.pptx
@@ -7,6 +7,7 @@
   <p:sldIdLst>
     <p:sldId id="256" r:id="rId2"/>
     <p:sldId id="257" r:id="rId3"/>
+    <p:sldId id="258" r:id="rId4"/>
   </p:sldIdLst>
   <p:sldSz cx="12192000" cy="6858000"/>
   <p:notesSz cx="6858000" cy="9144000"/>
@@ -244,7 +245,7 @@
           <a:p>
             <a:fld id="{1587CBE6-EFEF-4EEC-B939-C814C016D8BF}" type="datetimeFigureOut">
               <a:rPr lang="en-US" smtClean="0"/>
-              <a:t>1/20/2020</a:t>
+              <a:t>1/23/2020</a:t>
             </a:fld>
             <a:endParaRPr lang="en-US"/>
           </a:p>
@@ -414,7 +415,7 @@
           <a:p>
             <a:fld id="{1587CBE6-EFEF-4EEC-B939-C814C016D8BF}" type="datetimeFigureOut">
               <a:rPr lang="en-US" smtClean="0"/>
-              <a:t>1/20/2020</a:t>
+              <a:t>1/23/2020</a:t>
             </a:fld>
             <a:endParaRPr lang="en-US"/>
           </a:p>
@@ -594,7 +595,7 @@
           <a:p>
             <a:fld id="{1587CBE6-EFEF-4EEC-B939-C814C016D8BF}" type="datetimeFigureOut">
               <a:rPr lang="en-US" smtClean="0"/>
-              <a:t>1/20/2020</a:t>
+              <a:t>1/23/2020</a:t>
             </a:fld>
             <a:endParaRPr lang="en-US"/>
           </a:p>
@@ -764,7 +765,7 @@
           <a:p>
             <a:fld id="{1587CBE6-EFEF-4EEC-B939-C814C016D8BF}" type="datetimeFigureOut">
               <a:rPr lang="en-US" smtClean="0"/>
-              <a:t>1/20/2020</a:t>
+              <a:t>1/23/2020</a:t>
             </a:fld>
             <a:endParaRPr lang="en-US"/>
           </a:p>
@@ -1010,7 +1011,7 @@
           <a:p>
             <a:fld id="{1587CBE6-EFEF-4EEC-B939-C814C016D8BF}" type="datetimeFigureOut">
               <a:rPr lang="en-US" smtClean="0"/>
-              <a:t>1/20/2020</a:t>
+              <a:t>1/23/2020</a:t>
             </a:fld>
             <a:endParaRPr lang="en-US"/>
           </a:p>
@@ -1242,7 +1243,7 @@
           <a:p>
             <a:fld id="{1587CBE6-EFEF-4EEC-B939-C814C016D8BF}" type="datetimeFigureOut">
               <a:rPr lang="en-US" smtClean="0"/>
-              <a:t>1/20/2020</a:t>
+              <a:t>1/23/2020</a:t>
             </a:fld>
             <a:endParaRPr lang="en-US"/>
           </a:p>
@@ -1609,7 +1610,7 @@
           <a:p>
             <a:fld id="{1587CBE6-EFEF-4EEC-B939-C814C016D8BF}" type="datetimeFigureOut">
               <a:rPr lang="en-US" smtClean="0"/>
-              <a:t>1/20/2020</a:t>
+              <a:t>1/23/2020</a:t>
             </a:fld>
             <a:endParaRPr lang="en-US"/>
           </a:p>
@@ -1727,7 +1728,7 @@
           <a:p>
             <a:fld id="{1587CBE6-EFEF-4EEC-B939-C814C016D8BF}" type="datetimeFigureOut">
               <a:rPr lang="en-US" smtClean="0"/>
-              <a:t>1/20/2020</a:t>
+              <a:t>1/23/2020</a:t>
             </a:fld>
             <a:endParaRPr lang="en-US"/>
           </a:p>
@@ -1822,7 +1823,7 @@
           <a:p>
             <a:fld id="{1587CBE6-EFEF-4EEC-B939-C814C016D8BF}" type="datetimeFigureOut">
               <a:rPr lang="en-US" smtClean="0"/>
-              <a:t>1/20/2020</a:t>
+              <a:t>1/23/2020</a:t>
             </a:fld>
             <a:endParaRPr lang="en-US"/>
           </a:p>
@@ -2099,7 +2100,7 @@
           <a:p>
             <a:fld id="{1587CBE6-EFEF-4EEC-B939-C814C016D8BF}" type="datetimeFigureOut">
               <a:rPr lang="en-US" smtClean="0"/>
-              <a:t>1/20/2020</a:t>
+              <a:t>1/23/2020</a:t>
             </a:fld>
             <a:endParaRPr lang="en-US"/>
           </a:p>
@@ -2352,7 +2353,7 @@
           <a:p>
             <a:fld id="{1587CBE6-EFEF-4EEC-B939-C814C016D8BF}" type="datetimeFigureOut">
               <a:rPr lang="en-US" smtClean="0"/>
-              <a:t>1/20/2020</a:t>
+              <a:t>1/23/2020</a:t>
             </a:fld>
             <a:endParaRPr lang="en-US"/>
           </a:p>
@@ -2565,7 +2566,7 @@
           <a:p>
             <a:fld id="{1587CBE6-EFEF-4EEC-B939-C814C016D8BF}" type="datetimeFigureOut">
               <a:rPr lang="en-US" smtClean="0"/>
-              <a:t>1/20/2020</a:t>
+              <a:t>1/23/2020</a:t>
             </a:fld>
             <a:endParaRPr lang="en-US"/>
           </a:p>
@@ -4168,8 +4169,8 @@
           </a:p>
         </p:txBody>
       </p:sp>
-      <mc:AlternateContent xmlns:mc="http://schemas.openxmlformats.org/markup-compatibility/2006">
-        <mc:Choice xmlns:a14="http://schemas.microsoft.com/office/drawing/2010/main" Requires="a14">
+      <mc:AlternateContent xmlns:mc="http://schemas.openxmlformats.org/markup-compatibility/2006" xmlns:a14="http://schemas.microsoft.com/office/drawing/2010/main">
+        <mc:Choice Requires="a14">
           <p:sp>
             <p:nvSpPr>
               <p:cNvPr id="3" name="Rectangle 2"/>
@@ -4295,7 +4296,7 @@
             </p:txBody>
           </p:sp>
         </mc:Choice>
-        <mc:Fallback>
+        <mc:Fallback xmlns="">
           <p:sp>
             <p:nvSpPr>
               <p:cNvPr id="3" name="Rectangle 2"/>
@@ -4339,8 +4340,8 @@
           </p:sp>
         </mc:Fallback>
       </mc:AlternateContent>
-      <mc:AlternateContent xmlns:mc="http://schemas.openxmlformats.org/markup-compatibility/2006">
-        <mc:Choice xmlns:a14="http://schemas.microsoft.com/office/drawing/2010/main" Requires="a14">
+      <mc:AlternateContent xmlns:mc="http://schemas.openxmlformats.org/markup-compatibility/2006" xmlns:a14="http://schemas.microsoft.com/office/drawing/2010/main">
+        <mc:Choice Requires="a14">
           <p:sp>
             <p:nvSpPr>
               <p:cNvPr id="15" name="Rectangle 14"/>
@@ -4466,7 +4467,7 @@
             </p:txBody>
           </p:sp>
         </mc:Choice>
-        <mc:Fallback>
+        <mc:Fallback xmlns="">
           <p:sp>
             <p:nvSpPr>
               <p:cNvPr id="15" name="Rectangle 14"/>
@@ -4614,8 +4615,8 @@
           </a:p>
         </p:txBody>
       </p:sp>
-      <mc:AlternateContent xmlns:mc="http://schemas.openxmlformats.org/markup-compatibility/2006">
-        <mc:Choice xmlns:a14="http://schemas.microsoft.com/office/drawing/2010/main" Requires="a14">
+      <mc:AlternateContent xmlns:mc="http://schemas.openxmlformats.org/markup-compatibility/2006" xmlns:a14="http://schemas.microsoft.com/office/drawing/2010/main">
+        <mc:Choice Requires="a14">
           <p:sp>
             <p:nvSpPr>
               <p:cNvPr id="21" name="Rectangle 20"/>
@@ -4741,7 +4742,7 @@
             </p:txBody>
           </p:sp>
         </mc:Choice>
-        <mc:Fallback>
+        <mc:Fallback xmlns="">
           <p:sp>
             <p:nvSpPr>
               <p:cNvPr id="21" name="Rectangle 20"/>
@@ -4785,8 +4786,8 @@
           </p:sp>
         </mc:Fallback>
       </mc:AlternateContent>
-      <mc:AlternateContent xmlns:mc="http://schemas.openxmlformats.org/markup-compatibility/2006">
-        <mc:Choice xmlns:a14="http://schemas.microsoft.com/office/drawing/2010/main" Requires="a14">
+      <mc:AlternateContent xmlns:mc="http://schemas.openxmlformats.org/markup-compatibility/2006" xmlns:a14="http://schemas.microsoft.com/office/drawing/2010/main">
+        <mc:Choice Requires="a14">
           <p:sp>
             <p:nvSpPr>
               <p:cNvPr id="23" name="Rectangle 22"/>
@@ -4912,7 +4913,7 @@
             </p:txBody>
           </p:sp>
         </mc:Choice>
-        <mc:Fallback>
+        <mc:Fallback xmlns="">
           <p:sp>
             <p:nvSpPr>
               <p:cNvPr id="23" name="Rectangle 22"/>
@@ -4960,6 +4961,3931 @@
     <p:extLst>
       <p:ext uri="{BB962C8B-B14F-4D97-AF65-F5344CB8AC3E}">
         <p14:creationId xmlns:p14="http://schemas.microsoft.com/office/powerpoint/2010/main" val="994513308"/>
+      </p:ext>
+    </p:extLst>
+  </p:cSld>
+  <p:clrMapOvr>
+    <a:masterClrMapping/>
+  </p:clrMapOvr>
+</p:sld>
+</file>
+
+<file path=ppt/slides/slide3.xml><?xml version="1.0" encoding="utf-8"?>
+<p:sld xmlns:a="http://schemas.openxmlformats.org/drawingml/2006/main" xmlns:r="http://schemas.openxmlformats.org/officeDocument/2006/relationships" xmlns:p="http://schemas.openxmlformats.org/presentationml/2006/main">
+  <p:cSld>
+    <p:spTree>
+      <p:nvGrpSpPr>
+        <p:cNvPr id="1" name=""/>
+        <p:cNvGrpSpPr/>
+        <p:nvPr/>
+      </p:nvGrpSpPr>
+      <p:grpSpPr>
+        <a:xfrm>
+          <a:off x="0" y="0"/>
+          <a:ext cx="0" cy="0"/>
+          <a:chOff x="0" y="0"/>
+          <a:chExt cx="0" cy="0"/>
+        </a:xfrm>
+      </p:grpSpPr>
+      <p:cxnSp>
+        <p:nvCxnSpPr>
+          <p:cNvPr id="5" name="Straight Connector 4"/>
+          <p:cNvCxnSpPr/>
+          <p:nvPr/>
+        </p:nvCxnSpPr>
+        <p:spPr>
+          <a:xfrm>
+            <a:off x="950572" y="753533"/>
+            <a:ext cx="769" cy="3522903"/>
+          </a:xfrm>
+          <a:prstGeom prst="line">
+            <a:avLst/>
+          </a:prstGeom>
+          <a:ln w="19050">
+            <a:solidFill>
+              <a:schemeClr val="tx1"/>
+            </a:solidFill>
+          </a:ln>
+        </p:spPr>
+        <p:style>
+          <a:lnRef idx="1">
+            <a:schemeClr val="accent1"/>
+          </a:lnRef>
+          <a:fillRef idx="0">
+            <a:schemeClr val="accent1"/>
+          </a:fillRef>
+          <a:effectRef idx="0">
+            <a:schemeClr val="accent1"/>
+          </a:effectRef>
+          <a:fontRef idx="minor">
+            <a:schemeClr val="tx1"/>
+          </a:fontRef>
+        </p:style>
+      </p:cxnSp>
+      <p:cxnSp>
+        <p:nvCxnSpPr>
+          <p:cNvPr id="7" name="Straight Connector 6"/>
+          <p:cNvCxnSpPr/>
+          <p:nvPr/>
+        </p:nvCxnSpPr>
+        <p:spPr>
+          <a:xfrm flipH="1">
+            <a:off x="950573" y="4276436"/>
+            <a:ext cx="3094950" cy="0"/>
+          </a:xfrm>
+          <a:prstGeom prst="line">
+            <a:avLst/>
+          </a:prstGeom>
+          <a:ln w="19050">
+            <a:solidFill>
+              <a:schemeClr val="tx1"/>
+            </a:solidFill>
+          </a:ln>
+        </p:spPr>
+        <p:style>
+          <a:lnRef idx="1">
+            <a:schemeClr val="accent1"/>
+          </a:lnRef>
+          <a:fillRef idx="0">
+            <a:schemeClr val="accent1"/>
+          </a:fillRef>
+          <a:effectRef idx="0">
+            <a:schemeClr val="accent1"/>
+          </a:effectRef>
+          <a:fontRef idx="minor">
+            <a:schemeClr val="tx1"/>
+          </a:fontRef>
+        </p:style>
+      </p:cxnSp>
+      <p:cxnSp>
+        <p:nvCxnSpPr>
+          <p:cNvPr id="11" name="Straight Connector 10"/>
+          <p:cNvCxnSpPr/>
+          <p:nvPr/>
+        </p:nvCxnSpPr>
+        <p:spPr>
+          <a:xfrm flipH="1">
+            <a:off x="1579414" y="4202545"/>
+            <a:ext cx="0" cy="144000"/>
+          </a:xfrm>
+          <a:prstGeom prst="line">
+            <a:avLst/>
+          </a:prstGeom>
+          <a:ln w="19050">
+            <a:solidFill>
+              <a:schemeClr val="tx1"/>
+            </a:solidFill>
+          </a:ln>
+        </p:spPr>
+        <p:style>
+          <a:lnRef idx="1">
+            <a:schemeClr val="accent1"/>
+          </a:lnRef>
+          <a:fillRef idx="0">
+            <a:schemeClr val="accent1"/>
+          </a:fillRef>
+          <a:effectRef idx="0">
+            <a:schemeClr val="accent1"/>
+          </a:effectRef>
+          <a:fontRef idx="minor">
+            <a:schemeClr val="tx1"/>
+          </a:fontRef>
+        </p:style>
+      </p:cxnSp>
+      <p:cxnSp>
+        <p:nvCxnSpPr>
+          <p:cNvPr id="14" name="Straight Connector 13"/>
+          <p:cNvCxnSpPr/>
+          <p:nvPr/>
+        </p:nvCxnSpPr>
+        <p:spPr>
+          <a:xfrm flipH="1">
+            <a:off x="3311232" y="4207162"/>
+            <a:ext cx="0" cy="144000"/>
+          </a:xfrm>
+          <a:prstGeom prst="line">
+            <a:avLst/>
+          </a:prstGeom>
+          <a:ln w="19050">
+            <a:solidFill>
+              <a:schemeClr val="tx1"/>
+            </a:solidFill>
+          </a:ln>
+        </p:spPr>
+        <p:style>
+          <a:lnRef idx="1">
+            <a:schemeClr val="accent1"/>
+          </a:lnRef>
+          <a:fillRef idx="0">
+            <a:schemeClr val="accent1"/>
+          </a:fillRef>
+          <a:effectRef idx="0">
+            <a:schemeClr val="accent1"/>
+          </a:effectRef>
+          <a:fontRef idx="minor">
+            <a:schemeClr val="tx1"/>
+          </a:fontRef>
+        </p:style>
+      </p:cxnSp>
+      <mc:AlternateContent xmlns:mc="http://schemas.openxmlformats.org/markup-compatibility/2006">
+        <mc:Choice xmlns:a14="http://schemas.microsoft.com/office/drawing/2010/main" Requires="a14">
+          <p:sp>
+            <p:nvSpPr>
+              <p:cNvPr id="15" name="TextBox 14"/>
+              <p:cNvSpPr txBox="1"/>
+              <p:nvPr/>
+            </p:nvSpPr>
+            <p:spPr>
+              <a:xfrm>
+                <a:off x="355593" y="3417516"/>
+                <a:ext cx="655782" cy="369332"/>
+              </a:xfrm>
+              <a:prstGeom prst="rect">
+                <a:avLst/>
+              </a:prstGeom>
+              <a:noFill/>
+            </p:spPr>
+            <p:txBody>
+              <a:bodyPr wrap="square" rtlCol="0">
+                <a:spAutoFit/>
+              </a:bodyPr>
+              <a:lstStyle/>
+              <a:p>
+                <a14:m>
+                  <m:oMathPara xmlns:m="http://schemas.openxmlformats.org/officeDocument/2006/math">
+                    <m:oMathParaPr>
+                      <m:jc m:val="centerGroup"/>
+                    </m:oMathParaPr>
+                    <m:oMath xmlns:m="http://schemas.openxmlformats.org/officeDocument/2006/math">
+                      <m:r>
+                        <a:rPr lang="en-US" i="1" smtClean="0">
+                          <a:latin typeface="Cambria Math" panose="02040503050406030204" pitchFamily="18" charset="0"/>
+                        </a:rPr>
+                        <m:t>−</m:t>
+                      </m:r>
+                      <m:r>
+                        <a:rPr lang="en-US" b="0" i="1" smtClean="0">
+                          <a:latin typeface="Cambria Math" panose="02040503050406030204" pitchFamily="18" charset="0"/>
+                        </a:rPr>
+                        <m:t>2</m:t>
+                      </m:r>
+                    </m:oMath>
+                  </m:oMathPara>
+                </a14:m>
+                <a:endParaRPr lang="en-US">
+                  <a:latin typeface="Geogrotesque Md" panose="02000000000000000000" pitchFamily="50" charset="0"/>
+                </a:endParaRPr>
+              </a:p>
+            </p:txBody>
+          </p:sp>
+        </mc:Choice>
+        <mc:Fallback>
+          <p:sp>
+            <p:nvSpPr>
+              <p:cNvPr id="15" name="TextBox 14"/>
+              <p:cNvSpPr txBox="1">
+                <a:spLocks noRot="1" noChangeAspect="1" noMove="1" noResize="1" noEditPoints="1" noAdjustHandles="1" noChangeArrowheads="1" noChangeShapeType="1" noTextEdit="1"/>
+              </p:cNvSpPr>
+              <p:nvPr/>
+            </p:nvSpPr>
+            <p:spPr>
+              <a:xfrm>
+                <a:off x="355593" y="3417516"/>
+                <a:ext cx="655782" cy="369332"/>
+              </a:xfrm>
+              <a:prstGeom prst="rect">
+                <a:avLst/>
+              </a:prstGeom>
+              <a:blipFill>
+                <a:blip r:embed="rId2"/>
+                <a:stretch>
+                  <a:fillRect/>
+                </a:stretch>
+              </a:blipFill>
+            </p:spPr>
+            <p:txBody>
+              <a:bodyPr/>
+              <a:lstStyle/>
+              <a:p>
+                <a:r>
+                  <a:rPr lang="en-US">
+                    <a:noFill/>
+                  </a:rPr>
+                  <a:t> </a:t>
+                </a:r>
+              </a:p>
+            </p:txBody>
+          </p:sp>
+        </mc:Fallback>
+      </mc:AlternateContent>
+      <p:cxnSp>
+        <p:nvCxnSpPr>
+          <p:cNvPr id="16" name="Straight Connector 15"/>
+          <p:cNvCxnSpPr/>
+          <p:nvPr/>
+        </p:nvCxnSpPr>
+        <p:spPr>
+          <a:xfrm>
+            <a:off x="872831" y="3602182"/>
+            <a:ext cx="152400" cy="836"/>
+          </a:xfrm>
+          <a:prstGeom prst="line">
+            <a:avLst/>
+          </a:prstGeom>
+          <a:ln w="19050">
+            <a:solidFill>
+              <a:schemeClr val="tx1"/>
+            </a:solidFill>
+          </a:ln>
+        </p:spPr>
+        <p:style>
+          <a:lnRef idx="1">
+            <a:schemeClr val="accent1"/>
+          </a:lnRef>
+          <a:fillRef idx="0">
+            <a:schemeClr val="accent1"/>
+          </a:fillRef>
+          <a:effectRef idx="0">
+            <a:schemeClr val="accent1"/>
+          </a:effectRef>
+          <a:fontRef idx="minor">
+            <a:schemeClr val="tx1"/>
+          </a:fontRef>
+        </p:style>
+      </p:cxnSp>
+      <mc:AlternateContent xmlns:mc="http://schemas.openxmlformats.org/markup-compatibility/2006">
+        <mc:Choice xmlns:a14="http://schemas.microsoft.com/office/drawing/2010/main" Requires="a14">
+          <p:sp>
+            <p:nvSpPr>
+              <p:cNvPr id="18" name="TextBox 17"/>
+              <p:cNvSpPr txBox="1"/>
+              <p:nvPr/>
+            </p:nvSpPr>
+            <p:spPr>
+              <a:xfrm>
+                <a:off x="6914" y="2346326"/>
+                <a:ext cx="655782" cy="369332"/>
+              </a:xfrm>
+              <a:prstGeom prst="rect">
+                <a:avLst/>
+              </a:prstGeom>
+              <a:noFill/>
+            </p:spPr>
+            <p:txBody>
+              <a:bodyPr wrap="square" rtlCol="0">
+                <a:spAutoFit/>
+              </a:bodyPr>
+              <a:lstStyle/>
+              <a:p>
+                <a14:m>
+                  <m:oMathPara xmlns:m="http://schemas.openxmlformats.org/officeDocument/2006/math">
+                    <m:oMathParaPr>
+                      <m:jc m:val="centerGroup"/>
+                    </m:oMathParaPr>
+                    <m:oMath xmlns:m="http://schemas.openxmlformats.org/officeDocument/2006/math">
+                      <m:r>
+                        <m:rPr>
+                          <m:sty m:val="p"/>
+                        </m:rPr>
+                        <a:rPr lang="el-GR" i="1" smtClean="0">
+                          <a:latin typeface="Cambria Math" panose="02040503050406030204" pitchFamily="18" charset="0"/>
+                        </a:rPr>
+                        <m:t>Δ</m:t>
+                      </m:r>
+                      <m:sSub>
+                        <m:sSubPr>
+                          <m:ctrlPr>
+                            <a:rPr lang="el-GR" i="1" smtClean="0">
+                              <a:latin typeface="Cambria Math" panose="02040503050406030204" pitchFamily="18" charset="0"/>
+                            </a:rPr>
+                          </m:ctrlPr>
+                        </m:sSubPr>
+                        <m:e>
+                          <m:r>
+                            <a:rPr lang="en-US" b="0" i="1" smtClean="0">
+                              <a:latin typeface="Cambria Math" panose="02040503050406030204" pitchFamily="18" charset="0"/>
+                            </a:rPr>
+                            <m:t>𝐶</m:t>
+                          </m:r>
+                        </m:e>
+                        <m:sub>
+                          <m:r>
+                            <a:rPr lang="en-US" b="0" i="1" smtClean="0">
+                              <a:latin typeface="Cambria Math" panose="02040503050406030204" pitchFamily="18" charset="0"/>
+                            </a:rPr>
+                            <m:t>𝑃</m:t>
+                          </m:r>
+                        </m:sub>
+                      </m:sSub>
+                    </m:oMath>
+                  </m:oMathPara>
+                </a14:m>
+                <a:endParaRPr lang="en-US">
+                  <a:latin typeface="Geogrotesque Md" panose="02000000000000000000" pitchFamily="50" charset="0"/>
+                </a:endParaRPr>
+              </a:p>
+            </p:txBody>
+          </p:sp>
+        </mc:Choice>
+        <mc:Fallback>
+          <p:sp>
+            <p:nvSpPr>
+              <p:cNvPr id="18" name="TextBox 17"/>
+              <p:cNvSpPr txBox="1">
+                <a:spLocks noRot="1" noChangeAspect="1" noMove="1" noResize="1" noEditPoints="1" noAdjustHandles="1" noChangeArrowheads="1" noChangeShapeType="1" noTextEdit="1"/>
+              </p:cNvSpPr>
+              <p:nvPr/>
+            </p:nvSpPr>
+            <p:spPr>
+              <a:xfrm>
+                <a:off x="6914" y="2346326"/>
+                <a:ext cx="655782" cy="369332"/>
+              </a:xfrm>
+              <a:prstGeom prst="rect">
+                <a:avLst/>
+              </a:prstGeom>
+              <a:blipFill>
+                <a:blip r:embed="rId3"/>
+                <a:stretch>
+                  <a:fillRect/>
+                </a:stretch>
+              </a:blipFill>
+            </p:spPr>
+            <p:txBody>
+              <a:bodyPr/>
+              <a:lstStyle/>
+              <a:p>
+                <a:r>
+                  <a:rPr lang="en-US">
+                    <a:noFill/>
+                  </a:rPr>
+                  <a:t> </a:t>
+                </a:r>
+              </a:p>
+            </p:txBody>
+          </p:sp>
+        </mc:Fallback>
+      </mc:AlternateContent>
+      <mc:AlternateContent xmlns:mc="http://schemas.openxmlformats.org/markup-compatibility/2006">
+        <mc:Choice xmlns:a14="http://schemas.microsoft.com/office/drawing/2010/main" Requires="a14">
+          <p:sp>
+            <p:nvSpPr>
+              <p:cNvPr id="19" name="TextBox 18"/>
+              <p:cNvSpPr txBox="1"/>
+              <p:nvPr/>
+            </p:nvSpPr>
+            <p:spPr>
+              <a:xfrm>
+                <a:off x="348659" y="2864354"/>
+                <a:ext cx="655782" cy="369332"/>
+              </a:xfrm>
+              <a:prstGeom prst="rect">
+                <a:avLst/>
+              </a:prstGeom>
+              <a:noFill/>
+            </p:spPr>
+            <p:txBody>
+              <a:bodyPr wrap="square" rtlCol="0">
+                <a:spAutoFit/>
+              </a:bodyPr>
+              <a:lstStyle/>
+              <a:p>
+                <a14:m>
+                  <m:oMathPara xmlns:m="http://schemas.openxmlformats.org/officeDocument/2006/math">
+                    <m:oMathParaPr>
+                      <m:jc m:val="centerGroup"/>
+                    </m:oMathParaPr>
+                    <m:oMath xmlns:m="http://schemas.openxmlformats.org/officeDocument/2006/math">
+                      <m:r>
+                        <a:rPr lang="en-US" i="1" smtClean="0">
+                          <a:latin typeface="Cambria Math" panose="02040503050406030204" pitchFamily="18" charset="0"/>
+                        </a:rPr>
+                        <m:t>−</m:t>
+                      </m:r>
+                      <m:r>
+                        <a:rPr lang="en-US" b="0" i="1" smtClean="0">
+                          <a:latin typeface="Cambria Math" panose="02040503050406030204" pitchFamily="18" charset="0"/>
+                        </a:rPr>
+                        <m:t>1</m:t>
+                      </m:r>
+                    </m:oMath>
+                  </m:oMathPara>
+                </a14:m>
+                <a:endParaRPr lang="en-US">
+                  <a:latin typeface="Geogrotesque Md" panose="02000000000000000000" pitchFamily="50" charset="0"/>
+                </a:endParaRPr>
+              </a:p>
+            </p:txBody>
+          </p:sp>
+        </mc:Choice>
+        <mc:Fallback>
+          <p:sp>
+            <p:nvSpPr>
+              <p:cNvPr id="19" name="TextBox 18"/>
+              <p:cNvSpPr txBox="1">
+                <a:spLocks noRot="1" noChangeAspect="1" noMove="1" noResize="1" noEditPoints="1" noAdjustHandles="1" noChangeArrowheads="1" noChangeShapeType="1" noTextEdit="1"/>
+              </p:cNvSpPr>
+              <p:nvPr/>
+            </p:nvSpPr>
+            <p:spPr>
+              <a:xfrm>
+                <a:off x="348659" y="2864354"/>
+                <a:ext cx="655782" cy="369332"/>
+              </a:xfrm>
+              <a:prstGeom prst="rect">
+                <a:avLst/>
+              </a:prstGeom>
+              <a:blipFill>
+                <a:blip r:embed="rId4"/>
+                <a:stretch>
+                  <a:fillRect/>
+                </a:stretch>
+              </a:blipFill>
+            </p:spPr>
+            <p:txBody>
+              <a:bodyPr/>
+              <a:lstStyle/>
+              <a:p>
+                <a:r>
+                  <a:rPr lang="en-US">
+                    <a:noFill/>
+                  </a:rPr>
+                  <a:t> </a:t>
+                </a:r>
+              </a:p>
+            </p:txBody>
+          </p:sp>
+        </mc:Fallback>
+      </mc:AlternateContent>
+      <p:cxnSp>
+        <p:nvCxnSpPr>
+          <p:cNvPr id="20" name="Straight Connector 19"/>
+          <p:cNvCxnSpPr/>
+          <p:nvPr/>
+        </p:nvCxnSpPr>
+        <p:spPr>
+          <a:xfrm>
+            <a:off x="865897" y="3049020"/>
+            <a:ext cx="152400" cy="836"/>
+          </a:xfrm>
+          <a:prstGeom prst="line">
+            <a:avLst/>
+          </a:prstGeom>
+          <a:ln w="19050">
+            <a:solidFill>
+              <a:schemeClr val="tx1"/>
+            </a:solidFill>
+          </a:ln>
+        </p:spPr>
+        <p:style>
+          <a:lnRef idx="1">
+            <a:schemeClr val="accent1"/>
+          </a:lnRef>
+          <a:fillRef idx="0">
+            <a:schemeClr val="accent1"/>
+          </a:fillRef>
+          <a:effectRef idx="0">
+            <a:schemeClr val="accent1"/>
+          </a:effectRef>
+          <a:fontRef idx="minor">
+            <a:schemeClr val="tx1"/>
+          </a:fontRef>
+        </p:style>
+      </p:cxnSp>
+      <mc:AlternateContent xmlns:mc="http://schemas.openxmlformats.org/markup-compatibility/2006">
+        <mc:Choice xmlns:a14="http://schemas.microsoft.com/office/drawing/2010/main" Requires="a14">
+          <p:sp>
+            <p:nvSpPr>
+              <p:cNvPr id="21" name="TextBox 20"/>
+              <p:cNvSpPr txBox="1"/>
+              <p:nvPr/>
+            </p:nvSpPr>
+            <p:spPr>
+              <a:xfrm>
+                <a:off x="436794" y="2360097"/>
+                <a:ext cx="655782" cy="369332"/>
+              </a:xfrm>
+              <a:prstGeom prst="rect">
+                <a:avLst/>
+              </a:prstGeom>
+              <a:noFill/>
+            </p:spPr>
+            <p:txBody>
+              <a:bodyPr wrap="square" rtlCol="0">
+                <a:spAutoFit/>
+              </a:bodyPr>
+              <a:lstStyle/>
+              <a:p>
+                <a14:m>
+                  <m:oMathPara xmlns:m="http://schemas.openxmlformats.org/officeDocument/2006/math">
+                    <m:oMathParaPr>
+                      <m:jc m:val="centerGroup"/>
+                    </m:oMathParaPr>
+                    <m:oMath xmlns:m="http://schemas.openxmlformats.org/officeDocument/2006/math">
+                      <m:r>
+                        <a:rPr lang="en-US" b="0" i="1" smtClean="0">
+                          <a:latin typeface="Cambria Math" panose="02040503050406030204" pitchFamily="18" charset="0"/>
+                        </a:rPr>
+                        <m:t>0</m:t>
+                      </m:r>
+                    </m:oMath>
+                  </m:oMathPara>
+                </a14:m>
+                <a:endParaRPr lang="en-US">
+                  <a:latin typeface="Geogrotesque Md" panose="02000000000000000000" pitchFamily="50" charset="0"/>
+                </a:endParaRPr>
+              </a:p>
+            </p:txBody>
+          </p:sp>
+        </mc:Choice>
+        <mc:Fallback>
+          <p:sp>
+            <p:nvSpPr>
+              <p:cNvPr id="21" name="TextBox 20"/>
+              <p:cNvSpPr txBox="1">
+                <a:spLocks noRot="1" noChangeAspect="1" noMove="1" noResize="1" noEditPoints="1" noAdjustHandles="1" noChangeArrowheads="1" noChangeShapeType="1" noTextEdit="1"/>
+              </p:cNvSpPr>
+              <p:nvPr/>
+            </p:nvSpPr>
+            <p:spPr>
+              <a:xfrm>
+                <a:off x="436794" y="2360097"/>
+                <a:ext cx="655782" cy="369332"/>
+              </a:xfrm>
+              <a:prstGeom prst="rect">
+                <a:avLst/>
+              </a:prstGeom>
+              <a:blipFill>
+                <a:blip r:embed="rId5"/>
+                <a:stretch>
+                  <a:fillRect/>
+                </a:stretch>
+              </a:blipFill>
+            </p:spPr>
+            <p:txBody>
+              <a:bodyPr/>
+              <a:lstStyle/>
+              <a:p>
+                <a:r>
+                  <a:rPr lang="en-US">
+                    <a:noFill/>
+                  </a:rPr>
+                  <a:t> </a:t>
+                </a:r>
+              </a:p>
+            </p:txBody>
+          </p:sp>
+        </mc:Fallback>
+      </mc:AlternateContent>
+      <p:cxnSp>
+        <p:nvCxnSpPr>
+          <p:cNvPr id="22" name="Straight Connector 21"/>
+          <p:cNvCxnSpPr/>
+          <p:nvPr/>
+        </p:nvCxnSpPr>
+        <p:spPr>
+          <a:xfrm>
+            <a:off x="879753" y="2544763"/>
+            <a:ext cx="152400" cy="836"/>
+          </a:xfrm>
+          <a:prstGeom prst="line">
+            <a:avLst/>
+          </a:prstGeom>
+          <a:ln w="19050">
+            <a:solidFill>
+              <a:schemeClr val="tx1"/>
+            </a:solidFill>
+          </a:ln>
+        </p:spPr>
+        <p:style>
+          <a:lnRef idx="1">
+            <a:schemeClr val="accent1"/>
+          </a:lnRef>
+          <a:fillRef idx="0">
+            <a:schemeClr val="accent1"/>
+          </a:fillRef>
+          <a:effectRef idx="0">
+            <a:schemeClr val="accent1"/>
+          </a:effectRef>
+          <a:fontRef idx="minor">
+            <a:schemeClr val="tx1"/>
+          </a:fontRef>
+        </p:style>
+      </p:cxnSp>
+      <mc:AlternateContent xmlns:mc="http://schemas.openxmlformats.org/markup-compatibility/2006">
+        <mc:Choice xmlns:a14="http://schemas.microsoft.com/office/drawing/2010/main" Requires="a14">
+          <p:sp>
+            <p:nvSpPr>
+              <p:cNvPr id="25" name="TextBox 24"/>
+              <p:cNvSpPr txBox="1"/>
+              <p:nvPr/>
+            </p:nvSpPr>
+            <p:spPr>
+              <a:xfrm>
+                <a:off x="436794" y="1862354"/>
+                <a:ext cx="655782" cy="369332"/>
+              </a:xfrm>
+              <a:prstGeom prst="rect">
+                <a:avLst/>
+              </a:prstGeom>
+              <a:noFill/>
+            </p:spPr>
+            <p:txBody>
+              <a:bodyPr wrap="square" rtlCol="0">
+                <a:spAutoFit/>
+              </a:bodyPr>
+              <a:lstStyle/>
+              <a:p>
+                <a14:m>
+                  <m:oMathPara xmlns:m="http://schemas.openxmlformats.org/officeDocument/2006/math">
+                    <m:oMathParaPr>
+                      <m:jc m:val="centerGroup"/>
+                    </m:oMathParaPr>
+                    <m:oMath xmlns:m="http://schemas.openxmlformats.org/officeDocument/2006/math">
+                      <m:r>
+                        <a:rPr lang="en-US" b="0" i="1" smtClean="0">
+                          <a:latin typeface="Cambria Math" panose="02040503050406030204" pitchFamily="18" charset="0"/>
+                        </a:rPr>
+                        <m:t>1</m:t>
+                      </m:r>
+                    </m:oMath>
+                  </m:oMathPara>
+                </a14:m>
+                <a:endParaRPr lang="en-US">
+                  <a:latin typeface="Geogrotesque Md" panose="02000000000000000000" pitchFamily="50" charset="0"/>
+                </a:endParaRPr>
+              </a:p>
+            </p:txBody>
+          </p:sp>
+        </mc:Choice>
+        <mc:Fallback>
+          <p:sp>
+            <p:nvSpPr>
+              <p:cNvPr id="25" name="TextBox 24"/>
+              <p:cNvSpPr txBox="1">
+                <a:spLocks noRot="1" noChangeAspect="1" noMove="1" noResize="1" noEditPoints="1" noAdjustHandles="1" noChangeArrowheads="1" noChangeShapeType="1" noTextEdit="1"/>
+              </p:cNvSpPr>
+              <p:nvPr/>
+            </p:nvSpPr>
+            <p:spPr>
+              <a:xfrm>
+                <a:off x="436794" y="1862354"/>
+                <a:ext cx="655782" cy="369332"/>
+              </a:xfrm>
+              <a:prstGeom prst="rect">
+                <a:avLst/>
+              </a:prstGeom>
+              <a:blipFill>
+                <a:blip r:embed="rId6"/>
+                <a:stretch>
+                  <a:fillRect/>
+                </a:stretch>
+              </a:blipFill>
+            </p:spPr>
+            <p:txBody>
+              <a:bodyPr/>
+              <a:lstStyle/>
+              <a:p>
+                <a:r>
+                  <a:rPr lang="en-US">
+                    <a:noFill/>
+                  </a:rPr>
+                  <a:t> </a:t>
+                </a:r>
+              </a:p>
+            </p:txBody>
+          </p:sp>
+        </mc:Fallback>
+      </mc:AlternateContent>
+      <p:cxnSp>
+        <p:nvCxnSpPr>
+          <p:cNvPr id="26" name="Straight Connector 25"/>
+          <p:cNvCxnSpPr/>
+          <p:nvPr/>
+        </p:nvCxnSpPr>
+        <p:spPr>
+          <a:xfrm>
+            <a:off x="879753" y="2047020"/>
+            <a:ext cx="152400" cy="836"/>
+          </a:xfrm>
+          <a:prstGeom prst="line">
+            <a:avLst/>
+          </a:prstGeom>
+          <a:ln w="19050">
+            <a:solidFill>
+              <a:schemeClr val="tx1"/>
+            </a:solidFill>
+          </a:ln>
+        </p:spPr>
+        <p:style>
+          <a:lnRef idx="1">
+            <a:schemeClr val="accent1"/>
+          </a:lnRef>
+          <a:fillRef idx="0">
+            <a:schemeClr val="accent1"/>
+          </a:fillRef>
+          <a:effectRef idx="0">
+            <a:schemeClr val="accent1"/>
+          </a:effectRef>
+          <a:fontRef idx="minor">
+            <a:schemeClr val="tx1"/>
+          </a:fontRef>
+        </p:style>
+      </p:cxnSp>
+      <mc:AlternateContent xmlns:mc="http://schemas.openxmlformats.org/markup-compatibility/2006">
+        <mc:Choice xmlns:a14="http://schemas.microsoft.com/office/drawing/2010/main" Requires="a14">
+          <p:sp>
+            <p:nvSpPr>
+              <p:cNvPr id="27" name="TextBox 26"/>
+              <p:cNvSpPr txBox="1"/>
+              <p:nvPr/>
+            </p:nvSpPr>
+            <p:spPr>
+              <a:xfrm>
+                <a:off x="436794" y="1350762"/>
+                <a:ext cx="655782" cy="369332"/>
+              </a:xfrm>
+              <a:prstGeom prst="rect">
+                <a:avLst/>
+              </a:prstGeom>
+              <a:noFill/>
+            </p:spPr>
+            <p:txBody>
+              <a:bodyPr wrap="square" rtlCol="0">
+                <a:spAutoFit/>
+              </a:bodyPr>
+              <a:lstStyle/>
+              <a:p>
+                <a14:m>
+                  <m:oMathPara xmlns:m="http://schemas.openxmlformats.org/officeDocument/2006/math">
+                    <m:oMathParaPr>
+                      <m:jc m:val="centerGroup"/>
+                    </m:oMathParaPr>
+                    <m:oMath xmlns:m="http://schemas.openxmlformats.org/officeDocument/2006/math">
+                      <m:r>
+                        <a:rPr lang="en-US" b="0" i="1" smtClean="0">
+                          <a:latin typeface="Cambria Math" panose="02040503050406030204" pitchFamily="18" charset="0"/>
+                        </a:rPr>
+                        <m:t>2</m:t>
+                      </m:r>
+                    </m:oMath>
+                  </m:oMathPara>
+                </a14:m>
+                <a:endParaRPr lang="en-US">
+                  <a:latin typeface="Geogrotesque Md" panose="02000000000000000000" pitchFamily="50" charset="0"/>
+                </a:endParaRPr>
+              </a:p>
+            </p:txBody>
+          </p:sp>
+        </mc:Choice>
+        <mc:Fallback>
+          <p:sp>
+            <p:nvSpPr>
+              <p:cNvPr id="27" name="TextBox 26"/>
+              <p:cNvSpPr txBox="1">
+                <a:spLocks noRot="1" noChangeAspect="1" noMove="1" noResize="1" noEditPoints="1" noAdjustHandles="1" noChangeArrowheads="1" noChangeShapeType="1" noTextEdit="1"/>
+              </p:cNvSpPr>
+              <p:nvPr/>
+            </p:nvSpPr>
+            <p:spPr>
+              <a:xfrm>
+                <a:off x="436794" y="1350762"/>
+                <a:ext cx="655782" cy="369332"/>
+              </a:xfrm>
+              <a:prstGeom prst="rect">
+                <a:avLst/>
+              </a:prstGeom>
+              <a:blipFill>
+                <a:blip r:embed="rId7"/>
+                <a:stretch>
+                  <a:fillRect/>
+                </a:stretch>
+              </a:blipFill>
+            </p:spPr>
+            <p:txBody>
+              <a:bodyPr/>
+              <a:lstStyle/>
+              <a:p>
+                <a:r>
+                  <a:rPr lang="en-US">
+                    <a:noFill/>
+                  </a:rPr>
+                  <a:t> </a:t>
+                </a:r>
+              </a:p>
+            </p:txBody>
+          </p:sp>
+        </mc:Fallback>
+      </mc:AlternateContent>
+      <p:cxnSp>
+        <p:nvCxnSpPr>
+          <p:cNvPr id="28" name="Straight Connector 27"/>
+          <p:cNvCxnSpPr/>
+          <p:nvPr/>
+        </p:nvCxnSpPr>
+        <p:spPr>
+          <a:xfrm>
+            <a:off x="879753" y="1535428"/>
+            <a:ext cx="152400" cy="836"/>
+          </a:xfrm>
+          <a:prstGeom prst="line">
+            <a:avLst/>
+          </a:prstGeom>
+          <a:ln w="19050">
+            <a:solidFill>
+              <a:schemeClr val="tx1"/>
+            </a:solidFill>
+          </a:ln>
+        </p:spPr>
+        <p:style>
+          <a:lnRef idx="1">
+            <a:schemeClr val="accent1"/>
+          </a:lnRef>
+          <a:fillRef idx="0">
+            <a:schemeClr val="accent1"/>
+          </a:fillRef>
+          <a:effectRef idx="0">
+            <a:schemeClr val="accent1"/>
+          </a:effectRef>
+          <a:fontRef idx="minor">
+            <a:schemeClr val="tx1"/>
+          </a:fontRef>
+        </p:style>
+      </p:cxnSp>
+      <mc:AlternateContent xmlns:mc="http://schemas.openxmlformats.org/markup-compatibility/2006">
+        <mc:Choice xmlns:a14="http://schemas.microsoft.com/office/drawing/2010/main" Requires="a14">
+          <p:sp>
+            <p:nvSpPr>
+              <p:cNvPr id="29" name="TextBox 28"/>
+              <p:cNvSpPr txBox="1"/>
+              <p:nvPr/>
+            </p:nvSpPr>
+            <p:spPr>
+              <a:xfrm>
+                <a:off x="1092576" y="4345711"/>
+                <a:ext cx="965204" cy="379848"/>
+              </a:xfrm>
+              <a:prstGeom prst="rect">
+                <a:avLst/>
+              </a:prstGeom>
+              <a:noFill/>
+            </p:spPr>
+            <p:txBody>
+              <a:bodyPr wrap="square" rtlCol="0">
+                <a:spAutoFit/>
+              </a:bodyPr>
+              <a:lstStyle/>
+              <a:p>
+                <a14:m>
+                  <m:oMathPara xmlns:m="http://schemas.openxmlformats.org/officeDocument/2006/math">
+                    <m:oMathParaPr>
+                      <m:jc m:val="centerGroup"/>
+                    </m:oMathParaPr>
+                    <m:oMath xmlns:m="http://schemas.openxmlformats.org/officeDocument/2006/math">
+                      <m:r>
+                        <m:rPr>
+                          <m:nor/>
+                        </m:rPr>
+                        <a:rPr lang="en-US" i="0" smtClean="0">
+                          <a:latin typeface="Cambria Math" panose="02040503050406030204" pitchFamily="18" charset="0"/>
+                        </a:rPr>
+                        <m:t>c</m:t>
+                      </m:r>
+                      <m:r>
+                        <m:rPr>
+                          <m:nor/>
+                        </m:rPr>
+                        <a:rPr lang="en-US" b="0" i="0" smtClean="0">
+                          <a:latin typeface="Cambria Math" panose="02040503050406030204" pitchFamily="18" charset="0"/>
+                        </a:rPr>
+                        <m:t>ontrol</m:t>
+                      </m:r>
+                    </m:oMath>
+                  </m:oMathPara>
+                </a14:m>
+                <a:endParaRPr lang="en-US">
+                  <a:latin typeface="Geogrotesque Md" panose="02000000000000000000" pitchFamily="50" charset="0"/>
+                </a:endParaRPr>
+              </a:p>
+            </p:txBody>
+          </p:sp>
+        </mc:Choice>
+        <mc:Fallback>
+          <p:sp>
+            <p:nvSpPr>
+              <p:cNvPr id="29" name="TextBox 28"/>
+              <p:cNvSpPr txBox="1">
+                <a:spLocks noRot="1" noChangeAspect="1" noMove="1" noResize="1" noEditPoints="1" noAdjustHandles="1" noChangeArrowheads="1" noChangeShapeType="1" noTextEdit="1"/>
+              </p:cNvSpPr>
+              <p:nvPr/>
+            </p:nvSpPr>
+            <p:spPr>
+              <a:xfrm>
+                <a:off x="1092576" y="4345711"/>
+                <a:ext cx="965204" cy="379848"/>
+              </a:xfrm>
+              <a:prstGeom prst="rect">
+                <a:avLst/>
+              </a:prstGeom>
+              <a:blipFill>
+                <a:blip r:embed="rId8"/>
+                <a:stretch>
+                  <a:fillRect/>
+                </a:stretch>
+              </a:blipFill>
+            </p:spPr>
+            <p:txBody>
+              <a:bodyPr/>
+              <a:lstStyle/>
+              <a:p>
+                <a:r>
+                  <a:rPr lang="en-US">
+                    <a:noFill/>
+                  </a:rPr>
+                  <a:t> </a:t>
+                </a:r>
+              </a:p>
+            </p:txBody>
+          </p:sp>
+        </mc:Fallback>
+      </mc:AlternateContent>
+      <mc:AlternateContent xmlns:mc="http://schemas.openxmlformats.org/markup-compatibility/2006">
+        <mc:Choice xmlns:a14="http://schemas.microsoft.com/office/drawing/2010/main" Requires="a14">
+          <p:sp>
+            <p:nvSpPr>
+              <p:cNvPr id="30" name="TextBox 29"/>
+              <p:cNvSpPr txBox="1"/>
+              <p:nvPr/>
+            </p:nvSpPr>
+            <p:spPr>
+              <a:xfrm>
+                <a:off x="2828630" y="4345711"/>
+                <a:ext cx="965204" cy="379848"/>
+              </a:xfrm>
+              <a:prstGeom prst="rect">
+                <a:avLst/>
+              </a:prstGeom>
+              <a:noFill/>
+            </p:spPr>
+            <p:txBody>
+              <a:bodyPr wrap="square" rtlCol="0">
+                <a:spAutoFit/>
+              </a:bodyPr>
+              <a:lstStyle/>
+              <a:p>
+                <a14:m>
+                  <m:oMathPara xmlns:m="http://schemas.openxmlformats.org/officeDocument/2006/math">
+                    <m:oMathParaPr>
+                      <m:jc m:val="centerGroup"/>
+                    </m:oMathParaPr>
+                    <m:oMath xmlns:m="http://schemas.openxmlformats.org/officeDocument/2006/math">
+                      <m:r>
+                        <m:rPr>
+                          <m:nor/>
+                        </m:rPr>
+                        <a:rPr lang="en-US" i="0" smtClean="0">
+                          <a:latin typeface="Cambria Math" panose="02040503050406030204" pitchFamily="18" charset="0"/>
+                        </a:rPr>
+                        <m:t>t</m:t>
+                      </m:r>
+                      <m:r>
+                        <m:rPr>
+                          <m:nor/>
+                        </m:rPr>
+                        <a:rPr lang="en-US" b="0" i="0" smtClean="0">
+                          <a:latin typeface="Cambria Math" panose="02040503050406030204" pitchFamily="18" charset="0"/>
+                        </a:rPr>
+                        <m:t>arget</m:t>
+                      </m:r>
+                    </m:oMath>
+                  </m:oMathPara>
+                </a14:m>
+                <a:endParaRPr lang="en-US">
+                  <a:latin typeface="Geogrotesque Md" panose="02000000000000000000" pitchFamily="50" charset="0"/>
+                </a:endParaRPr>
+              </a:p>
+            </p:txBody>
+          </p:sp>
+        </mc:Choice>
+        <mc:Fallback>
+          <p:sp>
+            <p:nvSpPr>
+              <p:cNvPr id="30" name="TextBox 29"/>
+              <p:cNvSpPr txBox="1">
+                <a:spLocks noRot="1" noChangeAspect="1" noMove="1" noResize="1" noEditPoints="1" noAdjustHandles="1" noChangeArrowheads="1" noChangeShapeType="1" noTextEdit="1"/>
+              </p:cNvSpPr>
+              <p:nvPr/>
+            </p:nvSpPr>
+            <p:spPr>
+              <a:xfrm>
+                <a:off x="2828630" y="4345711"/>
+                <a:ext cx="965204" cy="379848"/>
+              </a:xfrm>
+              <a:prstGeom prst="rect">
+                <a:avLst/>
+              </a:prstGeom>
+              <a:blipFill>
+                <a:blip r:embed="rId9"/>
+                <a:stretch>
+                  <a:fillRect b="-8065"/>
+                </a:stretch>
+              </a:blipFill>
+            </p:spPr>
+            <p:txBody>
+              <a:bodyPr/>
+              <a:lstStyle/>
+              <a:p>
+                <a:r>
+                  <a:rPr lang="en-US">
+                    <a:noFill/>
+                  </a:rPr>
+                  <a:t> </a:t>
+                </a:r>
+              </a:p>
+            </p:txBody>
+          </p:sp>
+        </mc:Fallback>
+      </mc:AlternateContent>
+      <p:sp>
+        <p:nvSpPr>
+          <p:cNvPr id="32" name="Oval 31"/>
+          <p:cNvSpPr/>
+          <p:nvPr/>
+        </p:nvSpPr>
+        <p:spPr>
+          <a:xfrm>
+            <a:off x="1343573" y="2208846"/>
+            <a:ext cx="108000" cy="108000"/>
+          </a:xfrm>
+          <a:prstGeom prst="ellipse">
+            <a:avLst/>
+          </a:prstGeom>
+          <a:solidFill>
+            <a:srgbClr val="0070C0"/>
+          </a:solidFill>
+        </p:spPr>
+        <p:style>
+          <a:lnRef idx="2">
+            <a:schemeClr val="accent1">
+              <a:shade val="50000"/>
+            </a:schemeClr>
+          </a:lnRef>
+          <a:fillRef idx="1">
+            <a:schemeClr val="accent1"/>
+          </a:fillRef>
+          <a:effectRef idx="0">
+            <a:schemeClr val="accent1"/>
+          </a:effectRef>
+          <a:fontRef idx="minor">
+            <a:schemeClr val="lt1"/>
+          </a:fontRef>
+        </p:style>
+        <p:txBody>
+          <a:bodyPr rtlCol="0" anchor="ctr"/>
+          <a:lstStyle/>
+          <a:p>
+            <a:pPr algn="ctr"/>
+            <a:endParaRPr lang="en-US"/>
+          </a:p>
+        </p:txBody>
+      </p:sp>
+      <p:sp>
+        <p:nvSpPr>
+          <p:cNvPr id="33" name="Oval 32"/>
+          <p:cNvSpPr/>
+          <p:nvPr/>
+        </p:nvSpPr>
+        <p:spPr>
+          <a:xfrm>
+            <a:off x="1467178" y="1631569"/>
+            <a:ext cx="108000" cy="108000"/>
+          </a:xfrm>
+          <a:prstGeom prst="ellipse">
+            <a:avLst/>
+          </a:prstGeom>
+          <a:solidFill>
+            <a:srgbClr val="0070C0"/>
+          </a:solidFill>
+        </p:spPr>
+        <p:style>
+          <a:lnRef idx="2">
+            <a:schemeClr val="accent1">
+              <a:shade val="50000"/>
+            </a:schemeClr>
+          </a:lnRef>
+          <a:fillRef idx="1">
+            <a:schemeClr val="accent1"/>
+          </a:fillRef>
+          <a:effectRef idx="0">
+            <a:schemeClr val="accent1"/>
+          </a:effectRef>
+          <a:fontRef idx="minor">
+            <a:schemeClr val="lt1"/>
+          </a:fontRef>
+        </p:style>
+        <p:txBody>
+          <a:bodyPr rtlCol="0" anchor="ctr"/>
+          <a:lstStyle/>
+          <a:p>
+            <a:pPr algn="ctr"/>
+            <a:endParaRPr lang="en-US"/>
+          </a:p>
+        </p:txBody>
+      </p:sp>
+      <p:sp>
+        <p:nvSpPr>
+          <p:cNvPr id="34" name="Oval 33"/>
+          <p:cNvSpPr/>
+          <p:nvPr/>
+        </p:nvSpPr>
+        <p:spPr>
+          <a:xfrm>
+            <a:off x="1317471" y="1296762"/>
+            <a:ext cx="108000" cy="108000"/>
+          </a:xfrm>
+          <a:prstGeom prst="ellipse">
+            <a:avLst/>
+          </a:prstGeom>
+          <a:solidFill>
+            <a:srgbClr val="0070C0"/>
+          </a:solidFill>
+        </p:spPr>
+        <p:style>
+          <a:lnRef idx="2">
+            <a:schemeClr val="accent1">
+              <a:shade val="50000"/>
+            </a:schemeClr>
+          </a:lnRef>
+          <a:fillRef idx="1">
+            <a:schemeClr val="accent1"/>
+          </a:fillRef>
+          <a:effectRef idx="0">
+            <a:schemeClr val="accent1"/>
+          </a:effectRef>
+          <a:fontRef idx="minor">
+            <a:schemeClr val="lt1"/>
+          </a:fontRef>
+        </p:style>
+        <p:txBody>
+          <a:bodyPr rtlCol="0" anchor="ctr"/>
+          <a:lstStyle/>
+          <a:p>
+            <a:pPr algn="ctr"/>
+            <a:endParaRPr lang="en-US"/>
+          </a:p>
+        </p:txBody>
+      </p:sp>
+      <p:sp>
+        <p:nvSpPr>
+          <p:cNvPr id="35" name="Oval 34"/>
+          <p:cNvSpPr/>
+          <p:nvPr/>
+        </p:nvSpPr>
+        <p:spPr>
+          <a:xfrm>
+            <a:off x="1794473" y="1481428"/>
+            <a:ext cx="108000" cy="108000"/>
+          </a:xfrm>
+          <a:prstGeom prst="ellipse">
+            <a:avLst/>
+          </a:prstGeom>
+          <a:solidFill>
+            <a:srgbClr val="0070C0"/>
+          </a:solidFill>
+        </p:spPr>
+        <p:style>
+          <a:lnRef idx="2">
+            <a:schemeClr val="accent1">
+              <a:shade val="50000"/>
+            </a:schemeClr>
+          </a:lnRef>
+          <a:fillRef idx="1">
+            <a:schemeClr val="accent1"/>
+          </a:fillRef>
+          <a:effectRef idx="0">
+            <a:schemeClr val="accent1"/>
+          </a:effectRef>
+          <a:fontRef idx="minor">
+            <a:schemeClr val="lt1"/>
+          </a:fontRef>
+        </p:style>
+        <p:txBody>
+          <a:bodyPr rtlCol="0" anchor="ctr"/>
+          <a:lstStyle/>
+          <a:p>
+            <a:pPr algn="ctr"/>
+            <a:endParaRPr lang="en-US"/>
+          </a:p>
+        </p:txBody>
+      </p:sp>
+      <p:cxnSp>
+        <p:nvCxnSpPr>
+          <p:cNvPr id="37" name="Straight Connector 36"/>
+          <p:cNvCxnSpPr/>
+          <p:nvPr/>
+        </p:nvCxnSpPr>
+        <p:spPr>
+          <a:xfrm>
+            <a:off x="1231522" y="1862354"/>
+            <a:ext cx="615482" cy="0"/>
+          </a:xfrm>
+          <a:prstGeom prst="line">
+            <a:avLst/>
+          </a:prstGeom>
+          <a:ln w="25400">
+            <a:solidFill>
+              <a:srgbClr val="FF0000"/>
+            </a:solidFill>
+          </a:ln>
+        </p:spPr>
+        <p:style>
+          <a:lnRef idx="1">
+            <a:schemeClr val="accent1"/>
+          </a:lnRef>
+          <a:fillRef idx="0">
+            <a:schemeClr val="accent1"/>
+          </a:fillRef>
+          <a:effectRef idx="0">
+            <a:schemeClr val="accent1"/>
+          </a:effectRef>
+          <a:fontRef idx="minor">
+            <a:schemeClr val="tx1"/>
+          </a:fontRef>
+        </p:style>
+      </p:cxnSp>
+      <p:cxnSp>
+        <p:nvCxnSpPr>
+          <p:cNvPr id="38" name="Straight Connector 37"/>
+          <p:cNvCxnSpPr/>
+          <p:nvPr/>
+        </p:nvCxnSpPr>
+        <p:spPr>
+          <a:xfrm>
+            <a:off x="3427843" y="423046"/>
+            <a:ext cx="615482" cy="0"/>
+          </a:xfrm>
+          <a:prstGeom prst="line">
+            <a:avLst/>
+          </a:prstGeom>
+          <a:ln w="25400">
+            <a:solidFill>
+              <a:srgbClr val="FF0000"/>
+            </a:solidFill>
+          </a:ln>
+        </p:spPr>
+        <p:style>
+          <a:lnRef idx="1">
+            <a:schemeClr val="accent1"/>
+          </a:lnRef>
+          <a:fillRef idx="0">
+            <a:schemeClr val="accent1"/>
+          </a:fillRef>
+          <a:effectRef idx="0">
+            <a:schemeClr val="accent1"/>
+          </a:effectRef>
+          <a:fontRef idx="minor">
+            <a:schemeClr val="tx1"/>
+          </a:fontRef>
+        </p:style>
+      </p:cxnSp>
+      <mc:AlternateContent xmlns:mc="http://schemas.openxmlformats.org/markup-compatibility/2006">
+        <mc:Choice xmlns:a14="http://schemas.microsoft.com/office/drawing/2010/main" Requires="a14">
+          <p:sp>
+            <p:nvSpPr>
+              <p:cNvPr id="39" name="TextBox 38"/>
+              <p:cNvSpPr txBox="1"/>
+              <p:nvPr/>
+            </p:nvSpPr>
+            <p:spPr>
+              <a:xfrm>
+                <a:off x="3935442" y="232158"/>
+                <a:ext cx="965204" cy="379848"/>
+              </a:xfrm>
+              <a:prstGeom prst="rect">
+                <a:avLst/>
+              </a:prstGeom>
+              <a:noFill/>
+            </p:spPr>
+            <p:txBody>
+              <a:bodyPr wrap="square" rtlCol="0">
+                <a:spAutoFit/>
+              </a:bodyPr>
+              <a:lstStyle/>
+              <a:p>
+                <a14:m>
+                  <m:oMathPara xmlns:m="http://schemas.openxmlformats.org/officeDocument/2006/math">
+                    <m:oMathParaPr>
+                      <m:jc m:val="centerGroup"/>
+                    </m:oMathParaPr>
+                    <m:oMath xmlns:m="http://schemas.openxmlformats.org/officeDocument/2006/math">
+                      <m:r>
+                        <m:rPr>
+                          <m:nor/>
+                        </m:rPr>
+                        <a:rPr lang="en-US" i="0" smtClean="0">
+                          <a:latin typeface="Cambria Math" panose="02040503050406030204" pitchFamily="18" charset="0"/>
+                        </a:rPr>
+                        <m:t>m</m:t>
+                      </m:r>
+                      <m:r>
+                        <m:rPr>
+                          <m:nor/>
+                        </m:rPr>
+                        <a:rPr lang="en-US" b="0" i="0" smtClean="0">
+                          <a:latin typeface="Cambria Math" panose="02040503050406030204" pitchFamily="18" charset="0"/>
+                        </a:rPr>
+                        <m:t>ean</m:t>
+                      </m:r>
+                    </m:oMath>
+                  </m:oMathPara>
+                </a14:m>
+                <a:endParaRPr lang="en-US">
+                  <a:latin typeface="Geogrotesque Md" panose="02000000000000000000" pitchFamily="50" charset="0"/>
+                </a:endParaRPr>
+              </a:p>
+            </p:txBody>
+          </p:sp>
+        </mc:Choice>
+        <mc:Fallback>
+          <p:sp>
+            <p:nvSpPr>
+              <p:cNvPr id="39" name="TextBox 38"/>
+              <p:cNvSpPr txBox="1">
+                <a:spLocks noRot="1" noChangeAspect="1" noMove="1" noResize="1" noEditPoints="1" noAdjustHandles="1" noChangeArrowheads="1" noChangeShapeType="1" noTextEdit="1"/>
+              </p:cNvSpPr>
+              <p:nvPr/>
+            </p:nvSpPr>
+            <p:spPr>
+              <a:xfrm>
+                <a:off x="3935442" y="232158"/>
+                <a:ext cx="965204" cy="379848"/>
+              </a:xfrm>
+              <a:prstGeom prst="rect">
+                <a:avLst/>
+              </a:prstGeom>
+              <a:blipFill>
+                <a:blip r:embed="rId10"/>
+                <a:stretch>
+                  <a:fillRect/>
+                </a:stretch>
+              </a:blipFill>
+            </p:spPr>
+            <p:txBody>
+              <a:bodyPr/>
+              <a:lstStyle/>
+              <a:p>
+                <a:r>
+                  <a:rPr lang="en-US">
+                    <a:noFill/>
+                  </a:rPr>
+                  <a:t> </a:t>
+                </a:r>
+              </a:p>
+            </p:txBody>
+          </p:sp>
+        </mc:Fallback>
+      </mc:AlternateContent>
+      <p:sp>
+        <p:nvSpPr>
+          <p:cNvPr id="40" name="Oval 39"/>
+          <p:cNvSpPr/>
+          <p:nvPr/>
+        </p:nvSpPr>
+        <p:spPr>
+          <a:xfrm>
+            <a:off x="3585526" y="3062150"/>
+            <a:ext cx="108000" cy="108000"/>
+          </a:xfrm>
+          <a:prstGeom prst="ellipse">
+            <a:avLst/>
+          </a:prstGeom>
+          <a:solidFill>
+            <a:srgbClr val="00B050"/>
+          </a:solidFill>
+        </p:spPr>
+        <p:style>
+          <a:lnRef idx="2">
+            <a:schemeClr val="accent1">
+              <a:shade val="50000"/>
+            </a:schemeClr>
+          </a:lnRef>
+          <a:fillRef idx="1">
+            <a:schemeClr val="accent1"/>
+          </a:fillRef>
+          <a:effectRef idx="0">
+            <a:schemeClr val="accent1"/>
+          </a:effectRef>
+          <a:fontRef idx="minor">
+            <a:schemeClr val="lt1"/>
+          </a:fontRef>
+        </p:style>
+        <p:txBody>
+          <a:bodyPr rtlCol="0" anchor="ctr"/>
+          <a:lstStyle/>
+          <a:p>
+            <a:pPr algn="ctr"/>
+            <a:endParaRPr lang="en-US"/>
+          </a:p>
+        </p:txBody>
+      </p:sp>
+      <p:sp>
+        <p:nvSpPr>
+          <p:cNvPr id="41" name="Oval 40"/>
+          <p:cNvSpPr/>
+          <p:nvPr/>
+        </p:nvSpPr>
+        <p:spPr>
+          <a:xfrm>
+            <a:off x="3132044" y="2490763"/>
+            <a:ext cx="108000" cy="108000"/>
+          </a:xfrm>
+          <a:prstGeom prst="ellipse">
+            <a:avLst/>
+          </a:prstGeom>
+          <a:solidFill>
+            <a:srgbClr val="00B050"/>
+          </a:solidFill>
+        </p:spPr>
+        <p:style>
+          <a:lnRef idx="2">
+            <a:schemeClr val="accent1">
+              <a:shade val="50000"/>
+            </a:schemeClr>
+          </a:lnRef>
+          <a:fillRef idx="1">
+            <a:schemeClr val="accent1"/>
+          </a:fillRef>
+          <a:effectRef idx="0">
+            <a:schemeClr val="accent1"/>
+          </a:effectRef>
+          <a:fontRef idx="minor">
+            <a:schemeClr val="lt1"/>
+          </a:fontRef>
+        </p:style>
+        <p:txBody>
+          <a:bodyPr rtlCol="0" anchor="ctr"/>
+          <a:lstStyle/>
+          <a:p>
+            <a:pPr algn="ctr"/>
+            <a:endParaRPr lang="en-US"/>
+          </a:p>
+        </p:txBody>
+      </p:sp>
+      <p:sp>
+        <p:nvSpPr>
+          <p:cNvPr id="42" name="Oval 41"/>
+          <p:cNvSpPr/>
+          <p:nvPr/>
+        </p:nvSpPr>
+        <p:spPr>
+          <a:xfrm>
+            <a:off x="3165652" y="2000515"/>
+            <a:ext cx="108000" cy="108000"/>
+          </a:xfrm>
+          <a:prstGeom prst="ellipse">
+            <a:avLst/>
+          </a:prstGeom>
+          <a:solidFill>
+            <a:srgbClr val="00B050"/>
+          </a:solidFill>
+        </p:spPr>
+        <p:style>
+          <a:lnRef idx="2">
+            <a:schemeClr val="accent1">
+              <a:shade val="50000"/>
+            </a:schemeClr>
+          </a:lnRef>
+          <a:fillRef idx="1">
+            <a:schemeClr val="accent1"/>
+          </a:fillRef>
+          <a:effectRef idx="0">
+            <a:schemeClr val="accent1"/>
+          </a:effectRef>
+          <a:fontRef idx="minor">
+            <a:schemeClr val="lt1"/>
+          </a:fontRef>
+        </p:style>
+        <p:txBody>
+          <a:bodyPr rtlCol="0" anchor="ctr"/>
+          <a:lstStyle/>
+          <a:p>
+            <a:pPr algn="ctr"/>
+            <a:endParaRPr lang="en-US"/>
+          </a:p>
+        </p:txBody>
+      </p:sp>
+      <p:sp>
+        <p:nvSpPr>
+          <p:cNvPr id="43" name="Oval 42"/>
+          <p:cNvSpPr/>
+          <p:nvPr/>
+        </p:nvSpPr>
+        <p:spPr>
+          <a:xfrm>
+            <a:off x="3407836" y="2261167"/>
+            <a:ext cx="108000" cy="108000"/>
+          </a:xfrm>
+          <a:prstGeom prst="ellipse">
+            <a:avLst/>
+          </a:prstGeom>
+          <a:solidFill>
+            <a:srgbClr val="00B050"/>
+          </a:solidFill>
+        </p:spPr>
+        <p:style>
+          <a:lnRef idx="2">
+            <a:schemeClr val="accent1">
+              <a:shade val="50000"/>
+            </a:schemeClr>
+          </a:lnRef>
+          <a:fillRef idx="1">
+            <a:schemeClr val="accent1"/>
+          </a:fillRef>
+          <a:effectRef idx="0">
+            <a:schemeClr val="accent1"/>
+          </a:effectRef>
+          <a:fontRef idx="minor">
+            <a:schemeClr val="lt1"/>
+          </a:fontRef>
+        </p:style>
+        <p:txBody>
+          <a:bodyPr rtlCol="0" anchor="ctr"/>
+          <a:lstStyle/>
+          <a:p>
+            <a:pPr algn="ctr"/>
+            <a:endParaRPr lang="en-US"/>
+          </a:p>
+        </p:txBody>
+      </p:sp>
+      <p:cxnSp>
+        <p:nvCxnSpPr>
+          <p:cNvPr id="44" name="Straight Connector 43"/>
+          <p:cNvCxnSpPr/>
+          <p:nvPr/>
+        </p:nvCxnSpPr>
+        <p:spPr>
+          <a:xfrm>
+            <a:off x="3100095" y="2715658"/>
+            <a:ext cx="615482" cy="0"/>
+          </a:xfrm>
+          <a:prstGeom prst="line">
+            <a:avLst/>
+          </a:prstGeom>
+          <a:ln w="25400">
+            <a:solidFill>
+              <a:srgbClr val="FF0000"/>
+            </a:solidFill>
+          </a:ln>
+        </p:spPr>
+        <p:style>
+          <a:lnRef idx="1">
+            <a:schemeClr val="accent1"/>
+          </a:lnRef>
+          <a:fillRef idx="0">
+            <a:schemeClr val="accent1"/>
+          </a:fillRef>
+          <a:effectRef idx="0">
+            <a:schemeClr val="accent1"/>
+          </a:effectRef>
+          <a:fontRef idx="minor">
+            <a:schemeClr val="tx1"/>
+          </a:fontRef>
+        </p:style>
+      </p:cxnSp>
+      <p:cxnSp>
+        <p:nvCxnSpPr>
+          <p:cNvPr id="46" name="Straight Arrow Connector 45"/>
+          <p:cNvCxnSpPr/>
+          <p:nvPr/>
+        </p:nvCxnSpPr>
+        <p:spPr>
+          <a:xfrm>
+            <a:off x="2368739" y="1848583"/>
+            <a:ext cx="0" cy="867075"/>
+          </a:xfrm>
+          <a:prstGeom prst="straightConnector1">
+            <a:avLst/>
+          </a:prstGeom>
+          <a:ln w="25400">
+            <a:solidFill>
+              <a:schemeClr val="accent2"/>
+            </a:solidFill>
+            <a:headEnd type="arrow"/>
+            <a:tailEnd type="arrow"/>
+          </a:ln>
+        </p:spPr>
+        <p:style>
+          <a:lnRef idx="1">
+            <a:schemeClr val="accent1"/>
+          </a:lnRef>
+          <a:fillRef idx="0">
+            <a:schemeClr val="accent1"/>
+          </a:fillRef>
+          <a:effectRef idx="0">
+            <a:schemeClr val="accent1"/>
+          </a:effectRef>
+          <a:fontRef idx="minor">
+            <a:schemeClr val="tx1"/>
+          </a:fontRef>
+        </p:style>
+      </p:cxnSp>
+      <mc:AlternateContent xmlns:mc="http://schemas.openxmlformats.org/markup-compatibility/2006">
+        <mc:Choice xmlns:a14="http://schemas.microsoft.com/office/drawing/2010/main" Requires="a14">
+          <p:sp>
+            <p:nvSpPr>
+              <p:cNvPr id="47" name="TextBox 46"/>
+              <p:cNvSpPr txBox="1"/>
+              <p:nvPr/>
+            </p:nvSpPr>
+            <p:spPr>
+              <a:xfrm>
+                <a:off x="1705692" y="2113712"/>
+                <a:ext cx="1488154" cy="307777"/>
+              </a:xfrm>
+              <a:prstGeom prst="rect">
+                <a:avLst/>
+              </a:prstGeom>
+              <a:noFill/>
+            </p:spPr>
+            <p:txBody>
+              <a:bodyPr wrap="square" rtlCol="0">
+                <a:spAutoFit/>
+              </a:bodyPr>
+              <a:lstStyle/>
+              <a:p>
+                <a:pPr/>
+                <a14:m>
+                  <m:oMathPara xmlns:m="http://schemas.openxmlformats.org/officeDocument/2006/math">
+                    <m:oMathParaPr>
+                      <m:jc m:val="centerGroup"/>
+                    </m:oMathParaPr>
+                    <m:oMath xmlns:m="http://schemas.openxmlformats.org/officeDocument/2006/math">
+                      <m:r>
+                        <a:rPr lang="en-US" sz="1400" b="0" i="1" smtClean="0">
+                          <a:latin typeface="Cambria Math" panose="02040503050406030204" pitchFamily="18" charset="0"/>
+                        </a:rPr>
+                        <m:t>𝑚𝑒𝑎𝑛</m:t>
+                      </m:r>
+                      <m:r>
+                        <a:rPr lang="en-US" sz="1400" b="0" i="1" smtClean="0">
+                          <a:latin typeface="Cambria Math" panose="02040503050406030204" pitchFamily="18" charset="0"/>
+                        </a:rPr>
+                        <m:t>(</m:t>
+                      </m:r>
+                      <m:r>
+                        <m:rPr>
+                          <m:sty m:val="p"/>
+                        </m:rPr>
+                        <a:rPr lang="el-GR" sz="1400" i="1" smtClean="0">
+                          <a:latin typeface="Cambria Math" panose="02040503050406030204" pitchFamily="18" charset="0"/>
+                        </a:rPr>
+                        <m:t>ΔΔ</m:t>
+                      </m:r>
+                      <m:sSub>
+                        <m:sSubPr>
+                          <m:ctrlPr>
+                            <a:rPr lang="el-GR" sz="1400" i="1">
+                              <a:latin typeface="Cambria Math" panose="02040503050406030204" pitchFamily="18" charset="0"/>
+                            </a:rPr>
+                          </m:ctrlPr>
+                        </m:sSubPr>
+                        <m:e>
+                          <m:r>
+                            <a:rPr lang="en-US" sz="1400" i="1">
+                              <a:latin typeface="Cambria Math" panose="02040503050406030204" pitchFamily="18" charset="0"/>
+                            </a:rPr>
+                            <m:t>𝐶</m:t>
+                          </m:r>
+                        </m:e>
+                        <m:sub>
+                          <m:r>
+                            <a:rPr lang="en-US" sz="1400" i="1">
+                              <a:latin typeface="Cambria Math" panose="02040503050406030204" pitchFamily="18" charset="0"/>
+                            </a:rPr>
+                            <m:t>𝑃</m:t>
+                          </m:r>
+                          <m:r>
+                            <a:rPr lang="en-US" sz="1400" b="0" i="1" smtClean="0">
+                              <a:latin typeface="Cambria Math" panose="02040503050406030204" pitchFamily="18" charset="0"/>
+                            </a:rPr>
+                            <m:t> </m:t>
+                          </m:r>
+                        </m:sub>
+                      </m:sSub>
+                      <m:r>
+                        <a:rPr lang="en-US" sz="1400" b="0" i="1" smtClean="0">
+                          <a:latin typeface="Cambria Math" panose="02040503050406030204" pitchFamily="18" charset="0"/>
+                        </a:rPr>
+                        <m:t>)</m:t>
+                      </m:r>
+                    </m:oMath>
+                  </m:oMathPara>
+                </a14:m>
+                <a:endParaRPr lang="en-US" sz="1400" smtClean="0">
+                  <a:latin typeface="Geogrotesque Md" panose="02000000000000000000" pitchFamily="50" charset="0"/>
+                </a:endParaRPr>
+              </a:p>
+            </p:txBody>
+          </p:sp>
+        </mc:Choice>
+        <mc:Fallback>
+          <p:sp>
+            <p:nvSpPr>
+              <p:cNvPr id="47" name="TextBox 46"/>
+              <p:cNvSpPr txBox="1">
+                <a:spLocks noRot="1" noChangeAspect="1" noMove="1" noResize="1" noEditPoints="1" noAdjustHandles="1" noChangeArrowheads="1" noChangeShapeType="1" noTextEdit="1"/>
+              </p:cNvSpPr>
+              <p:nvPr/>
+            </p:nvSpPr>
+            <p:spPr>
+              <a:xfrm>
+                <a:off x="1705692" y="2113712"/>
+                <a:ext cx="1488154" cy="307777"/>
+              </a:xfrm>
+              <a:prstGeom prst="rect">
+                <a:avLst/>
+              </a:prstGeom>
+              <a:blipFill>
+                <a:blip r:embed="rId11"/>
+                <a:stretch>
+                  <a:fillRect b="-8000"/>
+                </a:stretch>
+              </a:blipFill>
+            </p:spPr>
+            <p:txBody>
+              <a:bodyPr/>
+              <a:lstStyle/>
+              <a:p>
+                <a:r>
+                  <a:rPr lang="en-US">
+                    <a:noFill/>
+                  </a:rPr>
+                  <a:t> </a:t>
+                </a:r>
+              </a:p>
+            </p:txBody>
+          </p:sp>
+        </mc:Fallback>
+      </mc:AlternateContent>
+      <mc:AlternateContent xmlns:mc="http://schemas.openxmlformats.org/markup-compatibility/2006">
+        <mc:Choice xmlns:a14="http://schemas.microsoft.com/office/drawing/2010/main" Requires="a14">
+          <p:sp>
+            <p:nvSpPr>
+              <p:cNvPr id="48" name="Rectangle 47"/>
+              <p:cNvSpPr/>
+              <p:nvPr/>
+            </p:nvSpPr>
+            <p:spPr>
+              <a:xfrm>
+                <a:off x="138492" y="232158"/>
+                <a:ext cx="2888931" cy="369332"/>
+              </a:xfrm>
+              <a:prstGeom prst="rect">
+                <a:avLst/>
+              </a:prstGeom>
+            </p:spPr>
+            <p:txBody>
+              <a:bodyPr wrap="none">
+                <a:spAutoFit/>
+              </a:bodyPr>
+              <a:lstStyle/>
+              <a:p>
+                <a14:m>
+                  <m:oMathPara xmlns:m="http://schemas.openxmlformats.org/officeDocument/2006/math">
+                    <m:oMathParaPr>
+                      <m:jc m:val="centerGroup"/>
+                    </m:oMathParaPr>
+                    <m:oMath xmlns:m="http://schemas.openxmlformats.org/officeDocument/2006/math">
+                      <m:sSub>
+                        <m:sSubPr>
+                          <m:ctrlPr>
+                            <a:rPr lang="en-US" i="1" smtClean="0">
+                              <a:latin typeface="Cambria Math" panose="02040503050406030204" pitchFamily="18" charset="0"/>
+                            </a:rPr>
+                          </m:ctrlPr>
+                        </m:sSubPr>
+                        <m:e>
+                          <m:r>
+                            <m:rPr>
+                              <m:sty m:val="p"/>
+                            </m:rPr>
+                            <a:rPr lang="el-GR" i="1">
+                              <a:latin typeface="Cambria Math" panose="02040503050406030204" pitchFamily="18" charset="0"/>
+                            </a:rPr>
+                            <m:t>ΔΔ</m:t>
+                          </m:r>
+                          <m:sSub>
+                            <m:sSubPr>
+                              <m:ctrlPr>
+                                <a:rPr lang="el-GR" i="1">
+                                  <a:latin typeface="Cambria Math" panose="02040503050406030204" pitchFamily="18" charset="0"/>
+                                </a:rPr>
+                              </m:ctrlPr>
+                            </m:sSubPr>
+                            <m:e>
+                              <m:r>
+                                <a:rPr lang="en-US" i="1">
+                                  <a:latin typeface="Cambria Math" panose="02040503050406030204" pitchFamily="18" charset="0"/>
+                                </a:rPr>
+                                <m:t>𝐶</m:t>
+                              </m:r>
+                            </m:e>
+                            <m:sub>
+                              <m:r>
+                                <a:rPr lang="en-US" i="1">
+                                  <a:latin typeface="Cambria Math" panose="02040503050406030204" pitchFamily="18" charset="0"/>
+                                </a:rPr>
+                                <m:t>𝑃</m:t>
+                              </m:r>
+                            </m:sub>
+                          </m:sSub>
+                          <m:r>
+                            <a:rPr lang="en-US" b="0" i="1" smtClean="0">
+                              <a:latin typeface="Cambria Math" panose="02040503050406030204" pitchFamily="18" charset="0"/>
+                            </a:rPr>
+                            <m:t>=</m:t>
+                          </m:r>
+                          <m:r>
+                            <m:rPr>
+                              <m:nor/>
+                            </m:rPr>
+                            <a:rPr lang="en-US" i="0">
+                              <a:latin typeface="Cambria Math" panose="02040503050406030204" pitchFamily="18" charset="0"/>
+                            </a:rPr>
+                            <m:t>log</m:t>
+                          </m:r>
+                        </m:e>
+                        <m:sub>
+                          <m:r>
+                            <a:rPr lang="en-US" i="1">
+                              <a:latin typeface="Cambria Math" panose="02040503050406030204" pitchFamily="18" charset="0"/>
+                            </a:rPr>
+                            <m:t>2</m:t>
+                          </m:r>
+                        </m:sub>
+                      </m:sSub>
+                      <m:r>
+                        <a:rPr lang="en-US" i="1">
+                          <a:latin typeface="Cambria Math" panose="02040503050406030204" pitchFamily="18" charset="0"/>
+                        </a:rPr>
+                        <m:t>(</m:t>
+                      </m:r>
+                      <m:r>
+                        <m:rPr>
+                          <m:nor/>
+                        </m:rPr>
+                        <a:rPr lang="en-US" i="0">
+                          <a:latin typeface="Cambria Math" panose="02040503050406030204" pitchFamily="18" charset="0"/>
+                        </a:rPr>
+                        <m:t>fold</m:t>
+                      </m:r>
+                      <m:r>
+                        <m:rPr>
+                          <m:nor/>
+                        </m:rPr>
+                        <a:rPr lang="en-US" i="0">
+                          <a:latin typeface="Cambria Math" panose="02040503050406030204" pitchFamily="18" charset="0"/>
+                        </a:rPr>
+                        <m:t>-</m:t>
+                      </m:r>
+                      <m:r>
+                        <m:rPr>
+                          <m:nor/>
+                        </m:rPr>
+                        <a:rPr lang="en-US" i="0">
+                          <a:latin typeface="Cambria Math" panose="02040503050406030204" pitchFamily="18" charset="0"/>
+                        </a:rPr>
+                        <m:t>change</m:t>
+                      </m:r>
+                      <m:r>
+                        <a:rPr lang="en-US" i="1">
+                          <a:latin typeface="Cambria Math" panose="02040503050406030204" pitchFamily="18" charset="0"/>
+                        </a:rPr>
+                        <m:t>)</m:t>
+                      </m:r>
+                    </m:oMath>
+                  </m:oMathPara>
+                </a14:m>
+                <a:endParaRPr lang="en-US"/>
+              </a:p>
+            </p:txBody>
+          </p:sp>
+        </mc:Choice>
+        <mc:Fallback>
+          <p:sp>
+            <p:nvSpPr>
+              <p:cNvPr id="48" name="Rectangle 47"/>
+              <p:cNvSpPr>
+                <a:spLocks noRot="1" noChangeAspect="1" noMove="1" noResize="1" noEditPoints="1" noAdjustHandles="1" noChangeArrowheads="1" noChangeShapeType="1" noTextEdit="1"/>
+              </p:cNvSpPr>
+              <p:nvPr/>
+            </p:nvSpPr>
+            <p:spPr>
+              <a:xfrm>
+                <a:off x="138492" y="232158"/>
+                <a:ext cx="2888931" cy="369332"/>
+              </a:xfrm>
+              <a:prstGeom prst="rect">
+                <a:avLst/>
+              </a:prstGeom>
+              <a:blipFill>
+                <a:blip r:embed="rId12"/>
+                <a:stretch>
+                  <a:fillRect b="-13115"/>
+                </a:stretch>
+              </a:blipFill>
+            </p:spPr>
+            <p:txBody>
+              <a:bodyPr/>
+              <a:lstStyle/>
+              <a:p>
+                <a:r>
+                  <a:rPr lang="en-US">
+                    <a:noFill/>
+                  </a:rPr>
+                  <a:t> </a:t>
+                </a:r>
+              </a:p>
+            </p:txBody>
+          </p:sp>
+        </mc:Fallback>
+      </mc:AlternateContent>
+      <p:cxnSp>
+        <p:nvCxnSpPr>
+          <p:cNvPr id="49" name="Straight Connector 48"/>
+          <p:cNvCxnSpPr/>
+          <p:nvPr/>
+        </p:nvCxnSpPr>
+        <p:spPr>
+          <a:xfrm>
+            <a:off x="5978164" y="772521"/>
+            <a:ext cx="769" cy="3522903"/>
+          </a:xfrm>
+          <a:prstGeom prst="line">
+            <a:avLst/>
+          </a:prstGeom>
+          <a:ln w="19050">
+            <a:solidFill>
+              <a:schemeClr val="tx1"/>
+            </a:solidFill>
+          </a:ln>
+        </p:spPr>
+        <p:style>
+          <a:lnRef idx="1">
+            <a:schemeClr val="accent1"/>
+          </a:lnRef>
+          <a:fillRef idx="0">
+            <a:schemeClr val="accent1"/>
+          </a:fillRef>
+          <a:effectRef idx="0">
+            <a:schemeClr val="accent1"/>
+          </a:effectRef>
+          <a:fontRef idx="minor">
+            <a:schemeClr val="tx1"/>
+          </a:fontRef>
+        </p:style>
+      </p:cxnSp>
+      <p:cxnSp>
+        <p:nvCxnSpPr>
+          <p:cNvPr id="50" name="Straight Connector 49"/>
+          <p:cNvCxnSpPr/>
+          <p:nvPr/>
+        </p:nvCxnSpPr>
+        <p:spPr>
+          <a:xfrm flipH="1">
+            <a:off x="5978165" y="4295424"/>
+            <a:ext cx="3094950" cy="0"/>
+          </a:xfrm>
+          <a:prstGeom prst="line">
+            <a:avLst/>
+          </a:prstGeom>
+          <a:ln w="19050">
+            <a:solidFill>
+              <a:schemeClr val="tx1"/>
+            </a:solidFill>
+          </a:ln>
+        </p:spPr>
+        <p:style>
+          <a:lnRef idx="1">
+            <a:schemeClr val="accent1"/>
+          </a:lnRef>
+          <a:fillRef idx="0">
+            <a:schemeClr val="accent1"/>
+          </a:fillRef>
+          <a:effectRef idx="0">
+            <a:schemeClr val="accent1"/>
+          </a:effectRef>
+          <a:fontRef idx="minor">
+            <a:schemeClr val="tx1"/>
+          </a:fontRef>
+        </p:style>
+      </p:cxnSp>
+      <p:cxnSp>
+        <p:nvCxnSpPr>
+          <p:cNvPr id="51" name="Straight Connector 50"/>
+          <p:cNvCxnSpPr/>
+          <p:nvPr/>
+        </p:nvCxnSpPr>
+        <p:spPr>
+          <a:xfrm flipH="1">
+            <a:off x="6607006" y="4221533"/>
+            <a:ext cx="0" cy="144000"/>
+          </a:xfrm>
+          <a:prstGeom prst="line">
+            <a:avLst/>
+          </a:prstGeom>
+          <a:ln w="19050">
+            <a:solidFill>
+              <a:schemeClr val="tx1"/>
+            </a:solidFill>
+          </a:ln>
+        </p:spPr>
+        <p:style>
+          <a:lnRef idx="1">
+            <a:schemeClr val="accent1"/>
+          </a:lnRef>
+          <a:fillRef idx="0">
+            <a:schemeClr val="accent1"/>
+          </a:fillRef>
+          <a:effectRef idx="0">
+            <a:schemeClr val="accent1"/>
+          </a:effectRef>
+          <a:fontRef idx="minor">
+            <a:schemeClr val="tx1"/>
+          </a:fontRef>
+        </p:style>
+      </p:cxnSp>
+      <p:cxnSp>
+        <p:nvCxnSpPr>
+          <p:cNvPr id="52" name="Straight Connector 51"/>
+          <p:cNvCxnSpPr/>
+          <p:nvPr/>
+        </p:nvCxnSpPr>
+        <p:spPr>
+          <a:xfrm flipH="1">
+            <a:off x="8338824" y="4226150"/>
+            <a:ext cx="0" cy="144000"/>
+          </a:xfrm>
+          <a:prstGeom prst="line">
+            <a:avLst/>
+          </a:prstGeom>
+          <a:ln w="19050">
+            <a:solidFill>
+              <a:schemeClr val="tx1"/>
+            </a:solidFill>
+          </a:ln>
+        </p:spPr>
+        <p:style>
+          <a:lnRef idx="1">
+            <a:schemeClr val="accent1"/>
+          </a:lnRef>
+          <a:fillRef idx="0">
+            <a:schemeClr val="accent1"/>
+          </a:fillRef>
+          <a:effectRef idx="0">
+            <a:schemeClr val="accent1"/>
+          </a:effectRef>
+          <a:fontRef idx="minor">
+            <a:schemeClr val="tx1"/>
+          </a:fontRef>
+        </p:style>
+      </p:cxnSp>
+      <mc:AlternateContent xmlns:mc="http://schemas.openxmlformats.org/markup-compatibility/2006">
+        <mc:Choice xmlns:a14="http://schemas.microsoft.com/office/drawing/2010/main" Requires="a14">
+          <p:sp>
+            <p:nvSpPr>
+              <p:cNvPr id="53" name="TextBox 52"/>
+              <p:cNvSpPr txBox="1"/>
+              <p:nvPr/>
+            </p:nvSpPr>
+            <p:spPr>
+              <a:xfrm>
+                <a:off x="5383185" y="3436504"/>
+                <a:ext cx="655782" cy="369332"/>
+              </a:xfrm>
+              <a:prstGeom prst="rect">
+                <a:avLst/>
+              </a:prstGeom>
+              <a:noFill/>
+            </p:spPr>
+            <p:txBody>
+              <a:bodyPr wrap="square" rtlCol="0">
+                <a:spAutoFit/>
+              </a:bodyPr>
+              <a:lstStyle/>
+              <a:p>
+                <a14:m>
+                  <m:oMathPara xmlns:m="http://schemas.openxmlformats.org/officeDocument/2006/math">
+                    <m:oMathParaPr>
+                      <m:jc m:val="centerGroup"/>
+                    </m:oMathParaPr>
+                    <m:oMath xmlns:m="http://schemas.openxmlformats.org/officeDocument/2006/math">
+                      <m:r>
+                        <a:rPr lang="en-US" i="1" smtClean="0">
+                          <a:latin typeface="Cambria Math" panose="02040503050406030204" pitchFamily="18" charset="0"/>
+                        </a:rPr>
+                        <m:t>−</m:t>
+                      </m:r>
+                      <m:r>
+                        <a:rPr lang="en-US" b="0" i="1" smtClean="0">
+                          <a:latin typeface="Cambria Math" panose="02040503050406030204" pitchFamily="18" charset="0"/>
+                        </a:rPr>
+                        <m:t>2</m:t>
+                      </m:r>
+                    </m:oMath>
+                  </m:oMathPara>
+                </a14:m>
+                <a:endParaRPr lang="en-US">
+                  <a:latin typeface="Geogrotesque Md" panose="02000000000000000000" pitchFamily="50" charset="0"/>
+                </a:endParaRPr>
+              </a:p>
+            </p:txBody>
+          </p:sp>
+        </mc:Choice>
+        <mc:Fallback>
+          <p:sp>
+            <p:nvSpPr>
+              <p:cNvPr id="53" name="TextBox 52"/>
+              <p:cNvSpPr txBox="1">
+                <a:spLocks noRot="1" noChangeAspect="1" noMove="1" noResize="1" noEditPoints="1" noAdjustHandles="1" noChangeArrowheads="1" noChangeShapeType="1" noTextEdit="1"/>
+              </p:cNvSpPr>
+              <p:nvPr/>
+            </p:nvSpPr>
+            <p:spPr>
+              <a:xfrm>
+                <a:off x="5383185" y="3436504"/>
+                <a:ext cx="655782" cy="369332"/>
+              </a:xfrm>
+              <a:prstGeom prst="rect">
+                <a:avLst/>
+              </a:prstGeom>
+              <a:blipFill>
+                <a:blip r:embed="rId13"/>
+                <a:stretch>
+                  <a:fillRect/>
+                </a:stretch>
+              </a:blipFill>
+            </p:spPr>
+            <p:txBody>
+              <a:bodyPr/>
+              <a:lstStyle/>
+              <a:p>
+                <a:r>
+                  <a:rPr lang="en-US">
+                    <a:noFill/>
+                  </a:rPr>
+                  <a:t> </a:t>
+                </a:r>
+              </a:p>
+            </p:txBody>
+          </p:sp>
+        </mc:Fallback>
+      </mc:AlternateContent>
+      <p:cxnSp>
+        <p:nvCxnSpPr>
+          <p:cNvPr id="54" name="Straight Connector 53"/>
+          <p:cNvCxnSpPr/>
+          <p:nvPr/>
+        </p:nvCxnSpPr>
+        <p:spPr>
+          <a:xfrm>
+            <a:off x="5900423" y="3621170"/>
+            <a:ext cx="152400" cy="836"/>
+          </a:xfrm>
+          <a:prstGeom prst="line">
+            <a:avLst/>
+          </a:prstGeom>
+          <a:ln w="19050">
+            <a:solidFill>
+              <a:schemeClr val="tx1"/>
+            </a:solidFill>
+          </a:ln>
+        </p:spPr>
+        <p:style>
+          <a:lnRef idx="1">
+            <a:schemeClr val="accent1"/>
+          </a:lnRef>
+          <a:fillRef idx="0">
+            <a:schemeClr val="accent1"/>
+          </a:fillRef>
+          <a:effectRef idx="0">
+            <a:schemeClr val="accent1"/>
+          </a:effectRef>
+          <a:fontRef idx="minor">
+            <a:schemeClr val="tx1"/>
+          </a:fontRef>
+        </p:style>
+      </p:cxnSp>
+      <mc:AlternateContent xmlns:mc="http://schemas.openxmlformats.org/markup-compatibility/2006">
+        <mc:Choice xmlns:a14="http://schemas.microsoft.com/office/drawing/2010/main" Requires="a14">
+          <p:sp>
+            <p:nvSpPr>
+              <p:cNvPr id="56" name="TextBox 55"/>
+              <p:cNvSpPr txBox="1"/>
+              <p:nvPr/>
+            </p:nvSpPr>
+            <p:spPr>
+              <a:xfrm>
+                <a:off x="5376251" y="2883342"/>
+                <a:ext cx="655782" cy="369332"/>
+              </a:xfrm>
+              <a:prstGeom prst="rect">
+                <a:avLst/>
+              </a:prstGeom>
+              <a:noFill/>
+            </p:spPr>
+            <p:txBody>
+              <a:bodyPr wrap="square" rtlCol="0">
+                <a:spAutoFit/>
+              </a:bodyPr>
+              <a:lstStyle/>
+              <a:p>
+                <a14:m>
+                  <m:oMathPara xmlns:m="http://schemas.openxmlformats.org/officeDocument/2006/math">
+                    <m:oMathParaPr>
+                      <m:jc m:val="centerGroup"/>
+                    </m:oMathParaPr>
+                    <m:oMath xmlns:m="http://schemas.openxmlformats.org/officeDocument/2006/math">
+                      <m:r>
+                        <a:rPr lang="en-US" i="1" smtClean="0">
+                          <a:latin typeface="Cambria Math" panose="02040503050406030204" pitchFamily="18" charset="0"/>
+                        </a:rPr>
+                        <m:t>−</m:t>
+                      </m:r>
+                      <m:r>
+                        <a:rPr lang="en-US" b="0" i="1" smtClean="0">
+                          <a:latin typeface="Cambria Math" panose="02040503050406030204" pitchFamily="18" charset="0"/>
+                        </a:rPr>
+                        <m:t>1</m:t>
+                      </m:r>
+                    </m:oMath>
+                  </m:oMathPara>
+                </a14:m>
+                <a:endParaRPr lang="en-US">
+                  <a:latin typeface="Geogrotesque Md" panose="02000000000000000000" pitchFamily="50" charset="0"/>
+                </a:endParaRPr>
+              </a:p>
+            </p:txBody>
+          </p:sp>
+        </mc:Choice>
+        <mc:Fallback>
+          <p:sp>
+            <p:nvSpPr>
+              <p:cNvPr id="56" name="TextBox 55"/>
+              <p:cNvSpPr txBox="1">
+                <a:spLocks noRot="1" noChangeAspect="1" noMove="1" noResize="1" noEditPoints="1" noAdjustHandles="1" noChangeArrowheads="1" noChangeShapeType="1" noTextEdit="1"/>
+              </p:cNvSpPr>
+              <p:nvPr/>
+            </p:nvSpPr>
+            <p:spPr>
+              <a:xfrm>
+                <a:off x="5376251" y="2883342"/>
+                <a:ext cx="655782" cy="369332"/>
+              </a:xfrm>
+              <a:prstGeom prst="rect">
+                <a:avLst/>
+              </a:prstGeom>
+              <a:blipFill>
+                <a:blip r:embed="rId14"/>
+                <a:stretch>
+                  <a:fillRect/>
+                </a:stretch>
+              </a:blipFill>
+            </p:spPr>
+            <p:txBody>
+              <a:bodyPr/>
+              <a:lstStyle/>
+              <a:p>
+                <a:r>
+                  <a:rPr lang="en-US">
+                    <a:noFill/>
+                  </a:rPr>
+                  <a:t> </a:t>
+                </a:r>
+              </a:p>
+            </p:txBody>
+          </p:sp>
+        </mc:Fallback>
+      </mc:AlternateContent>
+      <p:cxnSp>
+        <p:nvCxnSpPr>
+          <p:cNvPr id="57" name="Straight Connector 56"/>
+          <p:cNvCxnSpPr/>
+          <p:nvPr/>
+        </p:nvCxnSpPr>
+        <p:spPr>
+          <a:xfrm>
+            <a:off x="5893489" y="3068008"/>
+            <a:ext cx="152400" cy="836"/>
+          </a:xfrm>
+          <a:prstGeom prst="line">
+            <a:avLst/>
+          </a:prstGeom>
+          <a:ln w="19050">
+            <a:solidFill>
+              <a:schemeClr val="tx1"/>
+            </a:solidFill>
+          </a:ln>
+        </p:spPr>
+        <p:style>
+          <a:lnRef idx="1">
+            <a:schemeClr val="accent1"/>
+          </a:lnRef>
+          <a:fillRef idx="0">
+            <a:schemeClr val="accent1"/>
+          </a:fillRef>
+          <a:effectRef idx="0">
+            <a:schemeClr val="accent1"/>
+          </a:effectRef>
+          <a:fontRef idx="minor">
+            <a:schemeClr val="tx1"/>
+          </a:fontRef>
+        </p:style>
+      </p:cxnSp>
+      <mc:AlternateContent xmlns:mc="http://schemas.openxmlformats.org/markup-compatibility/2006">
+        <mc:Choice xmlns:a14="http://schemas.microsoft.com/office/drawing/2010/main" Requires="a14">
+          <p:sp>
+            <p:nvSpPr>
+              <p:cNvPr id="58" name="TextBox 57"/>
+              <p:cNvSpPr txBox="1"/>
+              <p:nvPr/>
+            </p:nvSpPr>
+            <p:spPr>
+              <a:xfrm>
+                <a:off x="5464386" y="2379085"/>
+                <a:ext cx="655782" cy="369332"/>
+              </a:xfrm>
+              <a:prstGeom prst="rect">
+                <a:avLst/>
+              </a:prstGeom>
+              <a:noFill/>
+            </p:spPr>
+            <p:txBody>
+              <a:bodyPr wrap="square" rtlCol="0">
+                <a:spAutoFit/>
+              </a:bodyPr>
+              <a:lstStyle/>
+              <a:p>
+                <a14:m>
+                  <m:oMathPara xmlns:m="http://schemas.openxmlformats.org/officeDocument/2006/math">
+                    <m:oMathParaPr>
+                      <m:jc m:val="centerGroup"/>
+                    </m:oMathParaPr>
+                    <m:oMath xmlns:m="http://schemas.openxmlformats.org/officeDocument/2006/math">
+                      <m:r>
+                        <a:rPr lang="en-US" b="0" i="1" smtClean="0">
+                          <a:latin typeface="Cambria Math" panose="02040503050406030204" pitchFamily="18" charset="0"/>
+                        </a:rPr>
+                        <m:t>0</m:t>
+                      </m:r>
+                    </m:oMath>
+                  </m:oMathPara>
+                </a14:m>
+                <a:endParaRPr lang="en-US">
+                  <a:latin typeface="Geogrotesque Md" panose="02000000000000000000" pitchFamily="50" charset="0"/>
+                </a:endParaRPr>
+              </a:p>
+            </p:txBody>
+          </p:sp>
+        </mc:Choice>
+        <mc:Fallback>
+          <p:sp>
+            <p:nvSpPr>
+              <p:cNvPr id="58" name="TextBox 57"/>
+              <p:cNvSpPr txBox="1">
+                <a:spLocks noRot="1" noChangeAspect="1" noMove="1" noResize="1" noEditPoints="1" noAdjustHandles="1" noChangeArrowheads="1" noChangeShapeType="1" noTextEdit="1"/>
+              </p:cNvSpPr>
+              <p:nvPr/>
+            </p:nvSpPr>
+            <p:spPr>
+              <a:xfrm>
+                <a:off x="5464386" y="2379085"/>
+                <a:ext cx="655782" cy="369332"/>
+              </a:xfrm>
+              <a:prstGeom prst="rect">
+                <a:avLst/>
+              </a:prstGeom>
+              <a:blipFill>
+                <a:blip r:embed="rId15"/>
+                <a:stretch>
+                  <a:fillRect/>
+                </a:stretch>
+              </a:blipFill>
+            </p:spPr>
+            <p:txBody>
+              <a:bodyPr/>
+              <a:lstStyle/>
+              <a:p>
+                <a:r>
+                  <a:rPr lang="en-US">
+                    <a:noFill/>
+                  </a:rPr>
+                  <a:t> </a:t>
+                </a:r>
+              </a:p>
+            </p:txBody>
+          </p:sp>
+        </mc:Fallback>
+      </mc:AlternateContent>
+      <p:cxnSp>
+        <p:nvCxnSpPr>
+          <p:cNvPr id="59" name="Straight Connector 58"/>
+          <p:cNvCxnSpPr/>
+          <p:nvPr/>
+        </p:nvCxnSpPr>
+        <p:spPr>
+          <a:xfrm>
+            <a:off x="5907345" y="2563751"/>
+            <a:ext cx="152400" cy="836"/>
+          </a:xfrm>
+          <a:prstGeom prst="line">
+            <a:avLst/>
+          </a:prstGeom>
+          <a:ln w="19050">
+            <a:solidFill>
+              <a:schemeClr val="tx1"/>
+            </a:solidFill>
+          </a:ln>
+        </p:spPr>
+        <p:style>
+          <a:lnRef idx="1">
+            <a:schemeClr val="accent1"/>
+          </a:lnRef>
+          <a:fillRef idx="0">
+            <a:schemeClr val="accent1"/>
+          </a:fillRef>
+          <a:effectRef idx="0">
+            <a:schemeClr val="accent1"/>
+          </a:effectRef>
+          <a:fontRef idx="minor">
+            <a:schemeClr val="tx1"/>
+          </a:fontRef>
+        </p:style>
+      </p:cxnSp>
+      <mc:AlternateContent xmlns:mc="http://schemas.openxmlformats.org/markup-compatibility/2006">
+        <mc:Choice xmlns:a14="http://schemas.microsoft.com/office/drawing/2010/main" Requires="a14">
+          <p:sp>
+            <p:nvSpPr>
+              <p:cNvPr id="60" name="TextBox 59"/>
+              <p:cNvSpPr txBox="1"/>
+              <p:nvPr/>
+            </p:nvSpPr>
+            <p:spPr>
+              <a:xfrm>
+                <a:off x="5464386" y="1881342"/>
+                <a:ext cx="655782" cy="369332"/>
+              </a:xfrm>
+              <a:prstGeom prst="rect">
+                <a:avLst/>
+              </a:prstGeom>
+              <a:noFill/>
+            </p:spPr>
+            <p:txBody>
+              <a:bodyPr wrap="square" rtlCol="0">
+                <a:spAutoFit/>
+              </a:bodyPr>
+              <a:lstStyle/>
+              <a:p>
+                <a14:m>
+                  <m:oMathPara xmlns:m="http://schemas.openxmlformats.org/officeDocument/2006/math">
+                    <m:oMathParaPr>
+                      <m:jc m:val="centerGroup"/>
+                    </m:oMathParaPr>
+                    <m:oMath xmlns:m="http://schemas.openxmlformats.org/officeDocument/2006/math">
+                      <m:r>
+                        <a:rPr lang="en-US" b="0" i="1" smtClean="0">
+                          <a:latin typeface="Cambria Math" panose="02040503050406030204" pitchFamily="18" charset="0"/>
+                        </a:rPr>
+                        <m:t>1</m:t>
+                      </m:r>
+                    </m:oMath>
+                  </m:oMathPara>
+                </a14:m>
+                <a:endParaRPr lang="en-US">
+                  <a:latin typeface="Geogrotesque Md" panose="02000000000000000000" pitchFamily="50" charset="0"/>
+                </a:endParaRPr>
+              </a:p>
+            </p:txBody>
+          </p:sp>
+        </mc:Choice>
+        <mc:Fallback>
+          <p:sp>
+            <p:nvSpPr>
+              <p:cNvPr id="60" name="TextBox 59"/>
+              <p:cNvSpPr txBox="1">
+                <a:spLocks noRot="1" noChangeAspect="1" noMove="1" noResize="1" noEditPoints="1" noAdjustHandles="1" noChangeArrowheads="1" noChangeShapeType="1" noTextEdit="1"/>
+              </p:cNvSpPr>
+              <p:nvPr/>
+            </p:nvSpPr>
+            <p:spPr>
+              <a:xfrm>
+                <a:off x="5464386" y="1881342"/>
+                <a:ext cx="655782" cy="369332"/>
+              </a:xfrm>
+              <a:prstGeom prst="rect">
+                <a:avLst/>
+              </a:prstGeom>
+              <a:blipFill>
+                <a:blip r:embed="rId16"/>
+                <a:stretch>
+                  <a:fillRect/>
+                </a:stretch>
+              </a:blipFill>
+            </p:spPr>
+            <p:txBody>
+              <a:bodyPr/>
+              <a:lstStyle/>
+              <a:p>
+                <a:r>
+                  <a:rPr lang="en-US">
+                    <a:noFill/>
+                  </a:rPr>
+                  <a:t> </a:t>
+                </a:r>
+              </a:p>
+            </p:txBody>
+          </p:sp>
+        </mc:Fallback>
+      </mc:AlternateContent>
+      <p:cxnSp>
+        <p:nvCxnSpPr>
+          <p:cNvPr id="61" name="Straight Connector 60"/>
+          <p:cNvCxnSpPr/>
+          <p:nvPr/>
+        </p:nvCxnSpPr>
+        <p:spPr>
+          <a:xfrm>
+            <a:off x="5907345" y="2066008"/>
+            <a:ext cx="152400" cy="836"/>
+          </a:xfrm>
+          <a:prstGeom prst="line">
+            <a:avLst/>
+          </a:prstGeom>
+          <a:ln w="19050">
+            <a:solidFill>
+              <a:schemeClr val="tx1"/>
+            </a:solidFill>
+          </a:ln>
+        </p:spPr>
+        <p:style>
+          <a:lnRef idx="1">
+            <a:schemeClr val="accent1"/>
+          </a:lnRef>
+          <a:fillRef idx="0">
+            <a:schemeClr val="accent1"/>
+          </a:fillRef>
+          <a:effectRef idx="0">
+            <a:schemeClr val="accent1"/>
+          </a:effectRef>
+          <a:fontRef idx="minor">
+            <a:schemeClr val="tx1"/>
+          </a:fontRef>
+        </p:style>
+      </p:cxnSp>
+      <mc:AlternateContent xmlns:mc="http://schemas.openxmlformats.org/markup-compatibility/2006">
+        <mc:Choice xmlns:a14="http://schemas.microsoft.com/office/drawing/2010/main" Requires="a14">
+          <p:sp>
+            <p:nvSpPr>
+              <p:cNvPr id="62" name="TextBox 61"/>
+              <p:cNvSpPr txBox="1"/>
+              <p:nvPr/>
+            </p:nvSpPr>
+            <p:spPr>
+              <a:xfrm>
+                <a:off x="5464386" y="1369750"/>
+                <a:ext cx="655782" cy="369332"/>
+              </a:xfrm>
+              <a:prstGeom prst="rect">
+                <a:avLst/>
+              </a:prstGeom>
+              <a:noFill/>
+            </p:spPr>
+            <p:txBody>
+              <a:bodyPr wrap="square" rtlCol="0">
+                <a:spAutoFit/>
+              </a:bodyPr>
+              <a:lstStyle/>
+              <a:p>
+                <a14:m>
+                  <m:oMathPara xmlns:m="http://schemas.openxmlformats.org/officeDocument/2006/math">
+                    <m:oMathParaPr>
+                      <m:jc m:val="centerGroup"/>
+                    </m:oMathParaPr>
+                    <m:oMath xmlns:m="http://schemas.openxmlformats.org/officeDocument/2006/math">
+                      <m:r>
+                        <a:rPr lang="en-US" b="0" i="1" smtClean="0">
+                          <a:latin typeface="Cambria Math" panose="02040503050406030204" pitchFamily="18" charset="0"/>
+                        </a:rPr>
+                        <m:t>2</m:t>
+                      </m:r>
+                    </m:oMath>
+                  </m:oMathPara>
+                </a14:m>
+                <a:endParaRPr lang="en-US">
+                  <a:latin typeface="Geogrotesque Md" panose="02000000000000000000" pitchFamily="50" charset="0"/>
+                </a:endParaRPr>
+              </a:p>
+            </p:txBody>
+          </p:sp>
+        </mc:Choice>
+        <mc:Fallback>
+          <p:sp>
+            <p:nvSpPr>
+              <p:cNvPr id="62" name="TextBox 61"/>
+              <p:cNvSpPr txBox="1">
+                <a:spLocks noRot="1" noChangeAspect="1" noMove="1" noResize="1" noEditPoints="1" noAdjustHandles="1" noChangeArrowheads="1" noChangeShapeType="1" noTextEdit="1"/>
+              </p:cNvSpPr>
+              <p:nvPr/>
+            </p:nvSpPr>
+            <p:spPr>
+              <a:xfrm>
+                <a:off x="5464386" y="1369750"/>
+                <a:ext cx="655782" cy="369332"/>
+              </a:xfrm>
+              <a:prstGeom prst="rect">
+                <a:avLst/>
+              </a:prstGeom>
+              <a:blipFill>
+                <a:blip r:embed="rId17"/>
+                <a:stretch>
+                  <a:fillRect/>
+                </a:stretch>
+              </a:blipFill>
+            </p:spPr>
+            <p:txBody>
+              <a:bodyPr/>
+              <a:lstStyle/>
+              <a:p>
+                <a:r>
+                  <a:rPr lang="en-US">
+                    <a:noFill/>
+                  </a:rPr>
+                  <a:t> </a:t>
+                </a:r>
+              </a:p>
+            </p:txBody>
+          </p:sp>
+        </mc:Fallback>
+      </mc:AlternateContent>
+      <p:cxnSp>
+        <p:nvCxnSpPr>
+          <p:cNvPr id="63" name="Straight Connector 62"/>
+          <p:cNvCxnSpPr/>
+          <p:nvPr/>
+        </p:nvCxnSpPr>
+        <p:spPr>
+          <a:xfrm>
+            <a:off x="5907345" y="1554416"/>
+            <a:ext cx="152400" cy="836"/>
+          </a:xfrm>
+          <a:prstGeom prst="line">
+            <a:avLst/>
+          </a:prstGeom>
+          <a:ln w="19050">
+            <a:solidFill>
+              <a:schemeClr val="tx1"/>
+            </a:solidFill>
+          </a:ln>
+        </p:spPr>
+        <p:style>
+          <a:lnRef idx="1">
+            <a:schemeClr val="accent1"/>
+          </a:lnRef>
+          <a:fillRef idx="0">
+            <a:schemeClr val="accent1"/>
+          </a:fillRef>
+          <a:effectRef idx="0">
+            <a:schemeClr val="accent1"/>
+          </a:effectRef>
+          <a:fontRef idx="minor">
+            <a:schemeClr val="tx1"/>
+          </a:fontRef>
+        </p:style>
+      </p:cxnSp>
+      <mc:AlternateContent xmlns:mc="http://schemas.openxmlformats.org/markup-compatibility/2006">
+        <mc:Choice xmlns:a14="http://schemas.microsoft.com/office/drawing/2010/main" Requires="a14">
+          <p:sp>
+            <p:nvSpPr>
+              <p:cNvPr id="64" name="TextBox 63"/>
+              <p:cNvSpPr txBox="1"/>
+              <p:nvPr/>
+            </p:nvSpPr>
+            <p:spPr>
+              <a:xfrm>
+                <a:off x="6120168" y="4364699"/>
+                <a:ext cx="965204" cy="379848"/>
+              </a:xfrm>
+              <a:prstGeom prst="rect">
+                <a:avLst/>
+              </a:prstGeom>
+              <a:noFill/>
+            </p:spPr>
+            <p:txBody>
+              <a:bodyPr wrap="square" rtlCol="0">
+                <a:spAutoFit/>
+              </a:bodyPr>
+              <a:lstStyle/>
+              <a:p>
+                <a14:m>
+                  <m:oMathPara xmlns:m="http://schemas.openxmlformats.org/officeDocument/2006/math">
+                    <m:oMathParaPr>
+                      <m:jc m:val="centerGroup"/>
+                    </m:oMathParaPr>
+                    <m:oMath xmlns:m="http://schemas.openxmlformats.org/officeDocument/2006/math">
+                      <m:r>
+                        <m:rPr>
+                          <m:nor/>
+                        </m:rPr>
+                        <a:rPr lang="en-US" i="0" smtClean="0">
+                          <a:latin typeface="Cambria Math" panose="02040503050406030204" pitchFamily="18" charset="0"/>
+                        </a:rPr>
+                        <m:t>c</m:t>
+                      </m:r>
+                      <m:r>
+                        <m:rPr>
+                          <m:nor/>
+                        </m:rPr>
+                        <a:rPr lang="en-US" b="0" i="0" smtClean="0">
+                          <a:latin typeface="Cambria Math" panose="02040503050406030204" pitchFamily="18" charset="0"/>
+                        </a:rPr>
+                        <m:t>ontrol</m:t>
+                      </m:r>
+                    </m:oMath>
+                  </m:oMathPara>
+                </a14:m>
+                <a:endParaRPr lang="en-US">
+                  <a:latin typeface="Geogrotesque Md" panose="02000000000000000000" pitchFamily="50" charset="0"/>
+                </a:endParaRPr>
+              </a:p>
+            </p:txBody>
+          </p:sp>
+        </mc:Choice>
+        <mc:Fallback>
+          <p:sp>
+            <p:nvSpPr>
+              <p:cNvPr id="64" name="TextBox 63"/>
+              <p:cNvSpPr txBox="1">
+                <a:spLocks noRot="1" noChangeAspect="1" noMove="1" noResize="1" noEditPoints="1" noAdjustHandles="1" noChangeArrowheads="1" noChangeShapeType="1" noTextEdit="1"/>
+              </p:cNvSpPr>
+              <p:nvPr/>
+            </p:nvSpPr>
+            <p:spPr>
+              <a:xfrm>
+                <a:off x="6120168" y="4364699"/>
+                <a:ext cx="965204" cy="379848"/>
+              </a:xfrm>
+              <a:prstGeom prst="rect">
+                <a:avLst/>
+              </a:prstGeom>
+              <a:blipFill>
+                <a:blip r:embed="rId18"/>
+                <a:stretch>
+                  <a:fillRect/>
+                </a:stretch>
+              </a:blipFill>
+            </p:spPr>
+            <p:txBody>
+              <a:bodyPr/>
+              <a:lstStyle/>
+              <a:p>
+                <a:r>
+                  <a:rPr lang="en-US">
+                    <a:noFill/>
+                  </a:rPr>
+                  <a:t> </a:t>
+                </a:r>
+              </a:p>
+            </p:txBody>
+          </p:sp>
+        </mc:Fallback>
+      </mc:AlternateContent>
+      <mc:AlternateContent xmlns:mc="http://schemas.openxmlformats.org/markup-compatibility/2006">
+        <mc:Choice xmlns:a14="http://schemas.microsoft.com/office/drawing/2010/main" Requires="a14">
+          <p:sp>
+            <p:nvSpPr>
+              <p:cNvPr id="65" name="TextBox 64"/>
+              <p:cNvSpPr txBox="1"/>
+              <p:nvPr/>
+            </p:nvSpPr>
+            <p:spPr>
+              <a:xfrm>
+                <a:off x="7856222" y="4364699"/>
+                <a:ext cx="965204" cy="379848"/>
+              </a:xfrm>
+              <a:prstGeom prst="rect">
+                <a:avLst/>
+              </a:prstGeom>
+              <a:noFill/>
+            </p:spPr>
+            <p:txBody>
+              <a:bodyPr wrap="square" rtlCol="0">
+                <a:spAutoFit/>
+              </a:bodyPr>
+              <a:lstStyle/>
+              <a:p>
+                <a14:m>
+                  <m:oMathPara xmlns:m="http://schemas.openxmlformats.org/officeDocument/2006/math">
+                    <m:oMathParaPr>
+                      <m:jc m:val="centerGroup"/>
+                    </m:oMathParaPr>
+                    <m:oMath xmlns:m="http://schemas.openxmlformats.org/officeDocument/2006/math">
+                      <m:r>
+                        <m:rPr>
+                          <m:nor/>
+                        </m:rPr>
+                        <a:rPr lang="en-US" i="0" smtClean="0">
+                          <a:latin typeface="Cambria Math" panose="02040503050406030204" pitchFamily="18" charset="0"/>
+                        </a:rPr>
+                        <m:t>t</m:t>
+                      </m:r>
+                      <m:r>
+                        <m:rPr>
+                          <m:nor/>
+                        </m:rPr>
+                        <a:rPr lang="en-US" b="0" i="0" smtClean="0">
+                          <a:latin typeface="Cambria Math" panose="02040503050406030204" pitchFamily="18" charset="0"/>
+                        </a:rPr>
+                        <m:t>arget</m:t>
+                      </m:r>
+                    </m:oMath>
+                  </m:oMathPara>
+                </a14:m>
+                <a:endParaRPr lang="en-US">
+                  <a:latin typeface="Geogrotesque Md" panose="02000000000000000000" pitchFamily="50" charset="0"/>
+                </a:endParaRPr>
+              </a:p>
+            </p:txBody>
+          </p:sp>
+        </mc:Choice>
+        <mc:Fallback>
+          <p:sp>
+            <p:nvSpPr>
+              <p:cNvPr id="65" name="TextBox 64"/>
+              <p:cNvSpPr txBox="1">
+                <a:spLocks noRot="1" noChangeAspect="1" noMove="1" noResize="1" noEditPoints="1" noAdjustHandles="1" noChangeArrowheads="1" noChangeShapeType="1" noTextEdit="1"/>
+              </p:cNvSpPr>
+              <p:nvPr/>
+            </p:nvSpPr>
+            <p:spPr>
+              <a:xfrm>
+                <a:off x="7856222" y="4364699"/>
+                <a:ext cx="965204" cy="379848"/>
+              </a:xfrm>
+              <a:prstGeom prst="rect">
+                <a:avLst/>
+              </a:prstGeom>
+              <a:blipFill>
+                <a:blip r:embed="rId19"/>
+                <a:stretch>
+                  <a:fillRect b="-8065"/>
+                </a:stretch>
+              </a:blipFill>
+            </p:spPr>
+            <p:txBody>
+              <a:bodyPr/>
+              <a:lstStyle/>
+              <a:p>
+                <a:r>
+                  <a:rPr lang="en-US">
+                    <a:noFill/>
+                  </a:rPr>
+                  <a:t> </a:t>
+                </a:r>
+              </a:p>
+            </p:txBody>
+          </p:sp>
+        </mc:Fallback>
+      </mc:AlternateContent>
+      <p:cxnSp>
+        <p:nvCxnSpPr>
+          <p:cNvPr id="79" name="Straight Arrow Connector 78"/>
+          <p:cNvCxnSpPr/>
+          <p:nvPr/>
+        </p:nvCxnSpPr>
+        <p:spPr>
+          <a:xfrm>
+            <a:off x="3848100" y="2563751"/>
+            <a:ext cx="1767840" cy="0"/>
+          </a:xfrm>
+          <a:prstGeom prst="straightConnector1">
+            <a:avLst/>
+          </a:prstGeom>
+          <a:ln w="25400">
+            <a:solidFill>
+              <a:schemeClr val="tx1"/>
+            </a:solidFill>
+            <a:prstDash val="sysDash"/>
+            <a:tailEnd type="triangle" w="lg" len="lg"/>
+          </a:ln>
+        </p:spPr>
+        <p:style>
+          <a:lnRef idx="1">
+            <a:schemeClr val="accent1"/>
+          </a:lnRef>
+          <a:fillRef idx="0">
+            <a:schemeClr val="accent1"/>
+          </a:fillRef>
+          <a:effectRef idx="0">
+            <a:schemeClr val="accent1"/>
+          </a:effectRef>
+          <a:fontRef idx="minor">
+            <a:schemeClr val="tx1"/>
+          </a:fontRef>
+        </p:style>
+      </p:cxnSp>
+      <mc:AlternateContent xmlns:mc="http://schemas.openxmlformats.org/markup-compatibility/2006">
+        <mc:Choice xmlns:a14="http://schemas.microsoft.com/office/drawing/2010/main" Requires="a14">
+          <p:sp>
+            <p:nvSpPr>
+              <p:cNvPr id="83" name="TextBox 82"/>
+              <p:cNvSpPr txBox="1"/>
+              <p:nvPr/>
+            </p:nvSpPr>
+            <p:spPr>
+              <a:xfrm>
+                <a:off x="5976623" y="195835"/>
+                <a:ext cx="3096492" cy="945900"/>
+              </a:xfrm>
+              <a:prstGeom prst="rect">
+                <a:avLst/>
+              </a:prstGeom>
+              <a:noFill/>
+            </p:spPr>
+            <p:txBody>
+              <a:bodyPr wrap="square" rtlCol="0">
+                <a:spAutoFit/>
+              </a:bodyPr>
+              <a:lstStyle/>
+              <a:p>
+                <a14:m>
+                  <m:oMath xmlns:m="http://schemas.openxmlformats.org/officeDocument/2006/math">
+                    <m:r>
+                      <m:rPr>
+                        <m:sty m:val="p"/>
+                      </m:rPr>
+                      <a:rPr lang="el-GR" i="1" smtClean="0">
+                        <a:latin typeface="Cambria Math" panose="02040503050406030204" pitchFamily="18" charset="0"/>
+                      </a:rPr>
+                      <m:t>ΔΔ</m:t>
+                    </m:r>
+                    <m:sSub>
+                      <m:sSubPr>
+                        <m:ctrlPr>
+                          <a:rPr lang="el-GR" i="1">
+                            <a:latin typeface="Cambria Math" panose="02040503050406030204" pitchFamily="18" charset="0"/>
+                          </a:rPr>
+                        </m:ctrlPr>
+                      </m:sSubPr>
+                      <m:e>
+                        <m:r>
+                          <a:rPr lang="en-US" i="1">
+                            <a:latin typeface="Cambria Math" panose="02040503050406030204" pitchFamily="18" charset="0"/>
+                          </a:rPr>
+                          <m:t>𝐶</m:t>
+                        </m:r>
+                      </m:e>
+                      <m:sub>
+                        <m:r>
+                          <a:rPr lang="en-US" i="1">
+                            <a:latin typeface="Cambria Math" panose="02040503050406030204" pitchFamily="18" charset="0"/>
+                          </a:rPr>
+                          <m:t>𝑃</m:t>
+                        </m:r>
+                        <m:r>
+                          <a:rPr lang="en-US" b="0" i="1" smtClean="0">
+                            <a:latin typeface="Cambria Math" panose="02040503050406030204" pitchFamily="18" charset="0"/>
+                          </a:rPr>
+                          <m:t> </m:t>
+                        </m:r>
+                      </m:sub>
+                    </m:sSub>
+                  </m:oMath>
+                </a14:m>
+                <a:r>
+                  <a:rPr lang="en-US" smtClean="0">
+                    <a:latin typeface="Geogrotesque Rg" panose="02000000000000000000" pitchFamily="50" charset="0"/>
+                  </a:rPr>
+                  <a:t>is now directly visible as a deviation of </a:t>
+                </a:r>
+                <a14:m>
+                  <m:oMath xmlns:m="http://schemas.openxmlformats.org/officeDocument/2006/math">
+                    <m:r>
+                      <m:rPr>
+                        <m:sty m:val="p"/>
+                      </m:rPr>
+                      <a:rPr lang="el-GR" i="1">
+                        <a:latin typeface="Cambria Math" panose="02040503050406030204" pitchFamily="18" charset="0"/>
+                      </a:rPr>
+                      <m:t>Δ</m:t>
+                    </m:r>
+                    <m:sSub>
+                      <m:sSubPr>
+                        <m:ctrlPr>
+                          <a:rPr lang="el-GR" i="1">
+                            <a:latin typeface="Cambria Math" panose="02040503050406030204" pitchFamily="18" charset="0"/>
+                          </a:rPr>
+                        </m:ctrlPr>
+                      </m:sSubPr>
+                      <m:e>
+                        <m:r>
+                          <a:rPr lang="en-US" i="1">
+                            <a:latin typeface="Cambria Math" panose="02040503050406030204" pitchFamily="18" charset="0"/>
+                          </a:rPr>
+                          <m:t>𝐶</m:t>
+                        </m:r>
+                      </m:e>
+                      <m:sub>
+                        <m:r>
+                          <a:rPr lang="en-US" i="1">
+                            <a:latin typeface="Cambria Math" panose="02040503050406030204" pitchFamily="18" charset="0"/>
+                          </a:rPr>
+                          <m:t>𝑃</m:t>
+                        </m:r>
+                        <m:r>
+                          <a:rPr lang="en-US" b="0" i="1" smtClean="0">
+                            <a:latin typeface="Cambria Math" panose="02040503050406030204" pitchFamily="18" charset="0"/>
+                          </a:rPr>
+                          <m:t>,</m:t>
+                        </m:r>
+                        <m:r>
+                          <a:rPr lang="en-US" b="0" i="1" smtClean="0">
+                            <a:latin typeface="Cambria Math" panose="02040503050406030204" pitchFamily="18" charset="0"/>
+                          </a:rPr>
+                          <m:t>𝑡𝑎𝑟𝑔𝑒𝑡</m:t>
+                        </m:r>
+                      </m:sub>
+                    </m:sSub>
+                  </m:oMath>
+                </a14:m>
+                <a:r>
+                  <a:rPr lang="en-US" smtClean="0">
+                    <a:latin typeface="Geogrotesque Rg" panose="02000000000000000000" pitchFamily="50" charset="0"/>
+                  </a:rPr>
+                  <a:t> from zero.</a:t>
+                </a:r>
+                <a:endParaRPr lang="en-US">
+                  <a:latin typeface="Geogrotesque Rg" panose="02000000000000000000" pitchFamily="50" charset="0"/>
+                </a:endParaRPr>
+              </a:p>
+            </p:txBody>
+          </p:sp>
+        </mc:Choice>
+        <mc:Fallback>
+          <p:sp>
+            <p:nvSpPr>
+              <p:cNvPr id="83" name="TextBox 82"/>
+              <p:cNvSpPr txBox="1">
+                <a:spLocks noRot="1" noChangeAspect="1" noMove="1" noResize="1" noEditPoints="1" noAdjustHandles="1" noChangeArrowheads="1" noChangeShapeType="1" noTextEdit="1"/>
+              </p:cNvSpPr>
+              <p:nvPr/>
+            </p:nvSpPr>
+            <p:spPr>
+              <a:xfrm>
+                <a:off x="5976623" y="195835"/>
+                <a:ext cx="3096492" cy="945900"/>
+              </a:xfrm>
+              <a:prstGeom prst="rect">
+                <a:avLst/>
+              </a:prstGeom>
+              <a:blipFill>
+                <a:blip r:embed="rId20"/>
+                <a:stretch>
+                  <a:fillRect l="-1575" t="-2581" r="-394" b="-10323"/>
+                </a:stretch>
+              </a:blipFill>
+            </p:spPr>
+            <p:txBody>
+              <a:bodyPr/>
+              <a:lstStyle/>
+              <a:p>
+                <a:r>
+                  <a:rPr lang="en-US">
+                    <a:noFill/>
+                  </a:rPr>
+                  <a:t> </a:t>
+                </a:r>
+              </a:p>
+            </p:txBody>
+          </p:sp>
+        </mc:Fallback>
+      </mc:AlternateContent>
+      <mc:AlternateContent xmlns:mc="http://schemas.openxmlformats.org/markup-compatibility/2006">
+        <mc:Choice xmlns:a14="http://schemas.microsoft.com/office/drawing/2010/main" Requires="a14">
+          <p:sp>
+            <p:nvSpPr>
+              <p:cNvPr id="84" name="TextBox 83"/>
+              <p:cNvSpPr txBox="1"/>
+              <p:nvPr/>
+            </p:nvSpPr>
+            <p:spPr>
+              <a:xfrm>
+                <a:off x="3664042" y="2201495"/>
+                <a:ext cx="2194997" cy="317203"/>
+              </a:xfrm>
+              <a:prstGeom prst="rect">
+                <a:avLst/>
+              </a:prstGeom>
+              <a:noFill/>
+            </p:spPr>
+            <p:txBody>
+              <a:bodyPr wrap="square" rtlCol="0">
+                <a:spAutoFit/>
+              </a:bodyPr>
+              <a:lstStyle/>
+              <a:p>
+                <a:pPr/>
+                <a14:m>
+                  <m:oMathPara xmlns:m="http://schemas.openxmlformats.org/officeDocument/2006/math">
+                    <m:oMathParaPr>
+                      <m:jc m:val="centerGroup"/>
+                    </m:oMathParaPr>
+                    <m:oMath xmlns:m="http://schemas.openxmlformats.org/officeDocument/2006/math">
+                      <m:r>
+                        <m:rPr>
+                          <m:sty m:val="p"/>
+                        </m:rPr>
+                        <a:rPr lang="el-GR" sz="1400" i="1" smtClean="0">
+                          <a:latin typeface="Cambria Math" panose="02040503050406030204" pitchFamily="18" charset="0"/>
+                        </a:rPr>
+                        <m:t>Δ</m:t>
+                      </m:r>
+                      <m:sSub>
+                        <m:sSubPr>
+                          <m:ctrlPr>
+                            <a:rPr lang="el-GR" sz="1400" i="1">
+                              <a:latin typeface="Cambria Math" panose="02040503050406030204" pitchFamily="18" charset="0"/>
+                            </a:rPr>
+                          </m:ctrlPr>
+                        </m:sSubPr>
+                        <m:e>
+                          <m:r>
+                            <a:rPr lang="en-US" sz="1400" i="1">
+                              <a:latin typeface="Cambria Math" panose="02040503050406030204" pitchFamily="18" charset="0"/>
+                            </a:rPr>
+                            <m:t>𝐶</m:t>
+                          </m:r>
+                        </m:e>
+                        <m:sub>
+                          <m:r>
+                            <a:rPr lang="en-US" sz="1400" i="1">
+                              <a:latin typeface="Cambria Math" panose="02040503050406030204" pitchFamily="18" charset="0"/>
+                            </a:rPr>
+                            <m:t>𝑃</m:t>
+                          </m:r>
+                        </m:sub>
+                      </m:sSub>
+                      <m:r>
+                        <a:rPr lang="en-US" sz="1400" b="0" i="1" smtClean="0">
+                          <a:latin typeface="Cambria Math" panose="02040503050406030204" pitchFamily="18" charset="0"/>
+                        </a:rPr>
+                        <m:t>−</m:t>
+                      </m:r>
+                      <m:r>
+                        <a:rPr lang="en-US" sz="1400" b="0" i="1" smtClean="0">
+                          <a:latin typeface="Cambria Math" panose="02040503050406030204" pitchFamily="18" charset="0"/>
+                        </a:rPr>
+                        <m:t>𝑚𝑒𝑎𝑛</m:t>
+                      </m:r>
+                      <m:r>
+                        <a:rPr lang="en-US" sz="1400" b="0" i="1" smtClean="0">
+                          <a:latin typeface="Cambria Math" panose="02040503050406030204" pitchFamily="18" charset="0"/>
+                        </a:rPr>
+                        <m:t>(</m:t>
+                      </m:r>
+                      <m:r>
+                        <m:rPr>
+                          <m:sty m:val="p"/>
+                        </m:rPr>
+                        <a:rPr lang="el-GR" sz="1400" i="1">
+                          <a:latin typeface="Cambria Math" panose="02040503050406030204" pitchFamily="18" charset="0"/>
+                        </a:rPr>
+                        <m:t>Δ</m:t>
+                      </m:r>
+                      <m:sSub>
+                        <m:sSubPr>
+                          <m:ctrlPr>
+                            <a:rPr lang="el-GR" sz="1400" i="1">
+                              <a:latin typeface="Cambria Math" panose="02040503050406030204" pitchFamily="18" charset="0"/>
+                            </a:rPr>
+                          </m:ctrlPr>
+                        </m:sSubPr>
+                        <m:e>
+                          <m:r>
+                            <a:rPr lang="en-US" sz="1400" i="1">
+                              <a:latin typeface="Cambria Math" panose="02040503050406030204" pitchFamily="18" charset="0"/>
+                            </a:rPr>
+                            <m:t>𝐶</m:t>
+                          </m:r>
+                        </m:e>
+                        <m:sub>
+                          <m:r>
+                            <a:rPr lang="en-US" sz="1400" i="1">
+                              <a:latin typeface="Cambria Math" panose="02040503050406030204" pitchFamily="18" charset="0"/>
+                            </a:rPr>
+                            <m:t>𝑃</m:t>
+                          </m:r>
+                          <m:r>
+                            <a:rPr lang="en-US" sz="1400" b="0" i="1" smtClean="0">
+                              <a:latin typeface="Cambria Math" panose="02040503050406030204" pitchFamily="18" charset="0"/>
+                            </a:rPr>
+                            <m:t>,</m:t>
+                          </m:r>
+                          <m:r>
+                            <a:rPr lang="en-US" sz="1400" b="0" i="1" smtClean="0">
+                              <a:latin typeface="Cambria Math" panose="02040503050406030204" pitchFamily="18" charset="0"/>
+                            </a:rPr>
+                            <m:t>𝑐𝑜𝑛𝑡𝑟𝑜𝑙</m:t>
+                          </m:r>
+                        </m:sub>
+                      </m:sSub>
+                      <m:r>
+                        <a:rPr lang="en-US" sz="1400" b="0" i="1" smtClean="0">
+                          <a:latin typeface="Cambria Math" panose="02040503050406030204" pitchFamily="18" charset="0"/>
+                        </a:rPr>
+                        <m:t>)</m:t>
+                      </m:r>
+                    </m:oMath>
+                  </m:oMathPara>
+                </a14:m>
+                <a:endParaRPr lang="en-US" sz="1400" smtClean="0">
+                  <a:latin typeface="Geogrotesque Md" panose="02000000000000000000" pitchFamily="50" charset="0"/>
+                </a:endParaRPr>
+              </a:p>
+            </p:txBody>
+          </p:sp>
+        </mc:Choice>
+        <mc:Fallback>
+          <p:sp>
+            <p:nvSpPr>
+              <p:cNvPr id="84" name="TextBox 83"/>
+              <p:cNvSpPr txBox="1">
+                <a:spLocks noRot="1" noChangeAspect="1" noMove="1" noResize="1" noEditPoints="1" noAdjustHandles="1" noChangeArrowheads="1" noChangeShapeType="1" noTextEdit="1"/>
+              </p:cNvSpPr>
+              <p:nvPr/>
+            </p:nvSpPr>
+            <p:spPr>
+              <a:xfrm>
+                <a:off x="3664042" y="2201495"/>
+                <a:ext cx="2194997" cy="317203"/>
+              </a:xfrm>
+              <a:prstGeom prst="rect">
+                <a:avLst/>
+              </a:prstGeom>
+              <a:blipFill>
+                <a:blip r:embed="rId21"/>
+                <a:stretch>
+                  <a:fillRect b="-5769"/>
+                </a:stretch>
+              </a:blipFill>
+            </p:spPr>
+            <p:txBody>
+              <a:bodyPr/>
+              <a:lstStyle/>
+              <a:p>
+                <a:r>
+                  <a:rPr lang="en-US">
+                    <a:noFill/>
+                  </a:rPr>
+                  <a:t> </a:t>
+                </a:r>
+              </a:p>
+            </p:txBody>
+          </p:sp>
+        </mc:Fallback>
+      </mc:AlternateContent>
+      <p:sp>
+        <p:nvSpPr>
+          <p:cNvPr id="99" name="Oval 98"/>
+          <p:cNvSpPr/>
+          <p:nvPr/>
+        </p:nvSpPr>
+        <p:spPr>
+          <a:xfrm>
+            <a:off x="6380560" y="2904012"/>
+            <a:ext cx="108000" cy="108000"/>
+          </a:xfrm>
+          <a:prstGeom prst="ellipse">
+            <a:avLst/>
+          </a:prstGeom>
+          <a:solidFill>
+            <a:srgbClr val="0070C0"/>
+          </a:solidFill>
+        </p:spPr>
+        <p:style>
+          <a:lnRef idx="2">
+            <a:schemeClr val="accent1">
+              <a:shade val="50000"/>
+            </a:schemeClr>
+          </a:lnRef>
+          <a:fillRef idx="1">
+            <a:schemeClr val="accent1"/>
+          </a:fillRef>
+          <a:effectRef idx="0">
+            <a:schemeClr val="accent1"/>
+          </a:effectRef>
+          <a:fontRef idx="minor">
+            <a:schemeClr val="lt1"/>
+          </a:fontRef>
+        </p:style>
+        <p:txBody>
+          <a:bodyPr rtlCol="0" anchor="ctr"/>
+          <a:lstStyle/>
+          <a:p>
+            <a:pPr algn="ctr"/>
+            <a:endParaRPr lang="en-US"/>
+          </a:p>
+        </p:txBody>
+      </p:sp>
+      <p:sp>
+        <p:nvSpPr>
+          <p:cNvPr id="100" name="Oval 99"/>
+          <p:cNvSpPr/>
+          <p:nvPr/>
+        </p:nvSpPr>
+        <p:spPr>
+          <a:xfrm>
+            <a:off x="6504165" y="2326735"/>
+            <a:ext cx="108000" cy="108000"/>
+          </a:xfrm>
+          <a:prstGeom prst="ellipse">
+            <a:avLst/>
+          </a:prstGeom>
+          <a:solidFill>
+            <a:srgbClr val="0070C0"/>
+          </a:solidFill>
+        </p:spPr>
+        <p:style>
+          <a:lnRef idx="2">
+            <a:schemeClr val="accent1">
+              <a:shade val="50000"/>
+            </a:schemeClr>
+          </a:lnRef>
+          <a:fillRef idx="1">
+            <a:schemeClr val="accent1"/>
+          </a:fillRef>
+          <a:effectRef idx="0">
+            <a:schemeClr val="accent1"/>
+          </a:effectRef>
+          <a:fontRef idx="minor">
+            <a:schemeClr val="lt1"/>
+          </a:fontRef>
+        </p:style>
+        <p:txBody>
+          <a:bodyPr rtlCol="0" anchor="ctr"/>
+          <a:lstStyle/>
+          <a:p>
+            <a:pPr algn="ctr"/>
+            <a:endParaRPr lang="en-US"/>
+          </a:p>
+        </p:txBody>
+      </p:sp>
+      <p:sp>
+        <p:nvSpPr>
+          <p:cNvPr id="101" name="Oval 100"/>
+          <p:cNvSpPr/>
+          <p:nvPr/>
+        </p:nvSpPr>
+        <p:spPr>
+          <a:xfrm>
+            <a:off x="6354458" y="1991928"/>
+            <a:ext cx="108000" cy="108000"/>
+          </a:xfrm>
+          <a:prstGeom prst="ellipse">
+            <a:avLst/>
+          </a:prstGeom>
+          <a:solidFill>
+            <a:srgbClr val="0070C0"/>
+          </a:solidFill>
+        </p:spPr>
+        <p:style>
+          <a:lnRef idx="2">
+            <a:schemeClr val="accent1">
+              <a:shade val="50000"/>
+            </a:schemeClr>
+          </a:lnRef>
+          <a:fillRef idx="1">
+            <a:schemeClr val="accent1"/>
+          </a:fillRef>
+          <a:effectRef idx="0">
+            <a:schemeClr val="accent1"/>
+          </a:effectRef>
+          <a:fontRef idx="minor">
+            <a:schemeClr val="lt1"/>
+          </a:fontRef>
+        </p:style>
+        <p:txBody>
+          <a:bodyPr rtlCol="0" anchor="ctr"/>
+          <a:lstStyle/>
+          <a:p>
+            <a:pPr algn="ctr"/>
+            <a:endParaRPr lang="en-US"/>
+          </a:p>
+        </p:txBody>
+      </p:sp>
+      <p:sp>
+        <p:nvSpPr>
+          <p:cNvPr id="102" name="Oval 101"/>
+          <p:cNvSpPr/>
+          <p:nvPr/>
+        </p:nvSpPr>
+        <p:spPr>
+          <a:xfrm>
+            <a:off x="6831460" y="2176594"/>
+            <a:ext cx="108000" cy="108000"/>
+          </a:xfrm>
+          <a:prstGeom prst="ellipse">
+            <a:avLst/>
+          </a:prstGeom>
+          <a:solidFill>
+            <a:srgbClr val="0070C0"/>
+          </a:solidFill>
+        </p:spPr>
+        <p:style>
+          <a:lnRef idx="2">
+            <a:schemeClr val="accent1">
+              <a:shade val="50000"/>
+            </a:schemeClr>
+          </a:lnRef>
+          <a:fillRef idx="1">
+            <a:schemeClr val="accent1"/>
+          </a:fillRef>
+          <a:effectRef idx="0">
+            <a:schemeClr val="accent1"/>
+          </a:effectRef>
+          <a:fontRef idx="minor">
+            <a:schemeClr val="lt1"/>
+          </a:fontRef>
+        </p:style>
+        <p:txBody>
+          <a:bodyPr rtlCol="0" anchor="ctr"/>
+          <a:lstStyle/>
+          <a:p>
+            <a:pPr algn="ctr"/>
+            <a:endParaRPr lang="en-US"/>
+          </a:p>
+        </p:txBody>
+      </p:sp>
+      <p:cxnSp>
+        <p:nvCxnSpPr>
+          <p:cNvPr id="103" name="Straight Connector 102"/>
+          <p:cNvCxnSpPr/>
+          <p:nvPr/>
+        </p:nvCxnSpPr>
+        <p:spPr>
+          <a:xfrm>
+            <a:off x="6268509" y="2557520"/>
+            <a:ext cx="615482" cy="0"/>
+          </a:xfrm>
+          <a:prstGeom prst="line">
+            <a:avLst/>
+          </a:prstGeom>
+          <a:ln w="25400">
+            <a:solidFill>
+              <a:srgbClr val="FF0000"/>
+            </a:solidFill>
+          </a:ln>
+        </p:spPr>
+        <p:style>
+          <a:lnRef idx="1">
+            <a:schemeClr val="accent1"/>
+          </a:lnRef>
+          <a:fillRef idx="0">
+            <a:schemeClr val="accent1"/>
+          </a:fillRef>
+          <a:effectRef idx="0">
+            <a:schemeClr val="accent1"/>
+          </a:effectRef>
+          <a:fontRef idx="minor">
+            <a:schemeClr val="tx1"/>
+          </a:fontRef>
+        </p:style>
+      </p:cxnSp>
+      <p:sp>
+        <p:nvSpPr>
+          <p:cNvPr id="104" name="Oval 103"/>
+          <p:cNvSpPr/>
+          <p:nvPr/>
+        </p:nvSpPr>
+        <p:spPr>
+          <a:xfrm>
+            <a:off x="8622513" y="3757316"/>
+            <a:ext cx="108000" cy="108000"/>
+          </a:xfrm>
+          <a:prstGeom prst="ellipse">
+            <a:avLst/>
+          </a:prstGeom>
+          <a:solidFill>
+            <a:srgbClr val="00B050"/>
+          </a:solidFill>
+        </p:spPr>
+        <p:style>
+          <a:lnRef idx="2">
+            <a:schemeClr val="accent1">
+              <a:shade val="50000"/>
+            </a:schemeClr>
+          </a:lnRef>
+          <a:fillRef idx="1">
+            <a:schemeClr val="accent1"/>
+          </a:fillRef>
+          <a:effectRef idx="0">
+            <a:schemeClr val="accent1"/>
+          </a:effectRef>
+          <a:fontRef idx="minor">
+            <a:schemeClr val="lt1"/>
+          </a:fontRef>
+        </p:style>
+        <p:txBody>
+          <a:bodyPr rtlCol="0" anchor="ctr"/>
+          <a:lstStyle/>
+          <a:p>
+            <a:pPr algn="ctr"/>
+            <a:endParaRPr lang="en-US"/>
+          </a:p>
+        </p:txBody>
+      </p:sp>
+      <p:sp>
+        <p:nvSpPr>
+          <p:cNvPr id="105" name="Oval 104"/>
+          <p:cNvSpPr/>
+          <p:nvPr/>
+        </p:nvSpPr>
+        <p:spPr>
+          <a:xfrm>
+            <a:off x="8169031" y="3185929"/>
+            <a:ext cx="108000" cy="108000"/>
+          </a:xfrm>
+          <a:prstGeom prst="ellipse">
+            <a:avLst/>
+          </a:prstGeom>
+          <a:solidFill>
+            <a:srgbClr val="00B050"/>
+          </a:solidFill>
+        </p:spPr>
+        <p:style>
+          <a:lnRef idx="2">
+            <a:schemeClr val="accent1">
+              <a:shade val="50000"/>
+            </a:schemeClr>
+          </a:lnRef>
+          <a:fillRef idx="1">
+            <a:schemeClr val="accent1"/>
+          </a:fillRef>
+          <a:effectRef idx="0">
+            <a:schemeClr val="accent1"/>
+          </a:effectRef>
+          <a:fontRef idx="minor">
+            <a:schemeClr val="lt1"/>
+          </a:fontRef>
+        </p:style>
+        <p:txBody>
+          <a:bodyPr rtlCol="0" anchor="ctr"/>
+          <a:lstStyle/>
+          <a:p>
+            <a:pPr algn="ctr"/>
+            <a:endParaRPr lang="en-US"/>
+          </a:p>
+        </p:txBody>
+      </p:sp>
+      <p:sp>
+        <p:nvSpPr>
+          <p:cNvPr id="106" name="Oval 105"/>
+          <p:cNvSpPr/>
+          <p:nvPr/>
+        </p:nvSpPr>
+        <p:spPr>
+          <a:xfrm>
+            <a:off x="8202639" y="2695681"/>
+            <a:ext cx="108000" cy="108000"/>
+          </a:xfrm>
+          <a:prstGeom prst="ellipse">
+            <a:avLst/>
+          </a:prstGeom>
+          <a:solidFill>
+            <a:srgbClr val="00B050"/>
+          </a:solidFill>
+        </p:spPr>
+        <p:style>
+          <a:lnRef idx="2">
+            <a:schemeClr val="accent1">
+              <a:shade val="50000"/>
+            </a:schemeClr>
+          </a:lnRef>
+          <a:fillRef idx="1">
+            <a:schemeClr val="accent1"/>
+          </a:fillRef>
+          <a:effectRef idx="0">
+            <a:schemeClr val="accent1"/>
+          </a:effectRef>
+          <a:fontRef idx="minor">
+            <a:schemeClr val="lt1"/>
+          </a:fontRef>
+        </p:style>
+        <p:txBody>
+          <a:bodyPr rtlCol="0" anchor="ctr"/>
+          <a:lstStyle/>
+          <a:p>
+            <a:pPr algn="ctr"/>
+            <a:endParaRPr lang="en-US"/>
+          </a:p>
+        </p:txBody>
+      </p:sp>
+      <p:sp>
+        <p:nvSpPr>
+          <p:cNvPr id="107" name="Oval 106"/>
+          <p:cNvSpPr/>
+          <p:nvPr/>
+        </p:nvSpPr>
+        <p:spPr>
+          <a:xfrm>
+            <a:off x="8444823" y="2956333"/>
+            <a:ext cx="108000" cy="108000"/>
+          </a:xfrm>
+          <a:prstGeom prst="ellipse">
+            <a:avLst/>
+          </a:prstGeom>
+          <a:solidFill>
+            <a:srgbClr val="00B050"/>
+          </a:solidFill>
+        </p:spPr>
+        <p:style>
+          <a:lnRef idx="2">
+            <a:schemeClr val="accent1">
+              <a:shade val="50000"/>
+            </a:schemeClr>
+          </a:lnRef>
+          <a:fillRef idx="1">
+            <a:schemeClr val="accent1"/>
+          </a:fillRef>
+          <a:effectRef idx="0">
+            <a:schemeClr val="accent1"/>
+          </a:effectRef>
+          <a:fontRef idx="minor">
+            <a:schemeClr val="lt1"/>
+          </a:fontRef>
+        </p:style>
+        <p:txBody>
+          <a:bodyPr rtlCol="0" anchor="ctr"/>
+          <a:lstStyle/>
+          <a:p>
+            <a:pPr algn="ctr"/>
+            <a:endParaRPr lang="en-US"/>
+          </a:p>
+        </p:txBody>
+      </p:sp>
+      <p:cxnSp>
+        <p:nvCxnSpPr>
+          <p:cNvPr id="108" name="Straight Connector 107"/>
+          <p:cNvCxnSpPr/>
+          <p:nvPr/>
+        </p:nvCxnSpPr>
+        <p:spPr>
+          <a:xfrm>
+            <a:off x="8137082" y="3410824"/>
+            <a:ext cx="615482" cy="0"/>
+          </a:xfrm>
+          <a:prstGeom prst="line">
+            <a:avLst/>
+          </a:prstGeom>
+          <a:ln w="25400">
+            <a:solidFill>
+              <a:srgbClr val="FF0000"/>
+            </a:solidFill>
+          </a:ln>
+        </p:spPr>
+        <p:style>
+          <a:lnRef idx="1">
+            <a:schemeClr val="accent1"/>
+          </a:lnRef>
+          <a:fillRef idx="0">
+            <a:schemeClr val="accent1"/>
+          </a:fillRef>
+          <a:effectRef idx="0">
+            <a:schemeClr val="accent1"/>
+          </a:effectRef>
+          <a:fontRef idx="minor">
+            <a:schemeClr val="tx1"/>
+          </a:fontRef>
+        </p:style>
+      </p:cxnSp>
+      <p:cxnSp>
+        <p:nvCxnSpPr>
+          <p:cNvPr id="109" name="Straight Arrow Connector 108"/>
+          <p:cNvCxnSpPr/>
+          <p:nvPr/>
+        </p:nvCxnSpPr>
+        <p:spPr>
+          <a:xfrm>
+            <a:off x="7405726" y="2543749"/>
+            <a:ext cx="0" cy="867075"/>
+          </a:xfrm>
+          <a:prstGeom prst="straightConnector1">
+            <a:avLst/>
+          </a:prstGeom>
+          <a:ln w="25400">
+            <a:solidFill>
+              <a:schemeClr val="accent2"/>
+            </a:solidFill>
+            <a:headEnd type="arrow"/>
+            <a:tailEnd type="arrow"/>
+          </a:ln>
+        </p:spPr>
+        <p:style>
+          <a:lnRef idx="1">
+            <a:schemeClr val="accent1"/>
+          </a:lnRef>
+          <a:fillRef idx="0">
+            <a:schemeClr val="accent1"/>
+          </a:fillRef>
+          <a:effectRef idx="0">
+            <a:schemeClr val="accent1"/>
+          </a:effectRef>
+          <a:fontRef idx="minor">
+            <a:schemeClr val="tx1"/>
+          </a:fontRef>
+        </p:style>
+      </p:cxnSp>
+      <mc:AlternateContent xmlns:mc="http://schemas.openxmlformats.org/markup-compatibility/2006">
+        <mc:Choice xmlns:a14="http://schemas.microsoft.com/office/drawing/2010/main" Requires="a14">
+          <p:sp>
+            <p:nvSpPr>
+              <p:cNvPr id="110" name="TextBox 109"/>
+              <p:cNvSpPr txBox="1"/>
+              <p:nvPr/>
+            </p:nvSpPr>
+            <p:spPr>
+              <a:xfrm>
+                <a:off x="6734877" y="2819704"/>
+                <a:ext cx="1488154" cy="307777"/>
+              </a:xfrm>
+              <a:prstGeom prst="rect">
+                <a:avLst/>
+              </a:prstGeom>
+              <a:noFill/>
+            </p:spPr>
+            <p:txBody>
+              <a:bodyPr wrap="square" rtlCol="0">
+                <a:spAutoFit/>
+              </a:bodyPr>
+              <a:lstStyle/>
+              <a:p>
+                <a:pPr/>
+                <a14:m>
+                  <m:oMathPara xmlns:m="http://schemas.openxmlformats.org/officeDocument/2006/math">
+                    <m:oMathParaPr>
+                      <m:jc m:val="centerGroup"/>
+                    </m:oMathParaPr>
+                    <m:oMath xmlns:m="http://schemas.openxmlformats.org/officeDocument/2006/math">
+                      <m:r>
+                        <a:rPr lang="en-US" sz="1400" b="0" i="1" smtClean="0">
+                          <a:latin typeface="Cambria Math" panose="02040503050406030204" pitchFamily="18" charset="0"/>
+                        </a:rPr>
+                        <m:t>𝑚𝑒𝑎𝑛</m:t>
+                      </m:r>
+                      <m:r>
+                        <a:rPr lang="en-US" sz="1400" b="0" i="1" smtClean="0">
+                          <a:latin typeface="Cambria Math" panose="02040503050406030204" pitchFamily="18" charset="0"/>
+                        </a:rPr>
+                        <m:t>(</m:t>
+                      </m:r>
+                      <m:r>
+                        <m:rPr>
+                          <m:sty m:val="p"/>
+                        </m:rPr>
+                        <a:rPr lang="el-GR" sz="1400" i="1" smtClean="0">
+                          <a:latin typeface="Cambria Math" panose="02040503050406030204" pitchFamily="18" charset="0"/>
+                        </a:rPr>
+                        <m:t>ΔΔ</m:t>
+                      </m:r>
+                      <m:sSub>
+                        <m:sSubPr>
+                          <m:ctrlPr>
+                            <a:rPr lang="el-GR" sz="1400" i="1">
+                              <a:latin typeface="Cambria Math" panose="02040503050406030204" pitchFamily="18" charset="0"/>
+                            </a:rPr>
+                          </m:ctrlPr>
+                        </m:sSubPr>
+                        <m:e>
+                          <m:r>
+                            <a:rPr lang="en-US" sz="1400" i="1">
+                              <a:latin typeface="Cambria Math" panose="02040503050406030204" pitchFamily="18" charset="0"/>
+                            </a:rPr>
+                            <m:t>𝐶</m:t>
+                          </m:r>
+                        </m:e>
+                        <m:sub>
+                          <m:r>
+                            <a:rPr lang="en-US" sz="1400" i="1">
+                              <a:latin typeface="Cambria Math" panose="02040503050406030204" pitchFamily="18" charset="0"/>
+                            </a:rPr>
+                            <m:t>𝑃</m:t>
+                          </m:r>
+                          <m:r>
+                            <a:rPr lang="en-US" sz="1400" b="0" i="1" smtClean="0">
+                              <a:latin typeface="Cambria Math" panose="02040503050406030204" pitchFamily="18" charset="0"/>
+                            </a:rPr>
+                            <m:t> </m:t>
+                          </m:r>
+                        </m:sub>
+                      </m:sSub>
+                      <m:r>
+                        <a:rPr lang="en-US" sz="1400" b="0" i="1" smtClean="0">
+                          <a:latin typeface="Cambria Math" panose="02040503050406030204" pitchFamily="18" charset="0"/>
+                        </a:rPr>
+                        <m:t>)</m:t>
+                      </m:r>
+                    </m:oMath>
+                  </m:oMathPara>
+                </a14:m>
+                <a:endParaRPr lang="en-US" sz="1400" smtClean="0">
+                  <a:latin typeface="Geogrotesque Md" panose="02000000000000000000" pitchFamily="50" charset="0"/>
+                </a:endParaRPr>
+              </a:p>
+            </p:txBody>
+          </p:sp>
+        </mc:Choice>
+        <mc:Fallback>
+          <p:sp>
+            <p:nvSpPr>
+              <p:cNvPr id="110" name="TextBox 109"/>
+              <p:cNvSpPr txBox="1">
+                <a:spLocks noRot="1" noChangeAspect="1" noMove="1" noResize="1" noEditPoints="1" noAdjustHandles="1" noChangeArrowheads="1" noChangeShapeType="1" noTextEdit="1"/>
+              </p:cNvSpPr>
+              <p:nvPr/>
+            </p:nvSpPr>
+            <p:spPr>
+              <a:xfrm>
+                <a:off x="6734877" y="2819704"/>
+                <a:ext cx="1488154" cy="307777"/>
+              </a:xfrm>
+              <a:prstGeom prst="rect">
+                <a:avLst/>
+              </a:prstGeom>
+              <a:blipFill>
+                <a:blip r:embed="rId11"/>
+                <a:stretch>
+                  <a:fillRect b="-8000"/>
+                </a:stretch>
+              </a:blipFill>
+            </p:spPr>
+            <p:txBody>
+              <a:bodyPr/>
+              <a:lstStyle/>
+              <a:p>
+                <a:r>
+                  <a:rPr lang="en-US">
+                    <a:noFill/>
+                  </a:rPr>
+                  <a:t> </a:t>
+                </a:r>
+              </a:p>
+            </p:txBody>
+          </p:sp>
+        </mc:Fallback>
+      </mc:AlternateContent>
+    </p:spTree>
+    <p:extLst>
+      <p:ext uri="{BB962C8B-B14F-4D97-AF65-F5344CB8AC3E}">
+        <p14:creationId xmlns:p14="http://schemas.microsoft.com/office/powerpoint/2010/main" val="1856975224"/>
       </p:ext>
     </p:extLst>
   </p:cSld>

--- a/Exercises/figures.pptx
+++ b/Exercises/figures.pptx
@@ -8,6 +8,7 @@
     <p:sldId id="256" r:id="rId2"/>
     <p:sldId id="257" r:id="rId3"/>
     <p:sldId id="258" r:id="rId4"/>
+    <p:sldId id="259" r:id="rId5"/>
   </p:sldIdLst>
   <p:sldSz cx="12192000" cy="6858000"/>
   <p:notesSz cx="6858000" cy="9144000"/>
@@ -245,7 +246,7 @@
           <a:p>
             <a:fld id="{1587CBE6-EFEF-4EEC-B939-C814C016D8BF}" type="datetimeFigureOut">
               <a:rPr lang="en-US" smtClean="0"/>
-              <a:t>1/23/2020</a:t>
+              <a:t>2/19/2020</a:t>
             </a:fld>
             <a:endParaRPr lang="en-US"/>
           </a:p>
@@ -415,7 +416,7 @@
           <a:p>
             <a:fld id="{1587CBE6-EFEF-4EEC-B939-C814C016D8BF}" type="datetimeFigureOut">
               <a:rPr lang="en-US" smtClean="0"/>
-              <a:t>1/23/2020</a:t>
+              <a:t>2/19/2020</a:t>
             </a:fld>
             <a:endParaRPr lang="en-US"/>
           </a:p>
@@ -595,7 +596,7 @@
           <a:p>
             <a:fld id="{1587CBE6-EFEF-4EEC-B939-C814C016D8BF}" type="datetimeFigureOut">
               <a:rPr lang="en-US" smtClean="0"/>
-              <a:t>1/23/2020</a:t>
+              <a:t>2/19/2020</a:t>
             </a:fld>
             <a:endParaRPr lang="en-US"/>
           </a:p>
@@ -765,7 +766,7 @@
           <a:p>
             <a:fld id="{1587CBE6-EFEF-4EEC-B939-C814C016D8BF}" type="datetimeFigureOut">
               <a:rPr lang="en-US" smtClean="0"/>
-              <a:t>1/23/2020</a:t>
+              <a:t>2/19/2020</a:t>
             </a:fld>
             <a:endParaRPr lang="en-US"/>
           </a:p>
@@ -1011,7 +1012,7 @@
           <a:p>
             <a:fld id="{1587CBE6-EFEF-4EEC-B939-C814C016D8BF}" type="datetimeFigureOut">
               <a:rPr lang="en-US" smtClean="0"/>
-              <a:t>1/23/2020</a:t>
+              <a:t>2/19/2020</a:t>
             </a:fld>
             <a:endParaRPr lang="en-US"/>
           </a:p>
@@ -1243,7 +1244,7 @@
           <a:p>
             <a:fld id="{1587CBE6-EFEF-4EEC-B939-C814C016D8BF}" type="datetimeFigureOut">
               <a:rPr lang="en-US" smtClean="0"/>
-              <a:t>1/23/2020</a:t>
+              <a:t>2/19/2020</a:t>
             </a:fld>
             <a:endParaRPr lang="en-US"/>
           </a:p>
@@ -1610,7 +1611,7 @@
           <a:p>
             <a:fld id="{1587CBE6-EFEF-4EEC-B939-C814C016D8BF}" type="datetimeFigureOut">
               <a:rPr lang="en-US" smtClean="0"/>
-              <a:t>1/23/2020</a:t>
+              <a:t>2/19/2020</a:t>
             </a:fld>
             <a:endParaRPr lang="en-US"/>
           </a:p>
@@ -1728,7 +1729,7 @@
           <a:p>
             <a:fld id="{1587CBE6-EFEF-4EEC-B939-C814C016D8BF}" type="datetimeFigureOut">
               <a:rPr lang="en-US" smtClean="0"/>
-              <a:t>1/23/2020</a:t>
+              <a:t>2/19/2020</a:t>
             </a:fld>
             <a:endParaRPr lang="en-US"/>
           </a:p>
@@ -1823,7 +1824,7 @@
           <a:p>
             <a:fld id="{1587CBE6-EFEF-4EEC-B939-C814C016D8BF}" type="datetimeFigureOut">
               <a:rPr lang="en-US" smtClean="0"/>
-              <a:t>1/23/2020</a:t>
+              <a:t>2/19/2020</a:t>
             </a:fld>
             <a:endParaRPr lang="en-US"/>
           </a:p>
@@ -2100,7 +2101,7 @@
           <a:p>
             <a:fld id="{1587CBE6-EFEF-4EEC-B939-C814C016D8BF}" type="datetimeFigureOut">
               <a:rPr lang="en-US" smtClean="0"/>
-              <a:t>1/23/2020</a:t>
+              <a:t>2/19/2020</a:t>
             </a:fld>
             <a:endParaRPr lang="en-US"/>
           </a:p>
@@ -2353,7 +2354,7 @@
           <a:p>
             <a:fld id="{1587CBE6-EFEF-4EEC-B939-C814C016D8BF}" type="datetimeFigureOut">
               <a:rPr lang="en-US" smtClean="0"/>
-              <a:t>1/23/2020</a:t>
+              <a:t>2/19/2020</a:t>
             </a:fld>
             <a:endParaRPr lang="en-US"/>
           </a:p>
@@ -2566,7 +2567,7 @@
           <a:p>
             <a:fld id="{1587CBE6-EFEF-4EEC-B939-C814C016D8BF}" type="datetimeFigureOut">
               <a:rPr lang="en-US" smtClean="0"/>
-              <a:t>1/23/2020</a:t>
+              <a:t>2/19/2020</a:t>
             </a:fld>
             <a:endParaRPr lang="en-US"/>
           </a:p>
@@ -5127,8 +5128,8 @@
           </a:fontRef>
         </p:style>
       </p:cxnSp>
-      <mc:AlternateContent xmlns:mc="http://schemas.openxmlformats.org/markup-compatibility/2006">
-        <mc:Choice xmlns:a14="http://schemas.microsoft.com/office/drawing/2010/main" Requires="a14">
+      <mc:AlternateContent xmlns:mc="http://schemas.openxmlformats.org/markup-compatibility/2006" xmlns:a14="http://schemas.microsoft.com/office/drawing/2010/main">
+        <mc:Choice Requires="a14">
           <p:sp>
             <p:nvSpPr>
               <p:cNvPr id="15" name="TextBox 14"/>
@@ -5151,6 +5152,7 @@
               </a:bodyPr>
               <a:lstStyle/>
               <a:p>
+                <a:pPr/>
                 <a14:m>
                   <m:oMathPara xmlns:m="http://schemas.openxmlformats.org/officeDocument/2006/math">
                     <m:oMathParaPr>
@@ -5179,7 +5181,7 @@
             </p:txBody>
           </p:sp>
         </mc:Choice>
-        <mc:Fallback>
+        <mc:Fallback xmlns="">
           <p:sp>
             <p:nvSpPr>
               <p:cNvPr id="15" name="TextBox 14"/>
@@ -5253,8 +5255,8 @@
           </a:fontRef>
         </p:style>
       </p:cxnSp>
-      <mc:AlternateContent xmlns:mc="http://schemas.openxmlformats.org/markup-compatibility/2006">
-        <mc:Choice xmlns:a14="http://schemas.microsoft.com/office/drawing/2010/main" Requires="a14">
+      <mc:AlternateContent xmlns:mc="http://schemas.openxmlformats.org/markup-compatibility/2006" xmlns:a14="http://schemas.microsoft.com/office/drawing/2010/main">
+        <mc:Choice Requires="a14">
           <p:sp>
             <p:nvSpPr>
               <p:cNvPr id="18" name="TextBox 17"/>
@@ -5277,6 +5279,7 @@
               </a:bodyPr>
               <a:lstStyle/>
               <a:p>
+                <a:pPr/>
                 <a14:m>
                   <m:oMathPara xmlns:m="http://schemas.openxmlformats.org/officeDocument/2006/math">
                     <m:oMathParaPr>
@@ -5327,7 +5330,7 @@
             </p:txBody>
           </p:sp>
         </mc:Choice>
-        <mc:Fallback>
+        <mc:Fallback xmlns="">
           <p:sp>
             <p:nvSpPr>
               <p:cNvPr id="18" name="TextBox 17"/>
@@ -5366,8 +5369,8 @@
           </p:sp>
         </mc:Fallback>
       </mc:AlternateContent>
-      <mc:AlternateContent xmlns:mc="http://schemas.openxmlformats.org/markup-compatibility/2006">
-        <mc:Choice xmlns:a14="http://schemas.microsoft.com/office/drawing/2010/main" Requires="a14">
+      <mc:AlternateContent xmlns:mc="http://schemas.openxmlformats.org/markup-compatibility/2006" xmlns:a14="http://schemas.microsoft.com/office/drawing/2010/main">
+        <mc:Choice Requires="a14">
           <p:sp>
             <p:nvSpPr>
               <p:cNvPr id="19" name="TextBox 18"/>
@@ -5390,6 +5393,7 @@
               </a:bodyPr>
               <a:lstStyle/>
               <a:p>
+                <a:pPr/>
                 <a14:m>
                   <m:oMathPara xmlns:m="http://schemas.openxmlformats.org/officeDocument/2006/math">
                     <m:oMathParaPr>
@@ -5418,7 +5422,7 @@
             </p:txBody>
           </p:sp>
         </mc:Choice>
-        <mc:Fallback>
+        <mc:Fallback xmlns="">
           <p:sp>
             <p:nvSpPr>
               <p:cNvPr id="19" name="TextBox 18"/>
@@ -5492,8 +5496,8 @@
           </a:fontRef>
         </p:style>
       </p:cxnSp>
-      <mc:AlternateContent xmlns:mc="http://schemas.openxmlformats.org/markup-compatibility/2006">
-        <mc:Choice xmlns:a14="http://schemas.microsoft.com/office/drawing/2010/main" Requires="a14">
+      <mc:AlternateContent xmlns:mc="http://schemas.openxmlformats.org/markup-compatibility/2006" xmlns:a14="http://schemas.microsoft.com/office/drawing/2010/main">
+        <mc:Choice Requires="a14">
           <p:sp>
             <p:nvSpPr>
               <p:cNvPr id="21" name="TextBox 20"/>
@@ -5516,6 +5520,7 @@
               </a:bodyPr>
               <a:lstStyle/>
               <a:p>
+                <a:pPr/>
                 <a14:m>
                   <m:oMathPara xmlns:m="http://schemas.openxmlformats.org/officeDocument/2006/math">
                     <m:oMathParaPr>
@@ -5538,7 +5543,7 @@
             </p:txBody>
           </p:sp>
         </mc:Choice>
-        <mc:Fallback>
+        <mc:Fallback xmlns="">
           <p:sp>
             <p:nvSpPr>
               <p:cNvPr id="21" name="TextBox 20"/>
@@ -5612,8 +5617,8 @@
           </a:fontRef>
         </p:style>
       </p:cxnSp>
-      <mc:AlternateContent xmlns:mc="http://schemas.openxmlformats.org/markup-compatibility/2006">
-        <mc:Choice xmlns:a14="http://schemas.microsoft.com/office/drawing/2010/main" Requires="a14">
+      <mc:AlternateContent xmlns:mc="http://schemas.openxmlformats.org/markup-compatibility/2006" xmlns:a14="http://schemas.microsoft.com/office/drawing/2010/main">
+        <mc:Choice Requires="a14">
           <p:sp>
             <p:nvSpPr>
               <p:cNvPr id="25" name="TextBox 24"/>
@@ -5636,6 +5641,7 @@
               </a:bodyPr>
               <a:lstStyle/>
               <a:p>
+                <a:pPr/>
                 <a14:m>
                   <m:oMathPara xmlns:m="http://schemas.openxmlformats.org/officeDocument/2006/math">
                     <m:oMathParaPr>
@@ -5658,7 +5664,7 @@
             </p:txBody>
           </p:sp>
         </mc:Choice>
-        <mc:Fallback>
+        <mc:Fallback xmlns="">
           <p:sp>
             <p:nvSpPr>
               <p:cNvPr id="25" name="TextBox 24"/>
@@ -5732,8 +5738,8 @@
           </a:fontRef>
         </p:style>
       </p:cxnSp>
-      <mc:AlternateContent xmlns:mc="http://schemas.openxmlformats.org/markup-compatibility/2006">
-        <mc:Choice xmlns:a14="http://schemas.microsoft.com/office/drawing/2010/main" Requires="a14">
+      <mc:AlternateContent xmlns:mc="http://schemas.openxmlformats.org/markup-compatibility/2006" xmlns:a14="http://schemas.microsoft.com/office/drawing/2010/main">
+        <mc:Choice Requires="a14">
           <p:sp>
             <p:nvSpPr>
               <p:cNvPr id="27" name="TextBox 26"/>
@@ -5756,6 +5762,7 @@
               </a:bodyPr>
               <a:lstStyle/>
               <a:p>
+                <a:pPr/>
                 <a14:m>
                   <m:oMathPara xmlns:m="http://schemas.openxmlformats.org/officeDocument/2006/math">
                     <m:oMathParaPr>
@@ -5778,7 +5785,7 @@
             </p:txBody>
           </p:sp>
         </mc:Choice>
-        <mc:Fallback>
+        <mc:Fallback xmlns="">
           <p:sp>
             <p:nvSpPr>
               <p:cNvPr id="27" name="TextBox 26"/>
@@ -5852,8 +5859,8 @@
           </a:fontRef>
         </p:style>
       </p:cxnSp>
-      <mc:AlternateContent xmlns:mc="http://schemas.openxmlformats.org/markup-compatibility/2006">
-        <mc:Choice xmlns:a14="http://schemas.microsoft.com/office/drawing/2010/main" Requires="a14">
+      <mc:AlternateContent xmlns:mc="http://schemas.openxmlformats.org/markup-compatibility/2006" xmlns:a14="http://schemas.microsoft.com/office/drawing/2010/main">
+        <mc:Choice Requires="a14">
           <p:sp>
             <p:nvSpPr>
               <p:cNvPr id="29" name="TextBox 28"/>
@@ -5876,6 +5883,7 @@
               </a:bodyPr>
               <a:lstStyle/>
               <a:p>
+                <a:pPr/>
                 <a14:m>
                   <m:oMathPara xmlns:m="http://schemas.openxmlformats.org/officeDocument/2006/math">
                     <m:oMathParaPr>
@@ -5910,7 +5918,7 @@
             </p:txBody>
           </p:sp>
         </mc:Choice>
-        <mc:Fallback>
+        <mc:Fallback xmlns="">
           <p:sp>
             <p:nvSpPr>
               <p:cNvPr id="29" name="TextBox 28"/>
@@ -5949,8 +5957,8 @@
           </p:sp>
         </mc:Fallback>
       </mc:AlternateContent>
-      <mc:AlternateContent xmlns:mc="http://schemas.openxmlformats.org/markup-compatibility/2006">
-        <mc:Choice xmlns:a14="http://schemas.microsoft.com/office/drawing/2010/main" Requires="a14">
+      <mc:AlternateContent xmlns:mc="http://schemas.openxmlformats.org/markup-compatibility/2006" xmlns:a14="http://schemas.microsoft.com/office/drawing/2010/main">
+        <mc:Choice Requires="a14">
           <p:sp>
             <p:nvSpPr>
               <p:cNvPr id="30" name="TextBox 29"/>
@@ -5973,6 +5981,7 @@
               </a:bodyPr>
               <a:lstStyle/>
               <a:p>
+                <a:pPr/>
                 <a14:m>
                   <m:oMathPara xmlns:m="http://schemas.openxmlformats.org/officeDocument/2006/math">
                     <m:oMathParaPr>
@@ -6007,7 +6016,7 @@
             </p:txBody>
           </p:sp>
         </mc:Choice>
-        <mc:Fallback>
+        <mc:Fallback xmlns="">
           <p:sp>
             <p:nvSpPr>
               <p:cNvPr id="30" name="TextBox 29"/>
@@ -6288,8 +6297,8 @@
           </a:fontRef>
         </p:style>
       </p:cxnSp>
-      <mc:AlternateContent xmlns:mc="http://schemas.openxmlformats.org/markup-compatibility/2006">
-        <mc:Choice xmlns:a14="http://schemas.microsoft.com/office/drawing/2010/main" Requires="a14">
+      <mc:AlternateContent xmlns:mc="http://schemas.openxmlformats.org/markup-compatibility/2006" xmlns:a14="http://schemas.microsoft.com/office/drawing/2010/main">
+        <mc:Choice Requires="a14">
           <p:sp>
             <p:nvSpPr>
               <p:cNvPr id="39" name="TextBox 38"/>
@@ -6312,6 +6321,7 @@
               </a:bodyPr>
               <a:lstStyle/>
               <a:p>
+                <a:pPr/>
                 <a14:m>
                   <m:oMathPara xmlns:m="http://schemas.openxmlformats.org/officeDocument/2006/math">
                     <m:oMathParaPr>
@@ -6346,7 +6356,7 @@
             </p:txBody>
           </p:sp>
         </mc:Choice>
-        <mc:Fallback>
+        <mc:Fallback xmlns="">
           <p:sp>
             <p:nvSpPr>
               <p:cNvPr id="39" name="TextBox 38"/>
@@ -6629,8 +6639,8 @@
           </a:fontRef>
         </p:style>
       </p:cxnSp>
-      <mc:AlternateContent xmlns:mc="http://schemas.openxmlformats.org/markup-compatibility/2006">
-        <mc:Choice xmlns:a14="http://schemas.microsoft.com/office/drawing/2010/main" Requires="a14">
+      <mc:AlternateContent xmlns:mc="http://schemas.openxmlformats.org/markup-compatibility/2006" xmlns:a14="http://schemas.microsoft.com/office/drawing/2010/main">
+        <mc:Choice Requires="a14">
           <p:sp>
             <p:nvSpPr>
               <p:cNvPr id="47" name="TextBox 46"/>
@@ -6728,7 +6738,7 @@
             </p:txBody>
           </p:sp>
         </mc:Choice>
-        <mc:Fallback>
+        <mc:Fallback xmlns="">
           <p:sp>
             <p:nvSpPr>
               <p:cNvPr id="47" name="TextBox 46"/>
@@ -6767,8 +6777,8 @@
           </p:sp>
         </mc:Fallback>
       </mc:AlternateContent>
-      <mc:AlternateContent xmlns:mc="http://schemas.openxmlformats.org/markup-compatibility/2006">
-        <mc:Choice xmlns:a14="http://schemas.microsoft.com/office/drawing/2010/main" Requires="a14">
+      <mc:AlternateContent xmlns:mc="http://schemas.openxmlformats.org/markup-compatibility/2006" xmlns:a14="http://schemas.microsoft.com/office/drawing/2010/main">
+        <mc:Choice Requires="a14">
           <p:sp>
             <p:nvSpPr>
               <p:cNvPr id="48" name="Rectangle 47"/>
@@ -6790,6 +6800,7 @@
               </a:bodyPr>
               <a:lstStyle/>
               <a:p>
+                <a:pPr/>
                 <a14:m>
                   <m:oMathPara xmlns:m="http://schemas.openxmlformats.org/officeDocument/2006/math">
                     <m:oMathParaPr>
@@ -6886,7 +6897,7 @@
                         <a:rPr lang="en-US" i="0">
                           <a:latin typeface="Cambria Math" panose="02040503050406030204" pitchFamily="18" charset="0"/>
                         </a:rPr>
-                        <m:t>-</m:t>
+                        <m:t>−</m:t>
                       </m:r>
                       <m:r>
                         <m:rPr>
@@ -6911,7 +6922,7 @@
             </p:txBody>
           </p:sp>
         </mc:Choice>
-        <mc:Fallback>
+        <mc:Fallback xmlns="">
           <p:sp>
             <p:nvSpPr>
               <p:cNvPr id="48" name="Rectangle 47"/>
@@ -7090,8 +7101,8 @@
           </a:fontRef>
         </p:style>
       </p:cxnSp>
-      <mc:AlternateContent xmlns:mc="http://schemas.openxmlformats.org/markup-compatibility/2006">
-        <mc:Choice xmlns:a14="http://schemas.microsoft.com/office/drawing/2010/main" Requires="a14">
+      <mc:AlternateContent xmlns:mc="http://schemas.openxmlformats.org/markup-compatibility/2006" xmlns:a14="http://schemas.microsoft.com/office/drawing/2010/main">
+        <mc:Choice Requires="a14">
           <p:sp>
             <p:nvSpPr>
               <p:cNvPr id="53" name="TextBox 52"/>
@@ -7114,6 +7125,7 @@
               </a:bodyPr>
               <a:lstStyle/>
               <a:p>
+                <a:pPr/>
                 <a14:m>
                   <m:oMathPara xmlns:m="http://schemas.openxmlformats.org/officeDocument/2006/math">
                     <m:oMathParaPr>
@@ -7142,7 +7154,7 @@
             </p:txBody>
           </p:sp>
         </mc:Choice>
-        <mc:Fallback>
+        <mc:Fallback xmlns="">
           <p:sp>
             <p:nvSpPr>
               <p:cNvPr id="53" name="TextBox 52"/>
@@ -7216,8 +7228,8 @@
           </a:fontRef>
         </p:style>
       </p:cxnSp>
-      <mc:AlternateContent xmlns:mc="http://schemas.openxmlformats.org/markup-compatibility/2006">
-        <mc:Choice xmlns:a14="http://schemas.microsoft.com/office/drawing/2010/main" Requires="a14">
+      <mc:AlternateContent xmlns:mc="http://schemas.openxmlformats.org/markup-compatibility/2006" xmlns:a14="http://schemas.microsoft.com/office/drawing/2010/main">
+        <mc:Choice Requires="a14">
           <p:sp>
             <p:nvSpPr>
               <p:cNvPr id="56" name="TextBox 55"/>
@@ -7240,6 +7252,7 @@
               </a:bodyPr>
               <a:lstStyle/>
               <a:p>
+                <a:pPr/>
                 <a14:m>
                   <m:oMathPara xmlns:m="http://schemas.openxmlformats.org/officeDocument/2006/math">
                     <m:oMathParaPr>
@@ -7268,7 +7281,7 @@
             </p:txBody>
           </p:sp>
         </mc:Choice>
-        <mc:Fallback>
+        <mc:Fallback xmlns="">
           <p:sp>
             <p:nvSpPr>
               <p:cNvPr id="56" name="TextBox 55"/>
@@ -7342,8 +7355,8 @@
           </a:fontRef>
         </p:style>
       </p:cxnSp>
-      <mc:AlternateContent xmlns:mc="http://schemas.openxmlformats.org/markup-compatibility/2006">
-        <mc:Choice xmlns:a14="http://schemas.microsoft.com/office/drawing/2010/main" Requires="a14">
+      <mc:AlternateContent xmlns:mc="http://schemas.openxmlformats.org/markup-compatibility/2006" xmlns:a14="http://schemas.microsoft.com/office/drawing/2010/main">
+        <mc:Choice Requires="a14">
           <p:sp>
             <p:nvSpPr>
               <p:cNvPr id="58" name="TextBox 57"/>
@@ -7366,6 +7379,7 @@
               </a:bodyPr>
               <a:lstStyle/>
               <a:p>
+                <a:pPr/>
                 <a14:m>
                   <m:oMathPara xmlns:m="http://schemas.openxmlformats.org/officeDocument/2006/math">
                     <m:oMathParaPr>
@@ -7388,7 +7402,7 @@
             </p:txBody>
           </p:sp>
         </mc:Choice>
-        <mc:Fallback>
+        <mc:Fallback xmlns="">
           <p:sp>
             <p:nvSpPr>
               <p:cNvPr id="58" name="TextBox 57"/>
@@ -7462,8 +7476,8 @@
           </a:fontRef>
         </p:style>
       </p:cxnSp>
-      <mc:AlternateContent xmlns:mc="http://schemas.openxmlformats.org/markup-compatibility/2006">
-        <mc:Choice xmlns:a14="http://schemas.microsoft.com/office/drawing/2010/main" Requires="a14">
+      <mc:AlternateContent xmlns:mc="http://schemas.openxmlformats.org/markup-compatibility/2006" xmlns:a14="http://schemas.microsoft.com/office/drawing/2010/main">
+        <mc:Choice Requires="a14">
           <p:sp>
             <p:nvSpPr>
               <p:cNvPr id="60" name="TextBox 59"/>
@@ -7486,6 +7500,7 @@
               </a:bodyPr>
               <a:lstStyle/>
               <a:p>
+                <a:pPr/>
                 <a14:m>
                   <m:oMathPara xmlns:m="http://schemas.openxmlformats.org/officeDocument/2006/math">
                     <m:oMathParaPr>
@@ -7508,7 +7523,7 @@
             </p:txBody>
           </p:sp>
         </mc:Choice>
-        <mc:Fallback>
+        <mc:Fallback xmlns="">
           <p:sp>
             <p:nvSpPr>
               <p:cNvPr id="60" name="TextBox 59"/>
@@ -7582,8 +7597,8 @@
           </a:fontRef>
         </p:style>
       </p:cxnSp>
-      <mc:AlternateContent xmlns:mc="http://schemas.openxmlformats.org/markup-compatibility/2006">
-        <mc:Choice xmlns:a14="http://schemas.microsoft.com/office/drawing/2010/main" Requires="a14">
+      <mc:AlternateContent xmlns:mc="http://schemas.openxmlformats.org/markup-compatibility/2006" xmlns:a14="http://schemas.microsoft.com/office/drawing/2010/main">
+        <mc:Choice Requires="a14">
           <p:sp>
             <p:nvSpPr>
               <p:cNvPr id="62" name="TextBox 61"/>
@@ -7606,6 +7621,7 @@
               </a:bodyPr>
               <a:lstStyle/>
               <a:p>
+                <a:pPr/>
                 <a14:m>
                   <m:oMathPara xmlns:m="http://schemas.openxmlformats.org/officeDocument/2006/math">
                     <m:oMathParaPr>
@@ -7628,7 +7644,7 @@
             </p:txBody>
           </p:sp>
         </mc:Choice>
-        <mc:Fallback>
+        <mc:Fallback xmlns="">
           <p:sp>
             <p:nvSpPr>
               <p:cNvPr id="62" name="TextBox 61"/>
@@ -7702,8 +7718,8 @@
           </a:fontRef>
         </p:style>
       </p:cxnSp>
-      <mc:AlternateContent xmlns:mc="http://schemas.openxmlformats.org/markup-compatibility/2006">
-        <mc:Choice xmlns:a14="http://schemas.microsoft.com/office/drawing/2010/main" Requires="a14">
+      <mc:AlternateContent xmlns:mc="http://schemas.openxmlformats.org/markup-compatibility/2006" xmlns:a14="http://schemas.microsoft.com/office/drawing/2010/main">
+        <mc:Choice Requires="a14">
           <p:sp>
             <p:nvSpPr>
               <p:cNvPr id="64" name="TextBox 63"/>
@@ -7726,6 +7742,7 @@
               </a:bodyPr>
               <a:lstStyle/>
               <a:p>
+                <a:pPr/>
                 <a14:m>
                   <m:oMathPara xmlns:m="http://schemas.openxmlformats.org/officeDocument/2006/math">
                     <m:oMathParaPr>
@@ -7760,7 +7777,7 @@
             </p:txBody>
           </p:sp>
         </mc:Choice>
-        <mc:Fallback>
+        <mc:Fallback xmlns="">
           <p:sp>
             <p:nvSpPr>
               <p:cNvPr id="64" name="TextBox 63"/>
@@ -7799,8 +7816,8 @@
           </p:sp>
         </mc:Fallback>
       </mc:AlternateContent>
-      <mc:AlternateContent xmlns:mc="http://schemas.openxmlformats.org/markup-compatibility/2006">
-        <mc:Choice xmlns:a14="http://schemas.microsoft.com/office/drawing/2010/main" Requires="a14">
+      <mc:AlternateContent xmlns:mc="http://schemas.openxmlformats.org/markup-compatibility/2006" xmlns:a14="http://schemas.microsoft.com/office/drawing/2010/main">
+        <mc:Choice Requires="a14">
           <p:sp>
             <p:nvSpPr>
               <p:cNvPr id="65" name="TextBox 64"/>
@@ -7823,6 +7840,7 @@
               </a:bodyPr>
               <a:lstStyle/>
               <a:p>
+                <a:pPr/>
                 <a14:m>
                   <m:oMathPara xmlns:m="http://schemas.openxmlformats.org/officeDocument/2006/math">
                     <m:oMathParaPr>
@@ -7857,7 +7875,7 @@
             </p:txBody>
           </p:sp>
         </mc:Choice>
-        <mc:Fallback>
+        <mc:Fallback xmlns="">
           <p:sp>
             <p:nvSpPr>
               <p:cNvPr id="65" name="TextBox 64"/>
@@ -7933,8 +7951,8 @@
           </a:fontRef>
         </p:style>
       </p:cxnSp>
-      <mc:AlternateContent xmlns:mc="http://schemas.openxmlformats.org/markup-compatibility/2006">
-        <mc:Choice xmlns:a14="http://schemas.microsoft.com/office/drawing/2010/main" Requires="a14">
+      <mc:AlternateContent xmlns:mc="http://schemas.openxmlformats.org/markup-compatibility/2006" xmlns:a14="http://schemas.microsoft.com/office/drawing/2010/main">
+        <mc:Choice Requires="a14">
           <p:sp>
             <p:nvSpPr>
               <p:cNvPr id="83" name="TextBox 82"/>
@@ -8070,7 +8088,7 @@
             </p:txBody>
           </p:sp>
         </mc:Choice>
-        <mc:Fallback>
+        <mc:Fallback xmlns="">
           <p:sp>
             <p:nvSpPr>
               <p:cNvPr id="83" name="TextBox 82"/>
@@ -8109,8 +8127,8 @@
           </p:sp>
         </mc:Fallback>
       </mc:AlternateContent>
-      <mc:AlternateContent xmlns:mc="http://schemas.openxmlformats.org/markup-compatibility/2006">
-        <mc:Choice xmlns:a14="http://schemas.microsoft.com/office/drawing/2010/main" Requires="a14">
+      <mc:AlternateContent xmlns:mc="http://schemas.openxmlformats.org/markup-compatibility/2006" xmlns:a14="http://schemas.microsoft.com/office/drawing/2010/main">
+        <mc:Choice Requires="a14">
           <p:sp>
             <p:nvSpPr>
               <p:cNvPr id="84" name="TextBox 83"/>
@@ -8254,7 +8272,7 @@
             </p:txBody>
           </p:sp>
         </mc:Choice>
-        <mc:Fallback>
+        <mc:Fallback xmlns="">
           <p:sp>
             <p:nvSpPr>
               <p:cNvPr id="84" name="TextBox 83"/>
@@ -8744,8 +8762,8 @@
           </a:fontRef>
         </p:style>
       </p:cxnSp>
-      <mc:AlternateContent xmlns:mc="http://schemas.openxmlformats.org/markup-compatibility/2006">
-        <mc:Choice xmlns:a14="http://schemas.microsoft.com/office/drawing/2010/main" Requires="a14">
+      <mc:AlternateContent xmlns:mc="http://schemas.openxmlformats.org/markup-compatibility/2006" xmlns:a14="http://schemas.microsoft.com/office/drawing/2010/main">
+        <mc:Choice Requires="a14">
           <p:sp>
             <p:nvSpPr>
               <p:cNvPr id="110" name="TextBox 109"/>
@@ -8843,7 +8861,7 @@
             </p:txBody>
           </p:sp>
         </mc:Choice>
-        <mc:Fallback>
+        <mc:Fallback xmlns="">
           <p:sp>
             <p:nvSpPr>
               <p:cNvPr id="110" name="TextBox 109"/>
@@ -8886,6 +8904,334 @@
     <p:extLst>
       <p:ext uri="{BB962C8B-B14F-4D97-AF65-F5344CB8AC3E}">
         <p14:creationId xmlns:p14="http://schemas.microsoft.com/office/powerpoint/2010/main" val="1856975224"/>
+      </p:ext>
+    </p:extLst>
+  </p:cSld>
+  <p:clrMapOvr>
+    <a:masterClrMapping/>
+  </p:clrMapOvr>
+</p:sld>
+</file>
+
+<file path=ppt/slides/slide4.xml><?xml version="1.0" encoding="utf-8"?>
+<p:sld xmlns:a="http://schemas.openxmlformats.org/drawingml/2006/main" xmlns:r="http://schemas.openxmlformats.org/officeDocument/2006/relationships" xmlns:p="http://schemas.openxmlformats.org/presentationml/2006/main">
+  <p:cSld>
+    <p:spTree>
+      <p:nvGrpSpPr>
+        <p:cNvPr id="1" name=""/>
+        <p:cNvGrpSpPr/>
+        <p:nvPr/>
+      </p:nvGrpSpPr>
+      <p:grpSpPr>
+        <a:xfrm>
+          <a:off x="0" y="0"/>
+          <a:ext cx="0" cy="0"/>
+          <a:chOff x="0" y="0"/>
+          <a:chExt cx="0" cy="0"/>
+        </a:xfrm>
+      </p:grpSpPr>
+      <p:pic>
+        <p:nvPicPr>
+          <p:cNvPr id="14" name="Picture 13"/>
+          <p:cNvPicPr>
+            <a:picLocks noChangeAspect="1"/>
+          </p:cNvPicPr>
+          <p:nvPr/>
+        </p:nvPicPr>
+        <p:blipFill>
+          <a:blip r:embed="rId2"/>
+          <a:stretch>
+            <a:fillRect/>
+          </a:stretch>
+        </p:blipFill>
+        <p:spPr>
+          <a:xfrm>
+            <a:off x="2114550" y="133350"/>
+            <a:ext cx="8134350" cy="6553200"/>
+          </a:xfrm>
+          <a:prstGeom prst="rect">
+            <a:avLst/>
+          </a:prstGeom>
+        </p:spPr>
+      </p:pic>
+      <p:sp>
+        <p:nvSpPr>
+          <p:cNvPr id="6" name="Left Brace 5"/>
+          <p:cNvSpPr/>
+          <p:nvPr/>
+        </p:nvSpPr>
+        <p:spPr>
+          <a:xfrm rot="16200000">
+            <a:off x="2435129" y="6059092"/>
+            <a:ext cx="133347" cy="702468"/>
+          </a:xfrm>
+          <a:prstGeom prst="leftBrace">
+            <a:avLst/>
+          </a:prstGeom>
+          <a:ln w="19050" cap="rnd">
+            <a:solidFill>
+              <a:schemeClr val="accent2"/>
+            </a:solidFill>
+            <a:bevel/>
+          </a:ln>
+        </p:spPr>
+        <p:style>
+          <a:lnRef idx="1">
+            <a:schemeClr val="accent1"/>
+          </a:lnRef>
+          <a:fillRef idx="0">
+            <a:schemeClr val="accent1"/>
+          </a:fillRef>
+          <a:effectRef idx="0">
+            <a:schemeClr val="accent1"/>
+          </a:effectRef>
+          <a:fontRef idx="minor">
+            <a:schemeClr val="tx1"/>
+          </a:fontRef>
+        </p:style>
+        <p:txBody>
+          <a:bodyPr rtlCol="0" anchor="ctr"/>
+          <a:lstStyle/>
+          <a:p>
+            <a:pPr algn="ctr"/>
+            <a:endParaRPr lang="en-US"/>
+          </a:p>
+        </p:txBody>
+      </p:sp>
+      <p:sp>
+        <p:nvSpPr>
+          <p:cNvPr id="7" name="Rectangle 6"/>
+          <p:cNvSpPr/>
+          <p:nvPr/>
+        </p:nvSpPr>
+        <p:spPr>
+          <a:xfrm>
+            <a:off x="2068830" y="6040994"/>
+            <a:ext cx="865943" cy="369332"/>
+          </a:xfrm>
+          <a:prstGeom prst="rect">
+            <a:avLst/>
+          </a:prstGeom>
+        </p:spPr>
+        <p:txBody>
+          <a:bodyPr wrap="none">
+            <a:spAutoFit/>
+          </a:bodyPr>
+          <a:lstStyle/>
+          <a:p>
+            <a:r>
+              <a:rPr lang="en-US" smtClean="0">
+                <a:solidFill>
+                  <a:srgbClr val="0070C0"/>
+                </a:solidFill>
+                <a:latin typeface="Calibri" panose="020F0502020204030204" pitchFamily="34" charset="0"/>
+              </a:rPr>
+              <a:t>session</a:t>
+            </a:r>
+            <a:endParaRPr lang="en-US">
+              <a:solidFill>
+                <a:srgbClr val="0070C0"/>
+              </a:solidFill>
+            </a:endParaRPr>
+          </a:p>
+        </p:txBody>
+      </p:sp>
+      <p:sp>
+        <p:nvSpPr>
+          <p:cNvPr id="12" name="Left Brace 11"/>
+          <p:cNvSpPr/>
+          <p:nvPr/>
+        </p:nvSpPr>
+        <p:spPr>
+          <a:xfrm rot="16200000">
+            <a:off x="3997230" y="5281197"/>
+            <a:ext cx="133348" cy="2258258"/>
+          </a:xfrm>
+          <a:prstGeom prst="leftBrace">
+            <a:avLst/>
+          </a:prstGeom>
+          <a:ln w="19050" cap="rnd">
+            <a:solidFill>
+              <a:schemeClr val="accent2"/>
+            </a:solidFill>
+            <a:bevel/>
+          </a:ln>
+        </p:spPr>
+        <p:style>
+          <a:lnRef idx="1">
+            <a:schemeClr val="accent1"/>
+          </a:lnRef>
+          <a:fillRef idx="0">
+            <a:schemeClr val="accent1"/>
+          </a:fillRef>
+          <a:effectRef idx="0">
+            <a:schemeClr val="accent1"/>
+          </a:effectRef>
+          <a:fontRef idx="minor">
+            <a:schemeClr val="tx1"/>
+          </a:fontRef>
+        </p:style>
+        <p:txBody>
+          <a:bodyPr rtlCol="0" anchor="ctr"/>
+          <a:lstStyle/>
+          <a:p>
+            <a:pPr algn="ctr"/>
+            <a:endParaRPr lang="en-US"/>
+          </a:p>
+        </p:txBody>
+      </p:sp>
+      <p:sp>
+        <p:nvSpPr>
+          <p:cNvPr id="13" name="Rectangle 12"/>
+          <p:cNvSpPr/>
+          <p:nvPr/>
+        </p:nvSpPr>
+        <p:spPr>
+          <a:xfrm>
+            <a:off x="3553860" y="6040994"/>
+            <a:ext cx="1020087" cy="369332"/>
+          </a:xfrm>
+          <a:prstGeom prst="rect">
+            <a:avLst/>
+          </a:prstGeom>
+        </p:spPr>
+        <p:txBody>
+          <a:bodyPr wrap="none">
+            <a:spAutoFit/>
+          </a:bodyPr>
+          <a:lstStyle/>
+          <a:p>
+            <a:r>
+              <a:rPr lang="en-US" smtClean="0">
+                <a:solidFill>
+                  <a:srgbClr val="0070C0"/>
+                </a:solidFill>
+                <a:latin typeface="Calibri" panose="020F0502020204030204" pitchFamily="34" charset="0"/>
+              </a:rPr>
+              <a:t>windows</a:t>
+            </a:r>
+            <a:endParaRPr lang="en-US">
+              <a:solidFill>
+                <a:srgbClr val="0070C0"/>
+              </a:solidFill>
+            </a:endParaRPr>
+          </a:p>
+        </p:txBody>
+      </p:sp>
+      <p:cxnSp>
+        <p:nvCxnSpPr>
+          <p:cNvPr id="16" name="Straight Arrow Connector 15"/>
+          <p:cNvCxnSpPr/>
+          <p:nvPr/>
+        </p:nvCxnSpPr>
+        <p:spPr>
+          <a:xfrm flipH="1">
+            <a:off x="4887360" y="2809875"/>
+            <a:ext cx="1494392" cy="1149311"/>
+          </a:xfrm>
+          <a:prstGeom prst="straightConnector1">
+            <a:avLst/>
+          </a:prstGeom>
+          <a:ln w="19050">
+            <a:solidFill>
+              <a:schemeClr val="accent2"/>
+            </a:solidFill>
+            <a:tailEnd type="triangle" w="lg" len="med"/>
+          </a:ln>
+        </p:spPr>
+        <p:style>
+          <a:lnRef idx="1">
+            <a:schemeClr val="accent1"/>
+          </a:lnRef>
+          <a:fillRef idx="0">
+            <a:schemeClr val="accent1"/>
+          </a:fillRef>
+          <a:effectRef idx="0">
+            <a:schemeClr val="accent1"/>
+          </a:effectRef>
+          <a:fontRef idx="minor">
+            <a:schemeClr val="tx1"/>
+          </a:fontRef>
+        </p:style>
+      </p:cxnSp>
+      <p:cxnSp>
+        <p:nvCxnSpPr>
+          <p:cNvPr id="18" name="Straight Arrow Connector 17"/>
+          <p:cNvCxnSpPr/>
+          <p:nvPr/>
+        </p:nvCxnSpPr>
+        <p:spPr>
+          <a:xfrm>
+            <a:off x="3800475" y="2943225"/>
+            <a:ext cx="609600" cy="1015961"/>
+          </a:xfrm>
+          <a:prstGeom prst="straightConnector1">
+            <a:avLst/>
+          </a:prstGeom>
+          <a:ln w="19050">
+            <a:solidFill>
+              <a:schemeClr val="accent2"/>
+            </a:solidFill>
+            <a:tailEnd type="triangle" w="lg" len="med"/>
+          </a:ln>
+        </p:spPr>
+        <p:style>
+          <a:lnRef idx="1">
+            <a:schemeClr val="accent1"/>
+          </a:lnRef>
+          <a:fillRef idx="0">
+            <a:schemeClr val="accent1"/>
+          </a:fillRef>
+          <a:effectRef idx="0">
+            <a:schemeClr val="accent1"/>
+          </a:effectRef>
+          <a:fontRef idx="minor">
+            <a:schemeClr val="tx1"/>
+          </a:fontRef>
+        </p:style>
+      </p:cxnSp>
+      <p:sp>
+        <p:nvSpPr>
+          <p:cNvPr id="21" name="Rectangle 20"/>
+          <p:cNvSpPr/>
+          <p:nvPr/>
+        </p:nvSpPr>
+        <p:spPr>
+          <a:xfrm>
+            <a:off x="4277760" y="3908941"/>
+            <a:ext cx="744114" cy="369332"/>
+          </a:xfrm>
+          <a:prstGeom prst="rect">
+            <a:avLst/>
+          </a:prstGeom>
+        </p:spPr>
+        <p:txBody>
+          <a:bodyPr wrap="none">
+            <a:spAutoFit/>
+          </a:bodyPr>
+          <a:lstStyle/>
+          <a:p>
+            <a:r>
+              <a:rPr lang="en-US" smtClean="0">
+                <a:solidFill>
+                  <a:srgbClr val="0070C0"/>
+                </a:solidFill>
+                <a:latin typeface="Calibri" panose="020F0502020204030204" pitchFamily="34" charset="0"/>
+              </a:rPr>
+              <a:t>panes</a:t>
+            </a:r>
+            <a:endParaRPr lang="en-US">
+              <a:solidFill>
+                <a:srgbClr val="0070C0"/>
+              </a:solidFill>
+            </a:endParaRPr>
+          </a:p>
+        </p:txBody>
+      </p:sp>
+    </p:spTree>
+    <p:extLst>
+      <p:ext uri="{BB962C8B-B14F-4D97-AF65-F5344CB8AC3E}">
+        <p14:creationId xmlns:p14="http://schemas.microsoft.com/office/powerpoint/2010/main" val="3608598174"/>
       </p:ext>
     </p:extLst>
   </p:cSld>

--- a/Exercises/figures.pptx
+++ b/Exercises/figures.pptx
@@ -7,8 +7,7 @@
   <p:sldIdLst>
     <p:sldId id="256" r:id="rId2"/>
     <p:sldId id="257" r:id="rId3"/>
-    <p:sldId id="258" r:id="rId4"/>
-    <p:sldId id="259" r:id="rId5"/>
+    <p:sldId id="259" r:id="rId4"/>
   </p:sldIdLst>
   <p:sldSz cx="12192000" cy="6858000"/>
   <p:notesSz cx="6858000" cy="9144000"/>
@@ -246,7 +245,7 @@
           <a:p>
             <a:fld id="{1587CBE6-EFEF-4EEC-B939-C814C016D8BF}" type="datetimeFigureOut">
               <a:rPr lang="en-US" smtClean="0"/>
-              <a:t>2/19/2020</a:t>
+              <a:t>3/12/2020</a:t>
             </a:fld>
             <a:endParaRPr lang="en-US"/>
           </a:p>
@@ -416,7 +415,7 @@
           <a:p>
             <a:fld id="{1587CBE6-EFEF-4EEC-B939-C814C016D8BF}" type="datetimeFigureOut">
               <a:rPr lang="en-US" smtClean="0"/>
-              <a:t>2/19/2020</a:t>
+              <a:t>3/12/2020</a:t>
             </a:fld>
             <a:endParaRPr lang="en-US"/>
           </a:p>
@@ -596,7 +595,7 @@
           <a:p>
             <a:fld id="{1587CBE6-EFEF-4EEC-B939-C814C016D8BF}" type="datetimeFigureOut">
               <a:rPr lang="en-US" smtClean="0"/>
-              <a:t>2/19/2020</a:t>
+              <a:t>3/12/2020</a:t>
             </a:fld>
             <a:endParaRPr lang="en-US"/>
           </a:p>
@@ -766,7 +765,7 @@
           <a:p>
             <a:fld id="{1587CBE6-EFEF-4EEC-B939-C814C016D8BF}" type="datetimeFigureOut">
               <a:rPr lang="en-US" smtClean="0"/>
-              <a:t>2/19/2020</a:t>
+              <a:t>3/12/2020</a:t>
             </a:fld>
             <a:endParaRPr lang="en-US"/>
           </a:p>
@@ -1012,7 +1011,7 @@
           <a:p>
             <a:fld id="{1587CBE6-EFEF-4EEC-B939-C814C016D8BF}" type="datetimeFigureOut">
               <a:rPr lang="en-US" smtClean="0"/>
-              <a:t>2/19/2020</a:t>
+              <a:t>3/12/2020</a:t>
             </a:fld>
             <a:endParaRPr lang="en-US"/>
           </a:p>
@@ -1244,7 +1243,7 @@
           <a:p>
             <a:fld id="{1587CBE6-EFEF-4EEC-B939-C814C016D8BF}" type="datetimeFigureOut">
               <a:rPr lang="en-US" smtClean="0"/>
-              <a:t>2/19/2020</a:t>
+              <a:t>3/12/2020</a:t>
             </a:fld>
             <a:endParaRPr lang="en-US"/>
           </a:p>
@@ -1611,7 +1610,7 @@
           <a:p>
             <a:fld id="{1587CBE6-EFEF-4EEC-B939-C814C016D8BF}" type="datetimeFigureOut">
               <a:rPr lang="en-US" smtClean="0"/>
-              <a:t>2/19/2020</a:t>
+              <a:t>3/12/2020</a:t>
             </a:fld>
             <a:endParaRPr lang="en-US"/>
           </a:p>
@@ -1729,7 +1728,7 @@
           <a:p>
             <a:fld id="{1587CBE6-EFEF-4EEC-B939-C814C016D8BF}" type="datetimeFigureOut">
               <a:rPr lang="en-US" smtClean="0"/>
-              <a:t>2/19/2020</a:t>
+              <a:t>3/12/2020</a:t>
             </a:fld>
             <a:endParaRPr lang="en-US"/>
           </a:p>
@@ -1824,7 +1823,7 @@
           <a:p>
             <a:fld id="{1587CBE6-EFEF-4EEC-B939-C814C016D8BF}" type="datetimeFigureOut">
               <a:rPr lang="en-US" smtClean="0"/>
-              <a:t>2/19/2020</a:t>
+              <a:t>3/12/2020</a:t>
             </a:fld>
             <a:endParaRPr lang="en-US"/>
           </a:p>
@@ -2101,7 +2100,7 @@
           <a:p>
             <a:fld id="{1587CBE6-EFEF-4EEC-B939-C814C016D8BF}" type="datetimeFigureOut">
               <a:rPr lang="en-US" smtClean="0"/>
-              <a:t>2/19/2020</a:t>
+              <a:t>3/12/2020</a:t>
             </a:fld>
             <a:endParaRPr lang="en-US"/>
           </a:p>
@@ -2354,7 +2353,7 @@
           <a:p>
             <a:fld id="{1587CBE6-EFEF-4EEC-B939-C814C016D8BF}" type="datetimeFigureOut">
               <a:rPr lang="en-US" smtClean="0"/>
-              <a:t>2/19/2020</a:t>
+              <a:t>3/12/2020</a:t>
             </a:fld>
             <a:endParaRPr lang="en-US"/>
           </a:p>
@@ -2567,7 +2566,7 @@
           <a:p>
             <a:fld id="{1587CBE6-EFEF-4EEC-B939-C814C016D8BF}" type="datetimeFigureOut">
               <a:rPr lang="en-US" smtClean="0"/>
-              <a:t>2/19/2020</a:t>
+              <a:t>3/12/2020</a:t>
             </a:fld>
             <a:endParaRPr lang="en-US"/>
           </a:p>
@@ -6270,7 +6269,7 @@
         </p:nvCxnSpPr>
         <p:spPr>
           <a:xfrm>
-            <a:off x="3427843" y="423046"/>
+            <a:off x="4105176" y="423403"/>
             <a:ext cx="615482" cy="0"/>
           </a:xfrm>
           <a:prstGeom prst="line">
@@ -6297,8 +6296,8 @@
           </a:fontRef>
         </p:style>
       </p:cxnSp>
-      <mc:AlternateContent xmlns:mc="http://schemas.openxmlformats.org/markup-compatibility/2006" xmlns:a14="http://schemas.microsoft.com/office/drawing/2010/main">
-        <mc:Choice Requires="a14">
+      <mc:AlternateContent xmlns:mc="http://schemas.openxmlformats.org/markup-compatibility/2006">
+        <mc:Choice xmlns:a14="http://schemas.microsoft.com/office/drawing/2010/main" Requires="a14">
           <p:sp>
             <p:nvSpPr>
               <p:cNvPr id="39" name="TextBox 38"/>
@@ -6307,7 +6306,7 @@
             </p:nvSpPr>
             <p:spPr>
               <a:xfrm>
-                <a:off x="3935442" y="232158"/>
+                <a:off x="4612775" y="232515"/>
                 <a:ext cx="965204" cy="379848"/>
               </a:xfrm>
               <a:prstGeom prst="rect">
@@ -6356,7 +6355,7 @@
             </p:txBody>
           </p:sp>
         </mc:Choice>
-        <mc:Fallback xmlns="">
+        <mc:Fallback>
           <p:sp>
             <p:nvSpPr>
               <p:cNvPr id="39" name="TextBox 38"/>
@@ -6367,7 +6366,7 @@
             </p:nvSpPr>
             <p:spPr>
               <a:xfrm>
-                <a:off x="3935442" y="232158"/>
+                <a:off x="4612775" y="232515"/>
                 <a:ext cx="965204" cy="379848"/>
               </a:xfrm>
               <a:prstGeom prst="rect">
@@ -6639,8 +6638,8 @@
           </a:fontRef>
         </p:style>
       </p:cxnSp>
-      <mc:AlternateContent xmlns:mc="http://schemas.openxmlformats.org/markup-compatibility/2006" xmlns:a14="http://schemas.microsoft.com/office/drawing/2010/main">
-        <mc:Choice Requires="a14">
+      <mc:AlternateContent xmlns:mc="http://schemas.openxmlformats.org/markup-compatibility/2006">
+        <mc:Choice xmlns:a14="http://schemas.microsoft.com/office/drawing/2010/main" Requires="a14">
           <p:sp>
             <p:nvSpPr>
               <p:cNvPr id="47" name="TextBox 46"/>
@@ -6649,8 +6648,8 @@
             </p:nvSpPr>
             <p:spPr>
               <a:xfrm>
-                <a:off x="1705692" y="2113712"/>
-                <a:ext cx="1488154" cy="307777"/>
+                <a:off x="1705692" y="1927440"/>
+                <a:ext cx="1488154" cy="738664"/>
               </a:xfrm>
               <a:prstGeom prst="rect">
                 <a:avLst/>
@@ -6676,57 +6675,104 @@
                         </a:rPr>
                         <m:t>𝑚𝑒𝑎𝑛</m:t>
                       </m:r>
+                      <m:d>
+                        <m:dPr>
+                          <m:ctrlPr>
+                            <a:rPr lang="en-US" sz="1400" b="0" i="1" smtClean="0">
+                              <a:latin typeface="Cambria Math" panose="02040503050406030204" pitchFamily="18" charset="0"/>
+                            </a:rPr>
+                          </m:ctrlPr>
+                        </m:dPr>
+                        <m:e>
+                          <m:r>
+                            <m:rPr>
+                              <m:sty m:val="p"/>
+                            </m:rPr>
+                            <a:rPr lang="el-GR" sz="1400" i="1" smtClean="0">
+                              <a:latin typeface="Cambria Math" panose="02040503050406030204" pitchFamily="18" charset="0"/>
+                            </a:rPr>
+                            <m:t>ΔΔ</m:t>
+                          </m:r>
+                          <m:sSub>
+                            <m:sSubPr>
+                              <m:ctrlPr>
+                                <a:rPr lang="el-GR" sz="1400" i="1">
+                                  <a:latin typeface="Cambria Math" panose="02040503050406030204" pitchFamily="18" charset="0"/>
+                                </a:rPr>
+                              </m:ctrlPr>
+                            </m:sSubPr>
+                            <m:e>
+                              <m:r>
+                                <a:rPr lang="en-US" sz="1400" i="1">
+                                  <a:latin typeface="Cambria Math" panose="02040503050406030204" pitchFamily="18" charset="0"/>
+                                </a:rPr>
+                                <m:t>𝐶</m:t>
+                              </m:r>
+                            </m:e>
+                            <m:sub>
+                              <m:r>
+                                <a:rPr lang="en-US" sz="1400" i="1">
+                                  <a:latin typeface="Cambria Math" panose="02040503050406030204" pitchFamily="18" charset="0"/>
+                                </a:rPr>
+                                <m:t>𝑃</m:t>
+                              </m:r>
+                              <m:r>
+                                <a:rPr lang="en-US" sz="1400" b="0" i="1" smtClean="0">
+                                  <a:latin typeface="Cambria Math" panose="02040503050406030204" pitchFamily="18" charset="0"/>
+                                </a:rPr>
+                                <m:t> </m:t>
+                              </m:r>
+                            </m:sub>
+                          </m:sSub>
+                        </m:e>
+                      </m:d>
+                    </m:oMath>
+                  </m:oMathPara>
+                </a14:m>
+                <a:endParaRPr lang="en-US" sz="1400" b="0" smtClean="0">
+                  <a:latin typeface="Geogrotesque Md" panose="02000000000000000000" pitchFamily="50" charset="0"/>
+                </a:endParaRPr>
+              </a:p>
+              <a:p>
+                <a:pPr/>
+                <a14:m>
+                  <m:oMathPara xmlns:m="http://schemas.openxmlformats.org/officeDocument/2006/math">
+                    <m:oMathParaPr>
+                      <m:jc m:val="centerGroup"/>
+                    </m:oMathParaPr>
+                    <m:oMath xmlns:m="http://schemas.openxmlformats.org/officeDocument/2006/math">
                       <m:r>
                         <a:rPr lang="en-US" sz="1400" b="0" i="1" smtClean="0">
                           <a:latin typeface="Cambria Math" panose="02040503050406030204" pitchFamily="18" charset="0"/>
                         </a:rPr>
-                        <m:t>(</m:t>
+                        <m:t>=</m:t>
                       </m:r>
-                      <m:r>
-                        <m:rPr>
-                          <m:sty m:val="p"/>
-                        </m:rPr>
-                        <a:rPr lang="el-GR" sz="1400" i="1" smtClean="0">
-                          <a:latin typeface="Cambria Math" panose="02040503050406030204" pitchFamily="18" charset="0"/>
-                        </a:rPr>
-                        <m:t>ΔΔ</m:t>
-                      </m:r>
-                      <m:sSub>
-                        <m:sSubPr>
-                          <m:ctrlPr>
-                            <a:rPr lang="el-GR" sz="1400" i="1">
-                              <a:latin typeface="Cambria Math" panose="02040503050406030204" pitchFamily="18" charset="0"/>
-                            </a:rPr>
-                          </m:ctrlPr>
-                        </m:sSubPr>
-                        <m:e>
-                          <m:r>
-                            <a:rPr lang="en-US" sz="1400" i="1">
-                              <a:latin typeface="Cambria Math" panose="02040503050406030204" pitchFamily="18" charset="0"/>
-                            </a:rPr>
-                            <m:t>𝐶</m:t>
-                          </m:r>
-                        </m:e>
-                        <m:sub>
-                          <m:r>
-                            <a:rPr lang="en-US" sz="1400" i="1">
-                              <a:latin typeface="Cambria Math" panose="02040503050406030204" pitchFamily="18" charset="0"/>
-                            </a:rPr>
-                            <m:t>𝑃</m:t>
-                          </m:r>
-                          <m:r>
-                            <a:rPr lang="en-US" sz="1400" b="0" i="1" smtClean="0">
-                              <a:latin typeface="Cambria Math" panose="02040503050406030204" pitchFamily="18" charset="0"/>
-                            </a:rPr>
-                            <m:t> </m:t>
-                          </m:r>
-                        </m:sub>
-                      </m:sSub>
+                    </m:oMath>
+                  </m:oMathPara>
+                </a14:m>
+                <a:endParaRPr lang="en-US" sz="1400" b="0" smtClean="0">
+                  <a:latin typeface="Geogrotesque Md" panose="02000000000000000000" pitchFamily="50" charset="0"/>
+                </a:endParaRPr>
+              </a:p>
+              <a:p>
+                <a:pPr/>
+                <a14:m>
+                  <m:oMathPara xmlns:m="http://schemas.openxmlformats.org/officeDocument/2006/math">
+                    <m:oMathParaPr>
+                      <m:jc m:val="centerGroup"/>
+                    </m:oMathParaPr>
+                    <m:oMath xmlns:m="http://schemas.openxmlformats.org/officeDocument/2006/math">
                       <m:r>
                         <a:rPr lang="en-US" sz="1400" b="0" i="1" smtClean="0">
                           <a:latin typeface="Cambria Math" panose="02040503050406030204" pitchFamily="18" charset="0"/>
                         </a:rPr>
-                        <m:t>)</m:t>
+                        <m:t>−</m:t>
+                      </m:r>
+                      <m:r>
+                        <a:rPr lang="en-US" sz="1400" b="0" i="1" smtClean="0">
+                          <a:latin typeface="Cambria Math" panose="02040503050406030204" pitchFamily="18" charset="0"/>
+                        </a:rPr>
+                        <m:t>𝐿𝐹𝐶</m:t>
                       </m:r>
                     </m:oMath>
                   </m:oMathPara>
@@ -6738,7 +6784,7 @@
             </p:txBody>
           </p:sp>
         </mc:Choice>
-        <mc:Fallback xmlns="">
+        <mc:Fallback>
           <p:sp>
             <p:nvSpPr>
               <p:cNvPr id="47" name="TextBox 46"/>
@@ -6749,8 +6795,8 @@
             </p:nvSpPr>
             <p:spPr>
               <a:xfrm>
-                <a:off x="1705692" y="2113712"/>
-                <a:ext cx="1488154" cy="307777"/>
+                <a:off x="1705692" y="1927440"/>
+                <a:ext cx="1488154" cy="738664"/>
               </a:xfrm>
               <a:prstGeom prst="rect">
                 <a:avLst/>
@@ -6758,7 +6804,7 @@
               <a:blipFill>
                 <a:blip r:embed="rId11"/>
                 <a:stretch>
-                  <a:fillRect b="-8000"/>
+                  <a:fillRect/>
                 </a:stretch>
               </a:blipFill>
             </p:spPr>
@@ -6777,8 +6823,8 @@
           </p:sp>
         </mc:Fallback>
       </mc:AlternateContent>
-      <mc:AlternateContent xmlns:mc="http://schemas.openxmlformats.org/markup-compatibility/2006" xmlns:a14="http://schemas.microsoft.com/office/drawing/2010/main">
-        <mc:Choice Requires="a14">
+      <mc:AlternateContent xmlns:mc="http://schemas.openxmlformats.org/markup-compatibility/2006">
+        <mc:Choice xmlns:a14="http://schemas.microsoft.com/office/drawing/2010/main" Requires="a14">
           <p:sp>
             <p:nvSpPr>
               <p:cNvPr id="48" name="Rectangle 47"/>
@@ -6788,7 +6834,7 @@
             <p:spPr>
               <a:xfrm>
                 <a:off x="138492" y="232158"/>
-                <a:ext cx="2888931" cy="369332"/>
+                <a:ext cx="3088602" cy="369332"/>
               </a:xfrm>
               <a:prstGeom prst="rect">
                 <a:avLst/>
@@ -6816,6 +6862,12 @@
                           </m:ctrlPr>
                         </m:sSubPr>
                         <m:e>
+                          <m:r>
+                            <a:rPr lang="en-US" b="0" i="1" smtClean="0">
+                              <a:latin typeface="Cambria Math" panose="02040503050406030204" pitchFamily="18" charset="0"/>
+                            </a:rPr>
+                            <m:t>−</m:t>
+                          </m:r>
                           <m:r>
                             <m:rPr>
                               <m:sty m:val="p"/>
@@ -6922,7 +6974,7 @@
             </p:txBody>
           </p:sp>
         </mc:Choice>
-        <mc:Fallback xmlns="">
+        <mc:Fallback>
           <p:sp>
             <p:nvSpPr>
               <p:cNvPr id="48" name="Rectangle 47"/>
@@ -6934,7 +6986,7 @@
             <p:spPr>
               <a:xfrm>
                 <a:off x="138492" y="232158"/>
-                <a:ext cx="2888931" cy="369332"/>
+                <a:ext cx="3088602" cy="369332"/>
               </a:xfrm>
               <a:prstGeom prst="rect">
                 <a:avLst/>
@@ -6969,7 +7021,7 @@
         </p:nvCxnSpPr>
         <p:spPr>
           <a:xfrm>
-            <a:off x="5978164" y="772521"/>
+            <a:off x="6807906" y="772521"/>
             <a:ext cx="769" cy="3522903"/>
           </a:xfrm>
           <a:prstGeom prst="line">
@@ -7004,7 +7056,7 @@
         </p:nvCxnSpPr>
         <p:spPr>
           <a:xfrm flipH="1">
-            <a:off x="5978165" y="4295424"/>
+            <a:off x="6807907" y="4295424"/>
             <a:ext cx="3094950" cy="0"/>
           </a:xfrm>
           <a:prstGeom prst="line">
@@ -7039,7 +7091,7 @@
         </p:nvCxnSpPr>
         <p:spPr>
           <a:xfrm flipH="1">
-            <a:off x="6607006" y="4221533"/>
+            <a:off x="7436748" y="4221533"/>
             <a:ext cx="0" cy="144000"/>
           </a:xfrm>
           <a:prstGeom prst="line">
@@ -7074,7 +7126,7 @@
         </p:nvCxnSpPr>
         <p:spPr>
           <a:xfrm flipH="1">
-            <a:off x="8338824" y="4226150"/>
+            <a:off x="9168566" y="4226150"/>
             <a:ext cx="0" cy="144000"/>
           </a:xfrm>
           <a:prstGeom prst="line">
@@ -7101,8 +7153,8 @@
           </a:fontRef>
         </p:style>
       </p:cxnSp>
-      <mc:AlternateContent xmlns:mc="http://schemas.openxmlformats.org/markup-compatibility/2006" xmlns:a14="http://schemas.microsoft.com/office/drawing/2010/main">
-        <mc:Choice Requires="a14">
+      <mc:AlternateContent xmlns:mc="http://schemas.openxmlformats.org/markup-compatibility/2006">
+        <mc:Choice xmlns:a14="http://schemas.microsoft.com/office/drawing/2010/main" Requires="a14">
           <p:sp>
             <p:nvSpPr>
               <p:cNvPr id="53" name="TextBox 52"/>
@@ -7111,7 +7163,7 @@
             </p:nvSpPr>
             <p:spPr>
               <a:xfrm>
-                <a:off x="5383185" y="3436504"/>
+                <a:off x="6212927" y="3436504"/>
                 <a:ext cx="655782" cy="369332"/>
               </a:xfrm>
               <a:prstGeom prst="rect">
@@ -7154,7 +7206,7 @@
             </p:txBody>
           </p:sp>
         </mc:Choice>
-        <mc:Fallback xmlns="">
+        <mc:Fallback>
           <p:sp>
             <p:nvSpPr>
               <p:cNvPr id="53" name="TextBox 52"/>
@@ -7165,7 +7217,7 @@
             </p:nvSpPr>
             <p:spPr>
               <a:xfrm>
-                <a:off x="5383185" y="3436504"/>
+                <a:off x="6212927" y="3436504"/>
                 <a:ext cx="655782" cy="369332"/>
               </a:xfrm>
               <a:prstGeom prst="rect">
@@ -7201,7 +7253,7 @@
         </p:nvCxnSpPr>
         <p:spPr>
           <a:xfrm>
-            <a:off x="5900423" y="3621170"/>
+            <a:off x="6730165" y="3621170"/>
             <a:ext cx="152400" cy="836"/>
           </a:xfrm>
           <a:prstGeom prst="line">
@@ -7228,8 +7280,8 @@
           </a:fontRef>
         </p:style>
       </p:cxnSp>
-      <mc:AlternateContent xmlns:mc="http://schemas.openxmlformats.org/markup-compatibility/2006" xmlns:a14="http://schemas.microsoft.com/office/drawing/2010/main">
-        <mc:Choice Requires="a14">
+      <mc:AlternateContent xmlns:mc="http://schemas.openxmlformats.org/markup-compatibility/2006">
+        <mc:Choice xmlns:a14="http://schemas.microsoft.com/office/drawing/2010/main" Requires="a14">
           <p:sp>
             <p:nvSpPr>
               <p:cNvPr id="56" name="TextBox 55"/>
@@ -7238,7 +7290,7 @@
             </p:nvSpPr>
             <p:spPr>
               <a:xfrm>
-                <a:off x="5376251" y="2883342"/>
+                <a:off x="6205993" y="2883342"/>
                 <a:ext cx="655782" cy="369332"/>
               </a:xfrm>
               <a:prstGeom prst="rect">
@@ -7281,7 +7333,7 @@
             </p:txBody>
           </p:sp>
         </mc:Choice>
-        <mc:Fallback xmlns="">
+        <mc:Fallback>
           <p:sp>
             <p:nvSpPr>
               <p:cNvPr id="56" name="TextBox 55"/>
@@ -7292,7 +7344,7 @@
             </p:nvSpPr>
             <p:spPr>
               <a:xfrm>
-                <a:off x="5376251" y="2883342"/>
+                <a:off x="6205993" y="2883342"/>
                 <a:ext cx="655782" cy="369332"/>
               </a:xfrm>
               <a:prstGeom prst="rect">
@@ -7328,7 +7380,7 @@
         </p:nvCxnSpPr>
         <p:spPr>
           <a:xfrm>
-            <a:off x="5893489" y="3068008"/>
+            <a:off x="6723231" y="3068008"/>
             <a:ext cx="152400" cy="836"/>
           </a:xfrm>
           <a:prstGeom prst="line">
@@ -7355,8 +7407,8 @@
           </a:fontRef>
         </p:style>
       </p:cxnSp>
-      <mc:AlternateContent xmlns:mc="http://schemas.openxmlformats.org/markup-compatibility/2006" xmlns:a14="http://schemas.microsoft.com/office/drawing/2010/main">
-        <mc:Choice Requires="a14">
+      <mc:AlternateContent xmlns:mc="http://schemas.openxmlformats.org/markup-compatibility/2006">
+        <mc:Choice xmlns:a14="http://schemas.microsoft.com/office/drawing/2010/main" Requires="a14">
           <p:sp>
             <p:nvSpPr>
               <p:cNvPr id="58" name="TextBox 57"/>
@@ -7365,7 +7417,7 @@
             </p:nvSpPr>
             <p:spPr>
               <a:xfrm>
-                <a:off x="5464386" y="2379085"/>
+                <a:off x="6294128" y="2379085"/>
                 <a:ext cx="655782" cy="369332"/>
               </a:xfrm>
               <a:prstGeom prst="rect">
@@ -7402,7 +7454,7 @@
             </p:txBody>
           </p:sp>
         </mc:Choice>
-        <mc:Fallback xmlns="">
+        <mc:Fallback>
           <p:sp>
             <p:nvSpPr>
               <p:cNvPr id="58" name="TextBox 57"/>
@@ -7413,7 +7465,7 @@
             </p:nvSpPr>
             <p:spPr>
               <a:xfrm>
-                <a:off x="5464386" y="2379085"/>
+                <a:off x="6294128" y="2379085"/>
                 <a:ext cx="655782" cy="369332"/>
               </a:xfrm>
               <a:prstGeom prst="rect">
@@ -7449,7 +7501,7 @@
         </p:nvCxnSpPr>
         <p:spPr>
           <a:xfrm>
-            <a:off x="5907345" y="2563751"/>
+            <a:off x="6737087" y="2563751"/>
             <a:ext cx="152400" cy="836"/>
           </a:xfrm>
           <a:prstGeom prst="line">
@@ -7476,8 +7528,8 @@
           </a:fontRef>
         </p:style>
       </p:cxnSp>
-      <mc:AlternateContent xmlns:mc="http://schemas.openxmlformats.org/markup-compatibility/2006" xmlns:a14="http://schemas.microsoft.com/office/drawing/2010/main">
-        <mc:Choice Requires="a14">
+      <mc:AlternateContent xmlns:mc="http://schemas.openxmlformats.org/markup-compatibility/2006">
+        <mc:Choice xmlns:a14="http://schemas.microsoft.com/office/drawing/2010/main" Requires="a14">
           <p:sp>
             <p:nvSpPr>
               <p:cNvPr id="60" name="TextBox 59"/>
@@ -7486,7 +7538,7 @@
             </p:nvSpPr>
             <p:spPr>
               <a:xfrm>
-                <a:off x="5464386" y="1881342"/>
+                <a:off x="6294128" y="1881342"/>
                 <a:ext cx="655782" cy="369332"/>
               </a:xfrm>
               <a:prstGeom prst="rect">
@@ -7523,7 +7575,7 @@
             </p:txBody>
           </p:sp>
         </mc:Choice>
-        <mc:Fallback xmlns="">
+        <mc:Fallback>
           <p:sp>
             <p:nvSpPr>
               <p:cNvPr id="60" name="TextBox 59"/>
@@ -7534,7 +7586,7 @@
             </p:nvSpPr>
             <p:spPr>
               <a:xfrm>
-                <a:off x="5464386" y="1881342"/>
+                <a:off x="6294128" y="1881342"/>
                 <a:ext cx="655782" cy="369332"/>
               </a:xfrm>
               <a:prstGeom prst="rect">
@@ -7570,7 +7622,7 @@
         </p:nvCxnSpPr>
         <p:spPr>
           <a:xfrm>
-            <a:off x="5907345" y="2066008"/>
+            <a:off x="6737087" y="2066008"/>
             <a:ext cx="152400" cy="836"/>
           </a:xfrm>
           <a:prstGeom prst="line">
@@ -7597,8 +7649,8 @@
           </a:fontRef>
         </p:style>
       </p:cxnSp>
-      <mc:AlternateContent xmlns:mc="http://schemas.openxmlformats.org/markup-compatibility/2006" xmlns:a14="http://schemas.microsoft.com/office/drawing/2010/main">
-        <mc:Choice Requires="a14">
+      <mc:AlternateContent xmlns:mc="http://schemas.openxmlformats.org/markup-compatibility/2006">
+        <mc:Choice xmlns:a14="http://schemas.microsoft.com/office/drawing/2010/main" Requires="a14">
           <p:sp>
             <p:nvSpPr>
               <p:cNvPr id="62" name="TextBox 61"/>
@@ -7607,7 +7659,7 @@
             </p:nvSpPr>
             <p:spPr>
               <a:xfrm>
-                <a:off x="5464386" y="1369750"/>
+                <a:off x="6294128" y="1369750"/>
                 <a:ext cx="655782" cy="369332"/>
               </a:xfrm>
               <a:prstGeom prst="rect">
@@ -7644,7 +7696,7 @@
             </p:txBody>
           </p:sp>
         </mc:Choice>
-        <mc:Fallback xmlns="">
+        <mc:Fallback>
           <p:sp>
             <p:nvSpPr>
               <p:cNvPr id="62" name="TextBox 61"/>
@@ -7655,7 +7707,7 @@
             </p:nvSpPr>
             <p:spPr>
               <a:xfrm>
-                <a:off x="5464386" y="1369750"/>
+                <a:off x="6294128" y="1369750"/>
                 <a:ext cx="655782" cy="369332"/>
               </a:xfrm>
               <a:prstGeom prst="rect">
@@ -7691,7 +7743,7 @@
         </p:nvCxnSpPr>
         <p:spPr>
           <a:xfrm>
-            <a:off x="5907345" y="1554416"/>
+            <a:off x="6737087" y="1554416"/>
             <a:ext cx="152400" cy="836"/>
           </a:xfrm>
           <a:prstGeom prst="line">
@@ -7718,8 +7770,8 @@
           </a:fontRef>
         </p:style>
       </p:cxnSp>
-      <mc:AlternateContent xmlns:mc="http://schemas.openxmlformats.org/markup-compatibility/2006" xmlns:a14="http://schemas.microsoft.com/office/drawing/2010/main">
-        <mc:Choice Requires="a14">
+      <mc:AlternateContent xmlns:mc="http://schemas.openxmlformats.org/markup-compatibility/2006">
+        <mc:Choice xmlns:a14="http://schemas.microsoft.com/office/drawing/2010/main" Requires="a14">
           <p:sp>
             <p:nvSpPr>
               <p:cNvPr id="64" name="TextBox 63"/>
@@ -7728,7 +7780,7 @@
             </p:nvSpPr>
             <p:spPr>
               <a:xfrm>
-                <a:off x="6120168" y="4364699"/>
+                <a:off x="6949910" y="4364699"/>
                 <a:ext cx="965204" cy="379848"/>
               </a:xfrm>
               <a:prstGeom prst="rect">
@@ -7777,7 +7829,7 @@
             </p:txBody>
           </p:sp>
         </mc:Choice>
-        <mc:Fallback xmlns="">
+        <mc:Fallback>
           <p:sp>
             <p:nvSpPr>
               <p:cNvPr id="64" name="TextBox 63"/>
@@ -7788,7 +7840,7 @@
             </p:nvSpPr>
             <p:spPr>
               <a:xfrm>
-                <a:off x="6120168" y="4364699"/>
+                <a:off x="6949910" y="4364699"/>
                 <a:ext cx="965204" cy="379848"/>
               </a:xfrm>
               <a:prstGeom prst="rect">
@@ -7816,8 +7868,8 @@
           </p:sp>
         </mc:Fallback>
       </mc:AlternateContent>
-      <mc:AlternateContent xmlns:mc="http://schemas.openxmlformats.org/markup-compatibility/2006" xmlns:a14="http://schemas.microsoft.com/office/drawing/2010/main">
-        <mc:Choice Requires="a14">
+      <mc:AlternateContent xmlns:mc="http://schemas.openxmlformats.org/markup-compatibility/2006">
+        <mc:Choice xmlns:a14="http://schemas.microsoft.com/office/drawing/2010/main" Requires="a14">
           <p:sp>
             <p:nvSpPr>
               <p:cNvPr id="65" name="TextBox 64"/>
@@ -7826,7 +7878,7 @@
             </p:nvSpPr>
             <p:spPr>
               <a:xfrm>
-                <a:off x="7856222" y="4364699"/>
+                <a:off x="8685964" y="4364699"/>
                 <a:ext cx="965204" cy="379848"/>
               </a:xfrm>
               <a:prstGeom prst="rect">
@@ -7875,7 +7927,7 @@
             </p:txBody>
           </p:sp>
         </mc:Choice>
-        <mc:Fallback xmlns="">
+        <mc:Fallback>
           <p:sp>
             <p:nvSpPr>
               <p:cNvPr id="65" name="TextBox 64"/>
@@ -7886,7 +7938,7 @@
             </p:nvSpPr>
             <p:spPr>
               <a:xfrm>
-                <a:off x="7856222" y="4364699"/>
+                <a:off x="8685964" y="4364699"/>
                 <a:ext cx="965204" cy="379848"/>
               </a:xfrm>
               <a:prstGeom prst="rect">
@@ -7922,8 +7974,8 @@
         </p:nvCxnSpPr>
         <p:spPr>
           <a:xfrm>
-            <a:off x="3848100" y="2563751"/>
-            <a:ext cx="1767840" cy="0"/>
+            <a:off x="3864216" y="2556429"/>
+            <a:ext cx="2124287" cy="0"/>
           </a:xfrm>
           <a:prstGeom prst="straightConnector1">
             <a:avLst/>
@@ -7951,8 +8003,8 @@
           </a:fontRef>
         </p:style>
       </p:cxnSp>
-      <mc:AlternateContent xmlns:mc="http://schemas.openxmlformats.org/markup-compatibility/2006" xmlns:a14="http://schemas.microsoft.com/office/drawing/2010/main">
-        <mc:Choice Requires="a14">
+      <mc:AlternateContent xmlns:mc="http://schemas.openxmlformats.org/markup-compatibility/2006">
+        <mc:Choice xmlns:a14="http://schemas.microsoft.com/office/drawing/2010/main" Requires="a14">
           <p:sp>
             <p:nvSpPr>
               <p:cNvPr id="83" name="TextBox 82"/>
@@ -7961,8 +8013,8 @@
             </p:nvSpPr>
             <p:spPr>
               <a:xfrm>
-                <a:off x="5976623" y="195835"/>
-                <a:ext cx="3096492" cy="945900"/>
+                <a:off x="6813287" y="74536"/>
+                <a:ext cx="3785435" cy="981807"/>
               </a:xfrm>
               <a:prstGeom prst="rect">
                 <a:avLst/>
@@ -7978,25 +8030,82 @@
                 <a14:m>
                   <m:oMath xmlns:m="http://schemas.openxmlformats.org/officeDocument/2006/math">
                     <m:r>
+                      <a:rPr lang="en-US" sz="1400" i="1" smtClean="0">
+                        <a:latin typeface="Cambria Math" panose="02040503050406030204" pitchFamily="18" charset="0"/>
+                      </a:rPr>
+                      <m:t>𝐿</m:t>
+                    </m:r>
+                    <m:r>
+                      <a:rPr lang="en-US" sz="1400" b="0" i="1" smtClean="0">
+                        <a:latin typeface="Cambria Math" panose="02040503050406030204" pitchFamily="18" charset="0"/>
+                      </a:rPr>
+                      <m:t>𝐹𝐶𝑠</m:t>
+                    </m:r>
+                  </m:oMath>
+                </a14:m>
+                <a:r>
+                  <a:rPr lang="en-US" sz="1400" smtClean="0">
+                    <a:latin typeface="Geogrotesque Rg" panose="02000000000000000000" pitchFamily="50" charset="0"/>
+                  </a:rPr>
+                  <a:t> of targets are now </a:t>
+                </a:r>
+                <a:r>
+                  <a:rPr lang="en-US" sz="1400" smtClean="0">
+                    <a:latin typeface="Geogrotesque Rg" panose="02000000000000000000" pitchFamily="50" charset="0"/>
+                  </a:rPr>
+                  <a:t>directly visible as </a:t>
+                </a:r>
+                <a:r>
+                  <a:rPr lang="en-US" sz="1400" smtClean="0">
+                    <a:latin typeface="Geogrotesque Rg" panose="02000000000000000000" pitchFamily="50" charset="0"/>
+                  </a:rPr>
+                  <a:t>deviations from </a:t>
+                </a:r>
+                <a:r>
+                  <a:rPr lang="en-US" sz="1400" smtClean="0">
+                    <a:latin typeface="Geogrotesque Rg" panose="02000000000000000000" pitchFamily="50" charset="0"/>
+                  </a:rPr>
+                  <a:t>zero</a:t>
+                </a:r>
+                <a:r>
+                  <a:rPr lang="en-US" sz="1400" smtClean="0">
+                    <a:latin typeface="Geogrotesque Rg" panose="02000000000000000000" pitchFamily="50" charset="0"/>
+                  </a:rPr>
+                  <a:t>.</a:t>
+                </a:r>
+                <a:br>
+                  <a:rPr lang="en-US" sz="1400" smtClean="0">
+                    <a:latin typeface="Geogrotesque Rg" panose="02000000000000000000" pitchFamily="50" charset="0"/>
+                  </a:rPr>
+                </a:br>
+                <a:r>
+                  <a:rPr lang="en-US" sz="1400" smtClean="0">
+                    <a:latin typeface="Geogrotesque Rg" panose="02000000000000000000" pitchFamily="50" charset="0"/>
+                  </a:rPr>
+                  <a:t>For controls, you are observing </a:t>
+                </a:r>
+                <a14:m>
+                  <m:oMath xmlns:m="http://schemas.openxmlformats.org/officeDocument/2006/math">
+                    <m:r>
                       <m:rPr>
                         <m:sty m:val="p"/>
                       </m:rPr>
-                      <a:rPr lang="el-GR" i="1" smtClean="0">
+                      <a:rPr lang="el-GR" sz="1400" i="1">
                         <a:latin typeface="Cambria Math" panose="02040503050406030204" pitchFamily="18" charset="0"/>
                       </a:rPr>
-                      <m:t>ΔΔ</m:t>
+                      <m:t>Δ</m:t>
                     </m:r>
                     <m:sSub>
                       <m:sSubPr>
                         <m:ctrlPr>
-                          <a:rPr lang="el-GR" i="1">
+                          <a:rPr lang="el-GR" sz="1400" i="1">
                             <a:latin typeface="Cambria Math" panose="02040503050406030204" pitchFamily="18" charset="0"/>
                           </a:rPr>
                         </m:ctrlPr>
                       </m:sSubPr>
                       <m:e>
                         <m:r>
-                          <a:rPr lang="en-US" i="1">
+                          <a:rPr lang="en-US" sz="1400" i="1">
                             <a:latin typeface="Cambria Math" panose="02040503050406030204" pitchFamily="18" charset="0"/>
                           </a:rPr>
                           <m:t>𝐶</m:t>
@@ -8004,91 +8113,107 @@
                       </m:e>
                       <m:sub>
                         <m:r>
-                          <a:rPr lang="en-US" i="1">
+                          <a:rPr lang="en-US" sz="1400" i="1">
                             <a:latin typeface="Cambria Math" panose="02040503050406030204" pitchFamily="18" charset="0"/>
                           </a:rPr>
                           <m:t>𝑃</m:t>
-                        </m:r>
-                        <m:r>
-                          <a:rPr lang="en-US" b="0" i="1" smtClean="0">
-                            <a:latin typeface="Cambria Math" panose="02040503050406030204" pitchFamily="18" charset="0"/>
-                          </a:rPr>
-                          <m:t> </m:t>
                         </m:r>
                       </m:sub>
                     </m:sSub>
                   </m:oMath>
                 </a14:m>
+                <a:endParaRPr lang="en-US" sz="1400">
+                  <a:latin typeface="Geogrotesque Md" panose="02000000000000000000" pitchFamily="50" charset="0"/>
+                </a:endParaRPr>
+              </a:p>
+              <a:p>
                 <a:r>
-                  <a:rPr lang="en-US" smtClean="0">
+                  <a:rPr lang="en-US" sz="1400" smtClean="0">
                     <a:latin typeface="Geogrotesque Rg" panose="02000000000000000000" pitchFamily="50" charset="0"/>
                   </a:rPr>
-                  <a:t>is now directly visible as a deviation of </a:t>
+                  <a:t>deviations from </a:t>
                 </a:r>
                 <a14:m>
                   <m:oMath xmlns:m="http://schemas.openxmlformats.org/officeDocument/2006/math">
                     <m:r>
-                      <m:rPr>
-                        <m:sty m:val="p"/>
-                      </m:rPr>
-                      <a:rPr lang="el-GR" i="1">
+                      <a:rPr lang="en-US" sz="1400" i="1">
                         <a:latin typeface="Cambria Math" panose="02040503050406030204" pitchFamily="18" charset="0"/>
                       </a:rPr>
-                      <m:t>Δ</m:t>
+                      <m:t>𝑚𝑒𝑎𝑛</m:t>
                     </m:r>
-                    <m:sSub>
-                      <m:sSubPr>
+                    <m:d>
+                      <m:dPr>
                         <m:ctrlPr>
-                          <a:rPr lang="el-GR" i="1">
+                          <a:rPr lang="en-US" sz="1400" i="1">
                             <a:latin typeface="Cambria Math" panose="02040503050406030204" pitchFamily="18" charset="0"/>
                           </a:rPr>
                         </m:ctrlPr>
-                      </m:sSubPr>
+                      </m:dPr>
                       <m:e>
                         <m:r>
-                          <a:rPr lang="en-US" i="1">
+                          <m:rPr>
+                            <m:sty m:val="p"/>
+                          </m:rPr>
+                          <a:rPr lang="el-GR" sz="1400" i="1">
                             <a:latin typeface="Cambria Math" panose="02040503050406030204" pitchFamily="18" charset="0"/>
                           </a:rPr>
-                          <m:t>𝐶</m:t>
+                          <m:t>Δ</m:t>
                         </m:r>
+                        <m:sSub>
+                          <m:sSubPr>
+                            <m:ctrlPr>
+                              <a:rPr lang="el-GR" sz="1400" i="1">
+                                <a:latin typeface="Cambria Math" panose="02040503050406030204" pitchFamily="18" charset="0"/>
+                              </a:rPr>
+                            </m:ctrlPr>
+                          </m:sSubPr>
+                          <m:e>
+                            <m:r>
+                              <a:rPr lang="en-US" sz="1400" i="1">
+                                <a:latin typeface="Cambria Math" panose="02040503050406030204" pitchFamily="18" charset="0"/>
+                              </a:rPr>
+                              <m:t>𝐶</m:t>
+                            </m:r>
+                          </m:e>
+                          <m:sub>
+                            <m:r>
+                              <a:rPr lang="en-US" sz="1400" i="1">
+                                <a:latin typeface="Cambria Math" panose="02040503050406030204" pitchFamily="18" charset="0"/>
+                              </a:rPr>
+                              <m:t>𝑃</m:t>
+                            </m:r>
+                            <m:r>
+                              <a:rPr lang="en-US" sz="1400" i="1">
+                                <a:latin typeface="Cambria Math" panose="02040503050406030204" pitchFamily="18" charset="0"/>
+                              </a:rPr>
+                              <m:t>,</m:t>
+                            </m:r>
+                            <m:r>
+                              <a:rPr lang="en-US" sz="1400" i="1">
+                                <a:latin typeface="Cambria Math" panose="02040503050406030204" pitchFamily="18" charset="0"/>
+                              </a:rPr>
+                              <m:t>𝑐𝑜𝑛𝑡𝑟𝑜𝑙</m:t>
+                            </m:r>
+                          </m:sub>
+                        </m:sSub>
                       </m:e>
-                      <m:sub>
-                        <m:r>
-                          <a:rPr lang="en-US" i="1">
-                            <a:latin typeface="Cambria Math" panose="02040503050406030204" pitchFamily="18" charset="0"/>
-                          </a:rPr>
-                          <m:t>𝑃</m:t>
-                        </m:r>
-                        <m:r>
-                          <a:rPr lang="en-US" b="0" i="1" smtClean="0">
-                            <a:latin typeface="Cambria Math" panose="02040503050406030204" pitchFamily="18" charset="0"/>
-                          </a:rPr>
-                          <m:t>,</m:t>
-                        </m:r>
-                        <m:r>
-                          <a:rPr lang="en-US" b="0" i="1" smtClean="0">
-                            <a:latin typeface="Cambria Math" panose="02040503050406030204" pitchFamily="18" charset="0"/>
-                          </a:rPr>
-                          <m:t>𝑡𝑎𝑟𝑔𝑒𝑡</m:t>
-                        </m:r>
-                      </m:sub>
-                    </m:sSub>
+                    </m:d>
                   </m:oMath>
                 </a14:m>
                 <a:r>
-                  <a:rPr lang="en-US" smtClean="0">
+                  <a:rPr lang="en-US" sz="1400" smtClean="0">
                     <a:latin typeface="Geogrotesque Rg" panose="02000000000000000000" pitchFamily="50" charset="0"/>
                   </a:rPr>
-                  <a:t> from zero.</a:t>
+                  <a:t>. </a:t>
                 </a:r>
-                <a:endParaRPr lang="en-US">
+                <a:endParaRPr lang="en-US" sz="1400">
                   <a:latin typeface="Geogrotesque Rg" panose="02000000000000000000" pitchFamily="50" charset="0"/>
                 </a:endParaRPr>
               </a:p>
             </p:txBody>
           </p:sp>
         </mc:Choice>
-        <mc:Fallback xmlns="">
+        <mc:Fallback>
           <p:sp>
             <p:nvSpPr>
               <p:cNvPr id="83" name="TextBox 82"/>
@@ -8099,8 +8224,8 @@
             </p:nvSpPr>
             <p:spPr>
               <a:xfrm>
-                <a:off x="5976623" y="195835"/>
-                <a:ext cx="3096492" cy="945900"/>
+                <a:off x="6813287" y="74536"/>
+                <a:ext cx="3785435" cy="981807"/>
               </a:xfrm>
               <a:prstGeom prst="rect">
                 <a:avLst/>
@@ -8108,7 +8233,7 @@
               <a:blipFill>
                 <a:blip r:embed="rId20"/>
                 <a:stretch>
-                  <a:fillRect l="-1575" t="-2581" r="-394" b="-10323"/>
+                  <a:fillRect l="-483" t="-1242" b="-4969"/>
                 </a:stretch>
               </a:blipFill>
             </p:spPr>
@@ -8127,8 +8252,8 @@
           </p:sp>
         </mc:Fallback>
       </mc:AlternateContent>
-      <mc:AlternateContent xmlns:mc="http://schemas.openxmlformats.org/markup-compatibility/2006" xmlns:a14="http://schemas.microsoft.com/office/drawing/2010/main">
-        <mc:Choice Requires="a14">
+      <mc:AlternateContent xmlns:mc="http://schemas.openxmlformats.org/markup-compatibility/2006">
+        <mc:Choice xmlns:a14="http://schemas.microsoft.com/office/drawing/2010/main" Requires="a14">
           <p:sp>
             <p:nvSpPr>
               <p:cNvPr id="84" name="TextBox 83"/>
@@ -8137,8 +8262,8 @@
             </p:nvSpPr>
             <p:spPr>
               <a:xfrm>
-                <a:off x="3664042" y="2201495"/>
-                <a:ext cx="2194997" cy="317203"/>
+                <a:off x="3444297" y="2166512"/>
+                <a:ext cx="2964127" cy="335476"/>
               </a:xfrm>
               <a:prstGeom prst="rect">
                 <a:avLst/>
@@ -8158,6 +8283,12 @@
                       <m:jc m:val="centerGroup"/>
                     </m:oMathParaPr>
                     <m:oMath xmlns:m="http://schemas.openxmlformats.org/officeDocument/2006/math">
+                      <m:r>
+                        <a:rPr lang="en-US" sz="1400" b="0" i="1" smtClean="0">
+                          <a:latin typeface="Cambria Math" panose="02040503050406030204" pitchFamily="18" charset="0"/>
+                        </a:rPr>
+                        <m:t>−(</m:t>
+                      </m:r>
                       <m:r>
                         <m:rPr>
                           <m:sty m:val="p"/>
@@ -8204,58 +8335,63 @@
                         </a:rPr>
                         <m:t>𝑚𝑒𝑎𝑛</m:t>
                       </m:r>
-                      <m:r>
-                        <a:rPr lang="en-US" sz="1400" b="0" i="1" smtClean="0">
-                          <a:latin typeface="Cambria Math" panose="02040503050406030204" pitchFamily="18" charset="0"/>
-                        </a:rPr>
-                        <m:t>(</m:t>
-                      </m:r>
-                      <m:r>
-                        <m:rPr>
-                          <m:sty m:val="p"/>
-                        </m:rPr>
-                        <a:rPr lang="el-GR" sz="1400" i="1">
-                          <a:latin typeface="Cambria Math" panose="02040503050406030204" pitchFamily="18" charset="0"/>
-                        </a:rPr>
-                        <m:t>Δ</m:t>
-                      </m:r>
-                      <m:sSub>
-                        <m:sSubPr>
+                      <m:d>
+                        <m:dPr>
                           <m:ctrlPr>
+                            <a:rPr lang="en-US" sz="1400" b="0" i="1" smtClean="0">
+                              <a:latin typeface="Cambria Math" panose="02040503050406030204" pitchFamily="18" charset="0"/>
+                            </a:rPr>
+                          </m:ctrlPr>
+                        </m:dPr>
+                        <m:e>
+                          <m:r>
+                            <m:rPr>
+                              <m:sty m:val="p"/>
+                            </m:rPr>
                             <a:rPr lang="el-GR" sz="1400" i="1">
                               <a:latin typeface="Cambria Math" panose="02040503050406030204" pitchFamily="18" charset="0"/>
                             </a:rPr>
-                          </m:ctrlPr>
-                        </m:sSubPr>
-                        <m:e>
-                          <m:r>
-                            <a:rPr lang="en-US" sz="1400" i="1">
-                              <a:latin typeface="Cambria Math" panose="02040503050406030204" pitchFamily="18" charset="0"/>
-                            </a:rPr>
-                            <m:t>𝐶</m:t>
+                            <m:t>Δ</m:t>
                           </m:r>
+                          <m:sSub>
+                            <m:sSubPr>
+                              <m:ctrlPr>
+                                <a:rPr lang="el-GR" sz="1400" i="1">
+                                  <a:latin typeface="Cambria Math" panose="02040503050406030204" pitchFamily="18" charset="0"/>
+                                </a:rPr>
+                              </m:ctrlPr>
+                            </m:sSubPr>
+                            <m:e>
+                              <m:r>
+                                <a:rPr lang="en-US" sz="1400" i="1">
+                                  <a:latin typeface="Cambria Math" panose="02040503050406030204" pitchFamily="18" charset="0"/>
+                                </a:rPr>
+                                <m:t>𝐶</m:t>
+                              </m:r>
+                            </m:e>
+                            <m:sub>
+                              <m:r>
+                                <a:rPr lang="en-US" sz="1400" i="1">
+                                  <a:latin typeface="Cambria Math" panose="02040503050406030204" pitchFamily="18" charset="0"/>
+                                </a:rPr>
+                                <m:t>𝑃</m:t>
+                              </m:r>
+                              <m:r>
+                                <a:rPr lang="en-US" sz="1400" b="0" i="1" smtClean="0">
+                                  <a:latin typeface="Cambria Math" panose="02040503050406030204" pitchFamily="18" charset="0"/>
+                                </a:rPr>
+                                <m:t>,</m:t>
+                              </m:r>
+                              <m:r>
+                                <a:rPr lang="en-US" sz="1400" b="0" i="1" smtClean="0">
+                                  <a:latin typeface="Cambria Math" panose="02040503050406030204" pitchFamily="18" charset="0"/>
+                                </a:rPr>
+                                <m:t>𝑐𝑜𝑛𝑡𝑟𝑜𝑙</m:t>
+                              </m:r>
+                            </m:sub>
+                          </m:sSub>
                         </m:e>
-                        <m:sub>
-                          <m:r>
-                            <a:rPr lang="en-US" sz="1400" i="1">
-                              <a:latin typeface="Cambria Math" panose="02040503050406030204" pitchFamily="18" charset="0"/>
-                            </a:rPr>
-                            <m:t>𝑃</m:t>
-                          </m:r>
-                          <m:r>
-                            <a:rPr lang="en-US" sz="1400" b="0" i="1" smtClean="0">
-                              <a:latin typeface="Cambria Math" panose="02040503050406030204" pitchFamily="18" charset="0"/>
-                            </a:rPr>
-                            <m:t>,</m:t>
-                          </m:r>
-                          <m:r>
-                            <a:rPr lang="en-US" sz="1400" b="0" i="1" smtClean="0">
-                              <a:latin typeface="Cambria Math" panose="02040503050406030204" pitchFamily="18" charset="0"/>
-                            </a:rPr>
-                            <m:t>𝑐𝑜𝑛𝑡𝑟𝑜𝑙</m:t>
-                          </m:r>
-                        </m:sub>
-                      </m:sSub>
+                      </m:d>
                       <m:r>
                         <a:rPr lang="en-US" sz="1400" b="0" i="1" smtClean="0">
                           <a:latin typeface="Cambria Math" panose="02040503050406030204" pitchFamily="18" charset="0"/>
@@ -8272,7 +8408,7 @@
             </p:txBody>
           </p:sp>
         </mc:Choice>
-        <mc:Fallback xmlns="">
+        <mc:Fallback>
           <p:sp>
             <p:nvSpPr>
               <p:cNvPr id="84" name="TextBox 83"/>
@@ -8283,8 +8419,8 @@
             </p:nvSpPr>
             <p:spPr>
               <a:xfrm>
-                <a:off x="3664042" y="2201495"/>
-                <a:ext cx="2194997" cy="317203"/>
+                <a:off x="3444297" y="2166512"/>
+                <a:ext cx="2964127" cy="335476"/>
               </a:xfrm>
               <a:prstGeom prst="rect">
                 <a:avLst/>
@@ -8292,7 +8428,7 @@
               <a:blipFill>
                 <a:blip r:embed="rId21"/>
                 <a:stretch>
-                  <a:fillRect b="-5769"/>
+                  <a:fillRect b="-3636"/>
                 </a:stretch>
               </a:blipFill>
             </p:spPr>
@@ -8311,178 +8447,193 @@
           </p:sp>
         </mc:Fallback>
       </mc:AlternateContent>
-      <p:sp>
-        <p:nvSpPr>
-          <p:cNvPr id="99" name="Oval 98"/>
-          <p:cNvSpPr/>
+      <p:grpSp>
+        <p:nvGrpSpPr>
+          <p:cNvPr id="3" name="Group 2"/>
+          <p:cNvGrpSpPr/>
           <p:nvPr/>
-        </p:nvSpPr>
-        <p:spPr>
-          <a:xfrm>
-            <a:off x="6380560" y="2904012"/>
-            <a:ext cx="108000" cy="108000"/>
+        </p:nvGrpSpPr>
+        <p:grpSpPr>
+          <a:xfrm flipV="1">
+            <a:off x="7184200" y="1991928"/>
+            <a:ext cx="585002" cy="1020084"/>
+            <a:chOff x="7184200" y="1991928"/>
+            <a:chExt cx="585002" cy="1020084"/>
           </a:xfrm>
-          <a:prstGeom prst="ellipse">
-            <a:avLst/>
-          </a:prstGeom>
-          <a:solidFill>
-            <a:srgbClr val="0070C0"/>
-          </a:solidFill>
-        </p:spPr>
-        <p:style>
-          <a:lnRef idx="2">
-            <a:schemeClr val="accent1">
-              <a:shade val="50000"/>
-            </a:schemeClr>
-          </a:lnRef>
-          <a:fillRef idx="1">
-            <a:schemeClr val="accent1"/>
-          </a:fillRef>
-          <a:effectRef idx="0">
-            <a:schemeClr val="accent1"/>
-          </a:effectRef>
-          <a:fontRef idx="minor">
-            <a:schemeClr val="lt1"/>
-          </a:fontRef>
-        </p:style>
-        <p:txBody>
-          <a:bodyPr rtlCol="0" anchor="ctr"/>
-          <a:lstStyle/>
-          <a:p>
-            <a:pPr algn="ctr"/>
-            <a:endParaRPr lang="en-US"/>
-          </a:p>
-        </p:txBody>
-      </p:sp>
-      <p:sp>
-        <p:nvSpPr>
-          <p:cNvPr id="100" name="Oval 99"/>
-          <p:cNvSpPr/>
-          <p:nvPr/>
-        </p:nvSpPr>
-        <p:spPr>
-          <a:xfrm>
-            <a:off x="6504165" y="2326735"/>
-            <a:ext cx="108000" cy="108000"/>
-          </a:xfrm>
-          <a:prstGeom prst="ellipse">
-            <a:avLst/>
-          </a:prstGeom>
-          <a:solidFill>
-            <a:srgbClr val="0070C0"/>
-          </a:solidFill>
-        </p:spPr>
-        <p:style>
-          <a:lnRef idx="2">
-            <a:schemeClr val="accent1">
-              <a:shade val="50000"/>
-            </a:schemeClr>
-          </a:lnRef>
-          <a:fillRef idx="1">
-            <a:schemeClr val="accent1"/>
-          </a:fillRef>
-          <a:effectRef idx="0">
-            <a:schemeClr val="accent1"/>
-          </a:effectRef>
-          <a:fontRef idx="minor">
-            <a:schemeClr val="lt1"/>
-          </a:fontRef>
-        </p:style>
-        <p:txBody>
-          <a:bodyPr rtlCol="0" anchor="ctr"/>
-          <a:lstStyle/>
-          <a:p>
-            <a:pPr algn="ctr"/>
-            <a:endParaRPr lang="en-US"/>
-          </a:p>
-        </p:txBody>
-      </p:sp>
-      <p:sp>
-        <p:nvSpPr>
-          <p:cNvPr id="101" name="Oval 100"/>
-          <p:cNvSpPr/>
-          <p:nvPr/>
-        </p:nvSpPr>
-        <p:spPr>
-          <a:xfrm>
-            <a:off x="6354458" y="1991928"/>
-            <a:ext cx="108000" cy="108000"/>
-          </a:xfrm>
-          <a:prstGeom prst="ellipse">
-            <a:avLst/>
-          </a:prstGeom>
-          <a:solidFill>
-            <a:srgbClr val="0070C0"/>
-          </a:solidFill>
-        </p:spPr>
-        <p:style>
-          <a:lnRef idx="2">
-            <a:schemeClr val="accent1">
-              <a:shade val="50000"/>
-            </a:schemeClr>
-          </a:lnRef>
-          <a:fillRef idx="1">
-            <a:schemeClr val="accent1"/>
-          </a:fillRef>
-          <a:effectRef idx="0">
-            <a:schemeClr val="accent1"/>
-          </a:effectRef>
-          <a:fontRef idx="minor">
-            <a:schemeClr val="lt1"/>
-          </a:fontRef>
-        </p:style>
-        <p:txBody>
-          <a:bodyPr rtlCol="0" anchor="ctr"/>
-          <a:lstStyle/>
-          <a:p>
-            <a:pPr algn="ctr"/>
-            <a:endParaRPr lang="en-US"/>
-          </a:p>
-        </p:txBody>
-      </p:sp>
-      <p:sp>
-        <p:nvSpPr>
-          <p:cNvPr id="102" name="Oval 101"/>
-          <p:cNvSpPr/>
-          <p:nvPr/>
-        </p:nvSpPr>
-        <p:spPr>
-          <a:xfrm>
-            <a:off x="6831460" y="2176594"/>
-            <a:ext cx="108000" cy="108000"/>
-          </a:xfrm>
-          <a:prstGeom prst="ellipse">
-            <a:avLst/>
-          </a:prstGeom>
-          <a:solidFill>
-            <a:srgbClr val="0070C0"/>
-          </a:solidFill>
-        </p:spPr>
-        <p:style>
-          <a:lnRef idx="2">
-            <a:schemeClr val="accent1">
-              <a:shade val="50000"/>
-            </a:schemeClr>
-          </a:lnRef>
-          <a:fillRef idx="1">
-            <a:schemeClr val="accent1"/>
-          </a:fillRef>
-          <a:effectRef idx="0">
-            <a:schemeClr val="accent1"/>
-          </a:effectRef>
-          <a:fontRef idx="minor">
-            <a:schemeClr val="lt1"/>
-          </a:fontRef>
-        </p:style>
-        <p:txBody>
-          <a:bodyPr rtlCol="0" anchor="ctr"/>
-          <a:lstStyle/>
-          <a:p>
-            <a:pPr algn="ctr"/>
-            <a:endParaRPr lang="en-US"/>
-          </a:p>
-        </p:txBody>
-      </p:sp>
+        </p:grpSpPr>
+        <p:sp>
+          <p:nvSpPr>
+            <p:cNvPr id="99" name="Oval 98"/>
+            <p:cNvSpPr/>
+            <p:nvPr/>
+          </p:nvSpPr>
+          <p:spPr>
+            <a:xfrm>
+              <a:off x="7210302" y="2904012"/>
+              <a:ext cx="108000" cy="108000"/>
+            </a:xfrm>
+            <a:prstGeom prst="ellipse">
+              <a:avLst/>
+            </a:prstGeom>
+            <a:solidFill>
+              <a:srgbClr val="0070C0"/>
+            </a:solidFill>
+          </p:spPr>
+          <p:style>
+            <a:lnRef idx="2">
+              <a:schemeClr val="accent1">
+                <a:shade val="50000"/>
+              </a:schemeClr>
+            </a:lnRef>
+            <a:fillRef idx="1">
+              <a:schemeClr val="accent1"/>
+            </a:fillRef>
+            <a:effectRef idx="0">
+              <a:schemeClr val="accent1"/>
+            </a:effectRef>
+            <a:fontRef idx="minor">
+              <a:schemeClr val="lt1"/>
+            </a:fontRef>
+          </p:style>
+          <p:txBody>
+            <a:bodyPr rtlCol="0" anchor="ctr"/>
+            <a:lstStyle/>
+            <a:p>
+              <a:pPr algn="ctr"/>
+              <a:endParaRPr lang="en-US"/>
+            </a:p>
+          </p:txBody>
+        </p:sp>
+        <p:sp>
+          <p:nvSpPr>
+            <p:cNvPr id="100" name="Oval 99"/>
+            <p:cNvSpPr/>
+            <p:nvPr/>
+          </p:nvSpPr>
+          <p:spPr>
+            <a:xfrm>
+              <a:off x="7333907" y="2326735"/>
+              <a:ext cx="108000" cy="108000"/>
+            </a:xfrm>
+            <a:prstGeom prst="ellipse">
+              <a:avLst/>
+            </a:prstGeom>
+            <a:solidFill>
+              <a:srgbClr val="0070C0"/>
+            </a:solidFill>
+          </p:spPr>
+          <p:style>
+            <a:lnRef idx="2">
+              <a:schemeClr val="accent1">
+                <a:shade val="50000"/>
+              </a:schemeClr>
+            </a:lnRef>
+            <a:fillRef idx="1">
+              <a:schemeClr val="accent1"/>
+            </a:fillRef>
+            <a:effectRef idx="0">
+              <a:schemeClr val="accent1"/>
+            </a:effectRef>
+            <a:fontRef idx="minor">
+              <a:schemeClr val="lt1"/>
+            </a:fontRef>
+          </p:style>
+          <p:txBody>
+            <a:bodyPr rtlCol="0" anchor="ctr"/>
+            <a:lstStyle/>
+            <a:p>
+              <a:pPr algn="ctr"/>
+              <a:endParaRPr lang="en-US"/>
+            </a:p>
+          </p:txBody>
+        </p:sp>
+        <p:sp>
+          <p:nvSpPr>
+            <p:cNvPr id="101" name="Oval 100"/>
+            <p:cNvSpPr/>
+            <p:nvPr/>
+          </p:nvSpPr>
+          <p:spPr>
+            <a:xfrm>
+              <a:off x="7184200" y="1991928"/>
+              <a:ext cx="108000" cy="108000"/>
+            </a:xfrm>
+            <a:prstGeom prst="ellipse">
+              <a:avLst/>
+            </a:prstGeom>
+            <a:solidFill>
+              <a:srgbClr val="0070C0"/>
+            </a:solidFill>
+          </p:spPr>
+          <p:style>
+            <a:lnRef idx="2">
+              <a:schemeClr val="accent1">
+                <a:shade val="50000"/>
+              </a:schemeClr>
+            </a:lnRef>
+            <a:fillRef idx="1">
+              <a:schemeClr val="accent1"/>
+            </a:fillRef>
+            <a:effectRef idx="0">
+              <a:schemeClr val="accent1"/>
+            </a:effectRef>
+            <a:fontRef idx="minor">
+              <a:schemeClr val="lt1"/>
+            </a:fontRef>
+          </p:style>
+          <p:txBody>
+            <a:bodyPr rtlCol="0" anchor="ctr"/>
+            <a:lstStyle/>
+            <a:p>
+              <a:pPr algn="ctr"/>
+              <a:endParaRPr lang="en-US"/>
+            </a:p>
+          </p:txBody>
+        </p:sp>
+        <p:sp>
+          <p:nvSpPr>
+            <p:cNvPr id="102" name="Oval 101"/>
+            <p:cNvSpPr/>
+            <p:nvPr/>
+          </p:nvSpPr>
+          <p:spPr>
+            <a:xfrm>
+              <a:off x="7661202" y="2176594"/>
+              <a:ext cx="108000" cy="108000"/>
+            </a:xfrm>
+            <a:prstGeom prst="ellipse">
+              <a:avLst/>
+            </a:prstGeom>
+            <a:solidFill>
+              <a:srgbClr val="0070C0"/>
+            </a:solidFill>
+          </p:spPr>
+          <p:style>
+            <a:lnRef idx="2">
+              <a:schemeClr val="accent1">
+                <a:shade val="50000"/>
+              </a:schemeClr>
+            </a:lnRef>
+            <a:fillRef idx="1">
+              <a:schemeClr val="accent1"/>
+            </a:fillRef>
+            <a:effectRef idx="0">
+              <a:schemeClr val="accent1"/>
+            </a:effectRef>
+            <a:fontRef idx="minor">
+              <a:schemeClr val="lt1"/>
+            </a:fontRef>
+          </p:style>
+          <p:txBody>
+            <a:bodyPr rtlCol="0" anchor="ctr"/>
+            <a:lstStyle/>
+            <a:p>
+              <a:pPr algn="ctr"/>
+              <a:endParaRPr lang="en-US"/>
+            </a:p>
+          </p:txBody>
+        </p:sp>
+      </p:grpSp>
       <p:cxnSp>
         <p:nvCxnSpPr>
           <p:cNvPr id="103" name="Straight Connector 102"/>
@@ -8491,7 +8642,7 @@
         </p:nvCxnSpPr>
         <p:spPr>
           <a:xfrm>
-            <a:off x="6268509" y="2557520"/>
+            <a:off x="7098251" y="2557520"/>
             <a:ext cx="615482" cy="0"/>
           </a:xfrm>
           <a:prstGeom prst="line">
@@ -8518,178 +8669,193 @@
           </a:fontRef>
         </p:style>
       </p:cxnSp>
-      <p:sp>
-        <p:nvSpPr>
-          <p:cNvPr id="104" name="Oval 103"/>
-          <p:cNvSpPr/>
+      <p:grpSp>
+        <p:nvGrpSpPr>
+          <p:cNvPr id="4" name="Group 3"/>
+          <p:cNvGrpSpPr/>
           <p:nvPr/>
-        </p:nvSpPr>
-        <p:spPr>
-          <a:xfrm>
-            <a:off x="8622513" y="3757316"/>
-            <a:ext cx="108000" cy="108000"/>
+        </p:nvGrpSpPr>
+        <p:grpSpPr>
+          <a:xfrm flipV="1">
+            <a:off x="8998773" y="1002343"/>
+            <a:ext cx="561482" cy="1169635"/>
+            <a:chOff x="8998773" y="1002343"/>
+            <a:chExt cx="561482" cy="1169635"/>
           </a:xfrm>
-          <a:prstGeom prst="ellipse">
-            <a:avLst/>
-          </a:prstGeom>
-          <a:solidFill>
-            <a:srgbClr val="00B050"/>
-          </a:solidFill>
-        </p:spPr>
-        <p:style>
-          <a:lnRef idx="2">
-            <a:schemeClr val="accent1">
-              <a:shade val="50000"/>
-            </a:schemeClr>
-          </a:lnRef>
-          <a:fillRef idx="1">
-            <a:schemeClr val="accent1"/>
-          </a:fillRef>
-          <a:effectRef idx="0">
-            <a:schemeClr val="accent1"/>
-          </a:effectRef>
-          <a:fontRef idx="minor">
-            <a:schemeClr val="lt1"/>
-          </a:fontRef>
-        </p:style>
-        <p:txBody>
-          <a:bodyPr rtlCol="0" anchor="ctr"/>
-          <a:lstStyle/>
-          <a:p>
-            <a:pPr algn="ctr"/>
-            <a:endParaRPr lang="en-US"/>
-          </a:p>
-        </p:txBody>
-      </p:sp>
-      <p:sp>
-        <p:nvSpPr>
-          <p:cNvPr id="105" name="Oval 104"/>
-          <p:cNvSpPr/>
-          <p:nvPr/>
-        </p:nvSpPr>
-        <p:spPr>
-          <a:xfrm>
-            <a:off x="8169031" y="3185929"/>
-            <a:ext cx="108000" cy="108000"/>
-          </a:xfrm>
-          <a:prstGeom prst="ellipse">
-            <a:avLst/>
-          </a:prstGeom>
-          <a:solidFill>
-            <a:srgbClr val="00B050"/>
-          </a:solidFill>
-        </p:spPr>
-        <p:style>
-          <a:lnRef idx="2">
-            <a:schemeClr val="accent1">
-              <a:shade val="50000"/>
-            </a:schemeClr>
-          </a:lnRef>
-          <a:fillRef idx="1">
-            <a:schemeClr val="accent1"/>
-          </a:fillRef>
-          <a:effectRef idx="0">
-            <a:schemeClr val="accent1"/>
-          </a:effectRef>
-          <a:fontRef idx="minor">
-            <a:schemeClr val="lt1"/>
-          </a:fontRef>
-        </p:style>
-        <p:txBody>
-          <a:bodyPr rtlCol="0" anchor="ctr"/>
-          <a:lstStyle/>
-          <a:p>
-            <a:pPr algn="ctr"/>
-            <a:endParaRPr lang="en-US"/>
-          </a:p>
-        </p:txBody>
-      </p:sp>
-      <p:sp>
-        <p:nvSpPr>
-          <p:cNvPr id="106" name="Oval 105"/>
-          <p:cNvSpPr/>
-          <p:nvPr/>
-        </p:nvSpPr>
-        <p:spPr>
-          <a:xfrm>
-            <a:off x="8202639" y="2695681"/>
-            <a:ext cx="108000" cy="108000"/>
-          </a:xfrm>
-          <a:prstGeom prst="ellipse">
-            <a:avLst/>
-          </a:prstGeom>
-          <a:solidFill>
-            <a:srgbClr val="00B050"/>
-          </a:solidFill>
-        </p:spPr>
-        <p:style>
-          <a:lnRef idx="2">
-            <a:schemeClr val="accent1">
-              <a:shade val="50000"/>
-            </a:schemeClr>
-          </a:lnRef>
-          <a:fillRef idx="1">
-            <a:schemeClr val="accent1"/>
-          </a:fillRef>
-          <a:effectRef idx="0">
-            <a:schemeClr val="accent1"/>
-          </a:effectRef>
-          <a:fontRef idx="minor">
-            <a:schemeClr val="lt1"/>
-          </a:fontRef>
-        </p:style>
-        <p:txBody>
-          <a:bodyPr rtlCol="0" anchor="ctr"/>
-          <a:lstStyle/>
-          <a:p>
-            <a:pPr algn="ctr"/>
-            <a:endParaRPr lang="en-US"/>
-          </a:p>
-        </p:txBody>
-      </p:sp>
-      <p:sp>
-        <p:nvSpPr>
-          <p:cNvPr id="107" name="Oval 106"/>
-          <p:cNvSpPr/>
-          <p:nvPr/>
-        </p:nvSpPr>
-        <p:spPr>
-          <a:xfrm>
-            <a:off x="8444823" y="2956333"/>
-            <a:ext cx="108000" cy="108000"/>
-          </a:xfrm>
-          <a:prstGeom prst="ellipse">
-            <a:avLst/>
-          </a:prstGeom>
-          <a:solidFill>
-            <a:srgbClr val="00B050"/>
-          </a:solidFill>
-        </p:spPr>
-        <p:style>
-          <a:lnRef idx="2">
-            <a:schemeClr val="accent1">
-              <a:shade val="50000"/>
-            </a:schemeClr>
-          </a:lnRef>
-          <a:fillRef idx="1">
-            <a:schemeClr val="accent1"/>
-          </a:fillRef>
-          <a:effectRef idx="0">
-            <a:schemeClr val="accent1"/>
-          </a:effectRef>
-          <a:fontRef idx="minor">
-            <a:schemeClr val="lt1"/>
-          </a:fontRef>
-        </p:style>
-        <p:txBody>
-          <a:bodyPr rtlCol="0" anchor="ctr"/>
-          <a:lstStyle/>
-          <a:p>
-            <a:pPr algn="ctr"/>
-            <a:endParaRPr lang="en-US"/>
-          </a:p>
-        </p:txBody>
-      </p:sp>
+        </p:grpSpPr>
+        <p:sp>
+          <p:nvSpPr>
+            <p:cNvPr id="104" name="Oval 103"/>
+            <p:cNvSpPr/>
+            <p:nvPr/>
+          </p:nvSpPr>
+          <p:spPr>
+            <a:xfrm>
+              <a:off x="9452255" y="2063978"/>
+              <a:ext cx="108000" cy="108000"/>
+            </a:xfrm>
+            <a:prstGeom prst="ellipse">
+              <a:avLst/>
+            </a:prstGeom>
+            <a:solidFill>
+              <a:srgbClr val="00B050"/>
+            </a:solidFill>
+          </p:spPr>
+          <p:style>
+            <a:lnRef idx="2">
+              <a:schemeClr val="accent1">
+                <a:shade val="50000"/>
+              </a:schemeClr>
+            </a:lnRef>
+            <a:fillRef idx="1">
+              <a:schemeClr val="accent1"/>
+            </a:fillRef>
+            <a:effectRef idx="0">
+              <a:schemeClr val="accent1"/>
+            </a:effectRef>
+            <a:fontRef idx="minor">
+              <a:schemeClr val="lt1"/>
+            </a:fontRef>
+          </p:style>
+          <p:txBody>
+            <a:bodyPr rtlCol="0" anchor="ctr"/>
+            <a:lstStyle/>
+            <a:p>
+              <a:pPr algn="ctr"/>
+              <a:endParaRPr lang="en-US"/>
+            </a:p>
+          </p:txBody>
+        </p:sp>
+        <p:sp>
+          <p:nvSpPr>
+            <p:cNvPr id="105" name="Oval 104"/>
+            <p:cNvSpPr/>
+            <p:nvPr/>
+          </p:nvSpPr>
+          <p:spPr>
+            <a:xfrm>
+              <a:off x="8998773" y="1492591"/>
+              <a:ext cx="108000" cy="108000"/>
+            </a:xfrm>
+            <a:prstGeom prst="ellipse">
+              <a:avLst/>
+            </a:prstGeom>
+            <a:solidFill>
+              <a:srgbClr val="00B050"/>
+            </a:solidFill>
+          </p:spPr>
+          <p:style>
+            <a:lnRef idx="2">
+              <a:schemeClr val="accent1">
+                <a:shade val="50000"/>
+              </a:schemeClr>
+            </a:lnRef>
+            <a:fillRef idx="1">
+              <a:schemeClr val="accent1"/>
+            </a:fillRef>
+            <a:effectRef idx="0">
+              <a:schemeClr val="accent1"/>
+            </a:effectRef>
+            <a:fontRef idx="minor">
+              <a:schemeClr val="lt1"/>
+            </a:fontRef>
+          </p:style>
+          <p:txBody>
+            <a:bodyPr rtlCol="0" anchor="ctr"/>
+            <a:lstStyle/>
+            <a:p>
+              <a:pPr algn="ctr"/>
+              <a:endParaRPr lang="en-US"/>
+            </a:p>
+          </p:txBody>
+        </p:sp>
+        <p:sp>
+          <p:nvSpPr>
+            <p:cNvPr id="106" name="Oval 105"/>
+            <p:cNvSpPr/>
+            <p:nvPr/>
+          </p:nvSpPr>
+          <p:spPr>
+            <a:xfrm>
+              <a:off x="9032381" y="1002343"/>
+              <a:ext cx="108000" cy="108000"/>
+            </a:xfrm>
+            <a:prstGeom prst="ellipse">
+              <a:avLst/>
+            </a:prstGeom>
+            <a:solidFill>
+              <a:srgbClr val="00B050"/>
+            </a:solidFill>
+          </p:spPr>
+          <p:style>
+            <a:lnRef idx="2">
+              <a:schemeClr val="accent1">
+                <a:shade val="50000"/>
+              </a:schemeClr>
+            </a:lnRef>
+            <a:fillRef idx="1">
+              <a:schemeClr val="accent1"/>
+            </a:fillRef>
+            <a:effectRef idx="0">
+              <a:schemeClr val="accent1"/>
+            </a:effectRef>
+            <a:fontRef idx="minor">
+              <a:schemeClr val="lt1"/>
+            </a:fontRef>
+          </p:style>
+          <p:txBody>
+            <a:bodyPr rtlCol="0" anchor="ctr"/>
+            <a:lstStyle/>
+            <a:p>
+              <a:pPr algn="ctr"/>
+              <a:endParaRPr lang="en-US"/>
+            </a:p>
+          </p:txBody>
+        </p:sp>
+        <p:sp>
+          <p:nvSpPr>
+            <p:cNvPr id="107" name="Oval 106"/>
+            <p:cNvSpPr/>
+            <p:nvPr/>
+          </p:nvSpPr>
+          <p:spPr>
+            <a:xfrm>
+              <a:off x="9274565" y="1262995"/>
+              <a:ext cx="108000" cy="108000"/>
+            </a:xfrm>
+            <a:prstGeom prst="ellipse">
+              <a:avLst/>
+            </a:prstGeom>
+            <a:solidFill>
+              <a:srgbClr val="00B050"/>
+            </a:solidFill>
+          </p:spPr>
+          <p:style>
+            <a:lnRef idx="2">
+              <a:schemeClr val="accent1">
+                <a:shade val="50000"/>
+              </a:schemeClr>
+            </a:lnRef>
+            <a:fillRef idx="1">
+              <a:schemeClr val="accent1"/>
+            </a:fillRef>
+            <a:effectRef idx="0">
+              <a:schemeClr val="accent1"/>
+            </a:effectRef>
+            <a:fontRef idx="minor">
+              <a:schemeClr val="lt1"/>
+            </a:fontRef>
+          </p:style>
+          <p:txBody>
+            <a:bodyPr rtlCol="0" anchor="ctr"/>
+            <a:lstStyle/>
+            <a:p>
+              <a:pPr algn="ctr"/>
+              <a:endParaRPr lang="en-US"/>
+            </a:p>
+          </p:txBody>
+        </p:sp>
+      </p:grpSp>
       <p:cxnSp>
         <p:nvCxnSpPr>
           <p:cNvPr id="108" name="Straight Connector 107"/>
@@ -8698,7 +8864,7 @@
         </p:nvCxnSpPr>
         <p:spPr>
           <a:xfrm>
-            <a:off x="8137082" y="3410824"/>
+            <a:off x="8966824" y="1717486"/>
             <a:ext cx="615482" cy="0"/>
           </a:xfrm>
           <a:prstGeom prst="line">
@@ -8733,7 +8899,7 @@
         </p:nvCxnSpPr>
         <p:spPr>
           <a:xfrm>
-            <a:off x="7405726" y="2543749"/>
+            <a:off x="8235468" y="1714012"/>
             <a:ext cx="0" cy="867075"/>
           </a:xfrm>
           <a:prstGeom prst="straightConnector1">
@@ -8762,8 +8928,8 @@
           </a:fontRef>
         </p:style>
       </p:cxnSp>
-      <mc:AlternateContent xmlns:mc="http://schemas.openxmlformats.org/markup-compatibility/2006" xmlns:a14="http://schemas.microsoft.com/office/drawing/2010/main">
-        <mc:Choice Requires="a14">
+      <mc:AlternateContent xmlns:mc="http://schemas.openxmlformats.org/markup-compatibility/2006">
+        <mc:Choice xmlns:a14="http://schemas.microsoft.com/office/drawing/2010/main" Requires="a14">
           <p:sp>
             <p:nvSpPr>
               <p:cNvPr id="110" name="TextBox 109"/>
@@ -8772,8 +8938,8 @@
             </p:nvSpPr>
             <p:spPr>
               <a:xfrm>
-                <a:off x="6734877" y="2819704"/>
-                <a:ext cx="1488154" cy="307777"/>
+                <a:off x="7712818" y="1988995"/>
+                <a:ext cx="603893" cy="307777"/>
               </a:xfrm>
               <a:prstGeom prst="rect">
                 <a:avLst/>
@@ -8806,45 +8972,11 @@
                         <m:t>(</m:t>
                       </m:r>
                       <m:r>
-                        <m:rPr>
-                          <m:sty m:val="p"/>
-                        </m:rPr>
-                        <a:rPr lang="el-GR" sz="1400" i="1" smtClean="0">
+                        <a:rPr lang="en-US" sz="1400" b="0" i="1" smtClean="0">
                           <a:latin typeface="Cambria Math" panose="02040503050406030204" pitchFamily="18" charset="0"/>
                         </a:rPr>
-                        <m:t>ΔΔ</m:t>
+                        <m:t>𝐿𝐹𝐶</m:t>
                       </m:r>
-                      <m:sSub>
-                        <m:sSubPr>
-                          <m:ctrlPr>
-                            <a:rPr lang="el-GR" sz="1400" i="1">
-                              <a:latin typeface="Cambria Math" panose="02040503050406030204" pitchFamily="18" charset="0"/>
-                            </a:rPr>
-                          </m:ctrlPr>
-                        </m:sSubPr>
-                        <m:e>
-                          <m:r>
-                            <a:rPr lang="en-US" sz="1400" i="1">
-                              <a:latin typeface="Cambria Math" panose="02040503050406030204" pitchFamily="18" charset="0"/>
-                            </a:rPr>
-                            <m:t>𝐶</m:t>
-                          </m:r>
-                        </m:e>
-                        <m:sub>
-                          <m:r>
-                            <a:rPr lang="en-US" sz="1400" i="1">
-                              <a:latin typeface="Cambria Math" panose="02040503050406030204" pitchFamily="18" charset="0"/>
-                            </a:rPr>
-                            <m:t>𝑃</m:t>
-                          </m:r>
-                          <m:r>
-                            <a:rPr lang="en-US" sz="1400" b="0" i="1" smtClean="0">
-                              <a:latin typeface="Cambria Math" panose="02040503050406030204" pitchFamily="18" charset="0"/>
-                            </a:rPr>
-                            <m:t> </m:t>
-                          </m:r>
-                        </m:sub>
-                      </m:sSub>
                       <m:r>
                         <a:rPr lang="en-US" sz="1400" b="0" i="1" smtClean="0">
                           <a:latin typeface="Cambria Math" panose="02040503050406030204" pitchFamily="18" charset="0"/>
@@ -8861,7 +8993,7 @@
             </p:txBody>
           </p:sp>
         </mc:Choice>
-        <mc:Fallback xmlns="">
+        <mc:Fallback>
           <p:sp>
             <p:nvSpPr>
               <p:cNvPr id="110" name="TextBox 109"/>
@@ -8872,16 +9004,108 @@
             </p:nvSpPr>
             <p:spPr>
               <a:xfrm>
-                <a:off x="6734877" y="2819704"/>
-                <a:ext cx="1488154" cy="307777"/>
+                <a:off x="7712818" y="1988995"/>
+                <a:ext cx="603893" cy="307777"/>
               </a:xfrm>
               <a:prstGeom prst="rect">
                 <a:avLst/>
               </a:prstGeom>
               <a:blipFill>
-                <a:blip r:embed="rId11"/>
+                <a:blip r:embed="rId22"/>
                 <a:stretch>
-                  <a:fillRect b="-8000"/>
+                  <a:fillRect r="-78788" b="-5882"/>
+                </a:stretch>
+              </a:blipFill>
+            </p:spPr>
+            <p:txBody>
+              <a:bodyPr/>
+              <a:lstStyle/>
+              <a:p>
+                <a:r>
+                  <a:rPr lang="en-US">
+                    <a:noFill/>
+                  </a:rPr>
+                  <a:t> </a:t>
+                </a:r>
+              </a:p>
+            </p:txBody>
+          </p:sp>
+        </mc:Fallback>
+      </mc:AlternateContent>
+      <mc:AlternateContent xmlns:mc="http://schemas.openxmlformats.org/markup-compatibility/2006">
+        <mc:Choice xmlns:a14="http://schemas.microsoft.com/office/drawing/2010/main" Requires="a14">
+          <p:sp>
+            <p:nvSpPr>
+              <p:cNvPr id="66" name="TextBox 65"/>
+              <p:cNvSpPr txBox="1"/>
+              <p:nvPr/>
+            </p:nvSpPr>
+            <p:spPr>
+              <a:xfrm>
+                <a:off x="5952383" y="2372854"/>
+                <a:ext cx="655782" cy="369332"/>
+              </a:xfrm>
+              <a:prstGeom prst="rect">
+                <a:avLst/>
+              </a:prstGeom>
+              <a:noFill/>
+            </p:spPr>
+            <p:txBody>
+              <a:bodyPr wrap="square" rtlCol="0">
+                <a:spAutoFit/>
+              </a:bodyPr>
+              <a:lstStyle/>
+              <a:p>
+                <a:pPr/>
+                <a14:m>
+                  <m:oMathPara xmlns:m="http://schemas.openxmlformats.org/officeDocument/2006/math">
+                    <m:oMathParaPr>
+                      <m:jc m:val="centerGroup"/>
+                    </m:oMathParaPr>
+                    <m:oMath xmlns:m="http://schemas.openxmlformats.org/officeDocument/2006/math">
+                      <m:r>
+                        <a:rPr lang="en-US" i="1" smtClean="0">
+                          <a:latin typeface="Cambria Math" panose="02040503050406030204" pitchFamily="18" charset="0"/>
+                        </a:rPr>
+                        <m:t>𝐿</m:t>
+                      </m:r>
+                      <m:r>
+                        <a:rPr lang="en-US" b="0" i="1" smtClean="0">
+                          <a:latin typeface="Cambria Math" panose="02040503050406030204" pitchFamily="18" charset="0"/>
+                        </a:rPr>
+                        <m:t>𝐹𝐶</m:t>
+                      </m:r>
+                    </m:oMath>
+                  </m:oMathPara>
+                </a14:m>
+                <a:endParaRPr lang="en-US">
+                  <a:latin typeface="Geogrotesque Md" panose="02000000000000000000" pitchFamily="50" charset="0"/>
+                </a:endParaRPr>
+              </a:p>
+            </p:txBody>
+          </p:sp>
+        </mc:Choice>
+        <mc:Fallback>
+          <p:sp>
+            <p:nvSpPr>
+              <p:cNvPr id="66" name="TextBox 65"/>
+              <p:cNvSpPr txBox="1">
+                <a:spLocks noRot="1" noChangeAspect="1" noMove="1" noResize="1" noEditPoints="1" noAdjustHandles="1" noChangeArrowheads="1" noChangeShapeType="1" noTextEdit="1"/>
+              </p:cNvSpPr>
+              <p:nvPr/>
+            </p:nvSpPr>
+            <p:spPr>
+              <a:xfrm>
+                <a:off x="5952383" y="2372854"/>
+                <a:ext cx="655782" cy="369332"/>
+              </a:xfrm>
+              <a:prstGeom prst="rect">
+                <a:avLst/>
+              </a:prstGeom>
+              <a:blipFill>
+                <a:blip r:embed="rId23"/>
+                <a:stretch>
+                  <a:fillRect/>
                 </a:stretch>
               </a:blipFill>
             </p:spPr>
@@ -8903,335 +9127,7 @@
     </p:spTree>
     <p:extLst>
       <p:ext uri="{BB962C8B-B14F-4D97-AF65-F5344CB8AC3E}">
-        <p14:creationId xmlns:p14="http://schemas.microsoft.com/office/powerpoint/2010/main" val="1856975224"/>
-      </p:ext>
-    </p:extLst>
-  </p:cSld>
-  <p:clrMapOvr>
-    <a:masterClrMapping/>
-  </p:clrMapOvr>
-</p:sld>
-</file>
-
-<file path=ppt/slides/slide4.xml><?xml version="1.0" encoding="utf-8"?>
-<p:sld xmlns:a="http://schemas.openxmlformats.org/drawingml/2006/main" xmlns:r="http://schemas.openxmlformats.org/officeDocument/2006/relationships" xmlns:p="http://schemas.openxmlformats.org/presentationml/2006/main">
-  <p:cSld>
-    <p:spTree>
-      <p:nvGrpSpPr>
-        <p:cNvPr id="1" name=""/>
-        <p:cNvGrpSpPr/>
-        <p:nvPr/>
-      </p:nvGrpSpPr>
-      <p:grpSpPr>
-        <a:xfrm>
-          <a:off x="0" y="0"/>
-          <a:ext cx="0" cy="0"/>
-          <a:chOff x="0" y="0"/>
-          <a:chExt cx="0" cy="0"/>
-        </a:xfrm>
-      </p:grpSpPr>
-      <p:pic>
-        <p:nvPicPr>
-          <p:cNvPr id="14" name="Picture 13"/>
-          <p:cNvPicPr>
-            <a:picLocks noChangeAspect="1"/>
-          </p:cNvPicPr>
-          <p:nvPr/>
-        </p:nvPicPr>
-        <p:blipFill>
-          <a:blip r:embed="rId2"/>
-          <a:stretch>
-            <a:fillRect/>
-          </a:stretch>
-        </p:blipFill>
-        <p:spPr>
-          <a:xfrm>
-            <a:off x="2114550" y="133350"/>
-            <a:ext cx="8134350" cy="6553200"/>
-          </a:xfrm>
-          <a:prstGeom prst="rect">
-            <a:avLst/>
-          </a:prstGeom>
-        </p:spPr>
-      </p:pic>
-      <p:sp>
-        <p:nvSpPr>
-          <p:cNvPr id="6" name="Left Brace 5"/>
-          <p:cNvSpPr/>
-          <p:nvPr/>
-        </p:nvSpPr>
-        <p:spPr>
-          <a:xfrm rot="16200000">
-            <a:off x="2435129" y="6059092"/>
-            <a:ext cx="133347" cy="702468"/>
-          </a:xfrm>
-          <a:prstGeom prst="leftBrace">
-            <a:avLst/>
-          </a:prstGeom>
-          <a:ln w="19050" cap="rnd">
-            <a:solidFill>
-              <a:schemeClr val="accent2"/>
-            </a:solidFill>
-            <a:bevel/>
-          </a:ln>
-        </p:spPr>
-        <p:style>
-          <a:lnRef idx="1">
-            <a:schemeClr val="accent1"/>
-          </a:lnRef>
-          <a:fillRef idx="0">
-            <a:schemeClr val="accent1"/>
-          </a:fillRef>
-          <a:effectRef idx="0">
-            <a:schemeClr val="accent1"/>
-          </a:effectRef>
-          <a:fontRef idx="minor">
-            <a:schemeClr val="tx1"/>
-          </a:fontRef>
-        </p:style>
-        <p:txBody>
-          <a:bodyPr rtlCol="0" anchor="ctr"/>
-          <a:lstStyle/>
-          <a:p>
-            <a:pPr algn="ctr"/>
-            <a:endParaRPr lang="en-US"/>
-          </a:p>
-        </p:txBody>
-      </p:sp>
-      <p:sp>
-        <p:nvSpPr>
-          <p:cNvPr id="7" name="Rectangle 6"/>
-          <p:cNvSpPr/>
-          <p:nvPr/>
-        </p:nvSpPr>
-        <p:spPr>
-          <a:xfrm>
-            <a:off x="2068830" y="6040994"/>
-            <a:ext cx="865943" cy="369332"/>
-          </a:xfrm>
-          <a:prstGeom prst="rect">
-            <a:avLst/>
-          </a:prstGeom>
-        </p:spPr>
-        <p:txBody>
-          <a:bodyPr wrap="none">
-            <a:spAutoFit/>
-          </a:bodyPr>
-          <a:lstStyle/>
-          <a:p>
-            <a:r>
-              <a:rPr lang="en-US" smtClean="0">
-                <a:solidFill>
-                  <a:srgbClr val="0070C0"/>
-                </a:solidFill>
-                <a:latin typeface="Calibri" panose="020F0502020204030204" pitchFamily="34" charset="0"/>
-              </a:rPr>
-              <a:t>session</a:t>
-            </a:r>
-            <a:endParaRPr lang="en-US">
-              <a:solidFill>
-                <a:srgbClr val="0070C0"/>
-              </a:solidFill>
-            </a:endParaRPr>
-          </a:p>
-        </p:txBody>
-      </p:sp>
-      <p:sp>
-        <p:nvSpPr>
-          <p:cNvPr id="12" name="Left Brace 11"/>
-          <p:cNvSpPr/>
-          <p:nvPr/>
-        </p:nvSpPr>
-        <p:spPr>
-          <a:xfrm rot="16200000">
-            <a:off x="3997230" y="5281197"/>
-            <a:ext cx="133348" cy="2258258"/>
-          </a:xfrm>
-          <a:prstGeom prst="leftBrace">
-            <a:avLst/>
-          </a:prstGeom>
-          <a:ln w="19050" cap="rnd">
-            <a:solidFill>
-              <a:schemeClr val="accent2"/>
-            </a:solidFill>
-            <a:bevel/>
-          </a:ln>
-        </p:spPr>
-        <p:style>
-          <a:lnRef idx="1">
-            <a:schemeClr val="accent1"/>
-          </a:lnRef>
-          <a:fillRef idx="0">
-            <a:schemeClr val="accent1"/>
-          </a:fillRef>
-          <a:effectRef idx="0">
-            <a:schemeClr val="accent1"/>
-          </a:effectRef>
-          <a:fontRef idx="minor">
-            <a:schemeClr val="tx1"/>
-          </a:fontRef>
-        </p:style>
-        <p:txBody>
-          <a:bodyPr rtlCol="0" anchor="ctr"/>
-          <a:lstStyle/>
-          <a:p>
-            <a:pPr algn="ctr"/>
-            <a:endParaRPr lang="en-US"/>
-          </a:p>
-        </p:txBody>
-      </p:sp>
-      <p:sp>
-        <p:nvSpPr>
-          <p:cNvPr id="13" name="Rectangle 12"/>
-          <p:cNvSpPr/>
-          <p:nvPr/>
-        </p:nvSpPr>
-        <p:spPr>
-          <a:xfrm>
-            <a:off x="3553860" y="6040994"/>
-            <a:ext cx="1020087" cy="369332"/>
-          </a:xfrm>
-          <a:prstGeom prst="rect">
-            <a:avLst/>
-          </a:prstGeom>
-        </p:spPr>
-        <p:txBody>
-          <a:bodyPr wrap="none">
-            <a:spAutoFit/>
-          </a:bodyPr>
-          <a:lstStyle/>
-          <a:p>
-            <a:r>
-              <a:rPr lang="en-US" smtClean="0">
-                <a:solidFill>
-                  <a:srgbClr val="0070C0"/>
-                </a:solidFill>
-                <a:latin typeface="Calibri" panose="020F0502020204030204" pitchFamily="34" charset="0"/>
-              </a:rPr>
-              <a:t>windows</a:t>
-            </a:r>
-            <a:endParaRPr lang="en-US">
-              <a:solidFill>
-                <a:srgbClr val="0070C0"/>
-              </a:solidFill>
-            </a:endParaRPr>
-          </a:p>
-        </p:txBody>
-      </p:sp>
-      <p:cxnSp>
-        <p:nvCxnSpPr>
-          <p:cNvPr id="16" name="Straight Arrow Connector 15"/>
-          <p:cNvCxnSpPr/>
-          <p:nvPr/>
-        </p:nvCxnSpPr>
-        <p:spPr>
-          <a:xfrm flipH="1">
-            <a:off x="4887360" y="2809875"/>
-            <a:ext cx="1494392" cy="1149311"/>
-          </a:xfrm>
-          <a:prstGeom prst="straightConnector1">
-            <a:avLst/>
-          </a:prstGeom>
-          <a:ln w="19050">
-            <a:solidFill>
-              <a:schemeClr val="accent2"/>
-            </a:solidFill>
-            <a:tailEnd type="triangle" w="lg" len="med"/>
-          </a:ln>
-        </p:spPr>
-        <p:style>
-          <a:lnRef idx="1">
-            <a:schemeClr val="accent1"/>
-          </a:lnRef>
-          <a:fillRef idx="0">
-            <a:schemeClr val="accent1"/>
-          </a:fillRef>
-          <a:effectRef idx="0">
-            <a:schemeClr val="accent1"/>
-          </a:effectRef>
-          <a:fontRef idx="minor">
-            <a:schemeClr val="tx1"/>
-          </a:fontRef>
-        </p:style>
-      </p:cxnSp>
-      <p:cxnSp>
-        <p:nvCxnSpPr>
-          <p:cNvPr id="18" name="Straight Arrow Connector 17"/>
-          <p:cNvCxnSpPr/>
-          <p:nvPr/>
-        </p:nvCxnSpPr>
-        <p:spPr>
-          <a:xfrm>
-            <a:off x="3800475" y="2943225"/>
-            <a:ext cx="609600" cy="1015961"/>
-          </a:xfrm>
-          <a:prstGeom prst="straightConnector1">
-            <a:avLst/>
-          </a:prstGeom>
-          <a:ln w="19050">
-            <a:solidFill>
-              <a:schemeClr val="accent2"/>
-            </a:solidFill>
-            <a:tailEnd type="triangle" w="lg" len="med"/>
-          </a:ln>
-        </p:spPr>
-        <p:style>
-          <a:lnRef idx="1">
-            <a:schemeClr val="accent1"/>
-          </a:lnRef>
-          <a:fillRef idx="0">
-            <a:schemeClr val="accent1"/>
-          </a:fillRef>
-          <a:effectRef idx="0">
-            <a:schemeClr val="accent1"/>
-          </a:effectRef>
-          <a:fontRef idx="minor">
-            <a:schemeClr val="tx1"/>
-          </a:fontRef>
-        </p:style>
-      </p:cxnSp>
-      <p:sp>
-        <p:nvSpPr>
-          <p:cNvPr id="21" name="Rectangle 20"/>
-          <p:cNvSpPr/>
-          <p:nvPr/>
-        </p:nvSpPr>
-        <p:spPr>
-          <a:xfrm>
-            <a:off x="4277760" y="3908941"/>
-            <a:ext cx="744114" cy="369332"/>
-          </a:xfrm>
-          <a:prstGeom prst="rect">
-            <a:avLst/>
-          </a:prstGeom>
-        </p:spPr>
-        <p:txBody>
-          <a:bodyPr wrap="none">
-            <a:spAutoFit/>
-          </a:bodyPr>
-          <a:lstStyle/>
-          <a:p>
-            <a:r>
-              <a:rPr lang="en-US" smtClean="0">
-                <a:solidFill>
-                  <a:srgbClr val="0070C0"/>
-                </a:solidFill>
-                <a:latin typeface="Calibri" panose="020F0502020204030204" pitchFamily="34" charset="0"/>
-              </a:rPr>
-              <a:t>panes</a:t>
-            </a:r>
-            <a:endParaRPr lang="en-US">
-              <a:solidFill>
-                <a:srgbClr val="0070C0"/>
-              </a:solidFill>
-            </a:endParaRPr>
-          </a:p>
-        </p:txBody>
-      </p:sp>
-    </p:spTree>
-    <p:extLst>
-      <p:ext uri="{BB962C8B-B14F-4D97-AF65-F5344CB8AC3E}">
-        <p14:creationId xmlns:p14="http://schemas.microsoft.com/office/powerpoint/2010/main" val="3608598174"/>
+        <p14:creationId xmlns:p14="http://schemas.microsoft.com/office/powerpoint/2010/main" val="1337845473"/>
       </p:ext>
     </p:extLst>
   </p:cSld>
